--- a/Optimizing Gait.pptx
+++ b/Optimizing Gait.pptx
@@ -7011,7 +7011,7 @@
             <a:pPr lvl="1"/>
             <a:r>
               <a:rPr lang="en-US" sz="1800" dirty="0"/>
-              <a:t>Fitness: </a:t>
+              <a:t>Fitness: .223 m/s</a:t>
             </a:r>
           </a:p>
           <a:p>
@@ -11027,7 +11027,7 @@
             <a:pPr lvl="1"/>
             <a:r>
               <a:rPr lang="en-US" sz="1800" dirty="0"/>
-              <a:t>Fitness: </a:t>
+              <a:t>Fitness: 0.219 m/s</a:t>
             </a:r>
           </a:p>
           <a:p>
@@ -16913,15 +16913,15 @@
         </p:spPr>
         <p:txBody>
           <a:bodyPr anchor="b">
-            <a:normAutofit/>
+            <a:normAutofit fontScale="90000"/>
           </a:bodyPr>
           <a:lstStyle/>
           <a:p>
             <a:r>
-              <a:rPr lang="en-US" sz="5400"/>
-              <a:t>Snake force implementation - Twist</a:t>
+              <a:rPr lang="en-US" sz="5400" dirty="0"/>
+              <a:t>Snake force implementation - stretching</a:t>
             </a:r>
-            <a:endParaRPr lang="LID4096" sz="5400"/>
+            <a:endParaRPr lang="LID4096" sz="5400" dirty="0"/>
           </a:p>
         </p:txBody>
       </p:sp>
@@ -17617,11 +17617,34 @@
           <a:p>
             <a:r>
               <a:rPr lang="en-US" sz="2200" dirty="0"/>
-              <a:t>We defined the twist force in our project as shown on the right</a:t>
+              <a:t>We defined the stretching force in our project as shown on the right</a:t>
             </a:r>
           </a:p>
           <a:p>
-            <a:endParaRPr lang="en-US" sz="2200" dirty="0"/>
+            <a:r>
+              <a:rPr lang="en-US" sz="2200" dirty="0"/>
+              <a:t>Total force has a magnitude given by its normalized length based on the Beta spline coefficients</a:t>
+            </a:r>
+          </a:p>
+          <a:p>
+            <a:r>
+              <a:rPr lang="en-US" sz="2200" dirty="0"/>
+              <a:t>The snake choose between crawling and slithering, </a:t>
+            </a:r>
+            <a:r>
+              <a:rPr lang="en-US" sz="2200" dirty="0" err="1"/>
+              <a:t>percent_crawling</a:t>
+            </a:r>
+            <a:r>
+              <a:rPr lang="en-US" sz="2200" dirty="0"/>
+              <a:t> means how much percent of force is used to generate stretching force that results in wiggling.</a:t>
+            </a:r>
+          </a:p>
+          <a:p>
+            <a:r>
+              <a:rPr lang="en-US" sz="2200" dirty="0"/>
+              <a:t>Stretching is an internal force, therefore perform in place addition for the tail nodes as they are pulled forward, and in place subtraction for head nodes as they pulled backwards by reaction forces.</a:t>
+            </a:r>
           </a:p>
           <a:p>
             <a:pPr lvl="1"/>
@@ -17788,10 +17811,10 @@
           <a:lstStyle/>
           <a:p>
             <a:r>
-              <a:rPr lang="en-US" sz="5400"/>
-              <a:t>Snake force implementation - Stretch</a:t>
+              <a:rPr lang="en-US" sz="5400" dirty="0"/>
+              <a:t>Snake force implementation - slithering</a:t>
             </a:r>
-            <a:endParaRPr lang="LID4096" sz="5400"/>
+            <a:endParaRPr lang="LID4096" sz="5400" dirty="0"/>
           </a:p>
         </p:txBody>
       </p:sp>
@@ -18487,11 +18510,26 @@
           <a:p>
             <a:r>
               <a:rPr lang="en-US" sz="2200" dirty="0"/>
-              <a:t>We defined the stretch force in our project as shown on the right</a:t>
+              <a:t>We defined the twisting torque in our project as shown on the right</a:t>
             </a:r>
           </a:p>
           <a:p>
-            <a:endParaRPr lang="en-US" sz="2200" dirty="0"/>
+            <a:r>
+              <a:rPr lang="en-US" sz="2200" dirty="0"/>
+              <a:t>As the snake contract its muscle, unbalanced force on the sides create force couples, thus generating torques.</a:t>
+            </a:r>
+          </a:p>
+          <a:p>
+            <a:r>
+              <a:rPr lang="en-US" sz="2200" dirty="0"/>
+              <a:t>We assume the forces are equal and opposite direction on the two side of the snake, therefore there is a moment arm = diameter of the snake</a:t>
+            </a:r>
+          </a:p>
+          <a:p>
+            <a:r>
+              <a:rPr lang="en-US" sz="2200" dirty="0"/>
+              <a:t>As this is an internal torque, we need in place addition and subtraction with the same reason we do for the stretching force.</a:t>
+            </a:r>
           </a:p>
           <a:p>
             <a:pPr lvl="1"/>
@@ -22945,7 +22983,7 @@
             <a:pPr lvl="1"/>
             <a:r>
               <a:rPr lang="en-US" sz="1800" dirty="0"/>
-              <a:t>Fitness: </a:t>
+              <a:t>Fitness:  0.163 m/s</a:t>
             </a:r>
           </a:p>
           <a:p>

--- a/Optimizing Gait.pptx
+++ b/Optimizing Gait.pptx
@@ -18,8 +18,10 @@
     <p:sldId id="274" r:id="rId12"/>
     <p:sldId id="277" r:id="rId13"/>
     <p:sldId id="291" r:id="rId14"/>
-    <p:sldId id="292" r:id="rId15"/>
-    <p:sldId id="288" r:id="rId16"/>
+    <p:sldId id="294" r:id="rId15"/>
+    <p:sldId id="293" r:id="rId16"/>
+    <p:sldId id="292" r:id="rId17"/>
+    <p:sldId id="288" r:id="rId18"/>
   </p:sldIdLst>
   <p:sldSz cx="12192000" cy="6858000"/>
   <p:notesSz cx="6858000" cy="9144000"/>
@@ -11935,6 +11937,809 @@
 <file path=ppt/slides/slide14.xml><?xml version="1.0" encoding="utf-8"?>
 <p:sld xmlns:a="http://schemas.openxmlformats.org/drawingml/2006/main" xmlns:r="http://schemas.openxmlformats.org/officeDocument/2006/relationships" xmlns:p="http://schemas.openxmlformats.org/presentationml/2006/main">
   <p:cSld>
+    <p:spTree>
+      <p:nvGrpSpPr>
+        <p:cNvPr id="1" name=""/>
+        <p:cNvGrpSpPr/>
+        <p:nvPr/>
+      </p:nvGrpSpPr>
+      <p:grpSpPr>
+        <a:xfrm>
+          <a:off x="0" y="0"/>
+          <a:ext cx="0" cy="0"/>
+          <a:chOff x="0" y="0"/>
+          <a:chExt cx="0" cy="0"/>
+        </a:xfrm>
+      </p:grpSpPr>
+      <p:pic>
+        <p:nvPicPr>
+          <p:cNvPr id="4" name="continuum_snake">
+            <a:hlinkClick r:id="" action="ppaction://media"/>
+            <a:extLst>
+              <a:ext uri="{FF2B5EF4-FFF2-40B4-BE49-F238E27FC236}">
+                <a16:creationId xmlns:a16="http://schemas.microsoft.com/office/drawing/2014/main" id="{BABF6F7E-6FC1-2019-EB1E-B0FE5756E9B5}"/>
+              </a:ext>
+            </a:extLst>
+          </p:cNvPr>
+          <p:cNvPicPr>
+            <a:picLocks noChangeAspect="1"/>
+          </p:cNvPicPr>
+          <p:nvPr>
+            <a:videoFile r:link="rId2"/>
+            <p:extLst>
+              <p:ext uri="{DAA4B4D4-6D71-4841-9C94-3DE7FCFB9230}">
+                <p14:media xmlns:p14="http://schemas.microsoft.com/office/powerpoint/2010/main" r:embed="rId1"/>
+              </p:ext>
+            </p:extLst>
+          </p:nvPr>
+        </p:nvPicPr>
+        <p:blipFill>
+          <a:blip r:embed="rId4"/>
+          <a:stretch>
+            <a:fillRect/>
+          </a:stretch>
+        </p:blipFill>
+        <p:spPr>
+          <a:xfrm>
+            <a:off x="4451350" y="193963"/>
+            <a:ext cx="7278832" cy="5823066"/>
+          </a:xfrm>
+          <a:prstGeom prst="rect">
+            <a:avLst/>
+          </a:prstGeom>
+        </p:spPr>
+      </p:pic>
+      <p:sp>
+        <p:nvSpPr>
+          <p:cNvPr id="5" name="TextBox 4">
+            <a:extLst>
+              <a:ext uri="{FF2B5EF4-FFF2-40B4-BE49-F238E27FC236}">
+                <a16:creationId xmlns:a16="http://schemas.microsoft.com/office/drawing/2014/main" id="{28F70467-3280-200B-5EDC-53A6538BCE59}"/>
+              </a:ext>
+            </a:extLst>
+          </p:cNvPr>
+          <p:cNvSpPr txBox="1"/>
+          <p:nvPr/>
+        </p:nvSpPr>
+        <p:spPr>
+          <a:xfrm>
+            <a:off x="323274" y="1413164"/>
+            <a:ext cx="4612714" cy="2862322"/>
+          </a:xfrm>
+          <a:prstGeom prst="rect">
+            <a:avLst/>
+          </a:prstGeom>
+          <a:noFill/>
+        </p:spPr>
+        <p:txBody>
+          <a:bodyPr wrap="square" rtlCol="0">
+            <a:spAutoFit/>
+          </a:bodyPr>
+          <a:lstStyle/>
+          <a:p>
+            <a:r>
+              <a:rPr lang="en-US" dirty="0"/>
+              <a:t>An extreme case where I also optimized for muscular activity period (with no restriction) and assumed very small forward kinematic friction (1/10 of original) while friction in other directions under different conditions remains the same.</a:t>
+            </a:r>
+          </a:p>
+          <a:p>
+            <a:endParaRPr lang="en-US" dirty="0"/>
+          </a:p>
+          <a:p>
+            <a:r>
+              <a:rPr lang="en-US" dirty="0"/>
+              <a:t>This shows that wiggling dominates the gait when forward kinematic friction is small.</a:t>
+            </a:r>
+          </a:p>
+          <a:p>
+            <a:endParaRPr lang="en-US" dirty="0"/>
+          </a:p>
+        </p:txBody>
+      </p:sp>
+    </p:spTree>
+    <p:extLst>
+      <p:ext uri="{BB962C8B-B14F-4D97-AF65-F5344CB8AC3E}">
+        <p14:creationId xmlns:p14="http://schemas.microsoft.com/office/powerpoint/2010/main" val="1554812136"/>
+      </p:ext>
+    </p:extLst>
+  </p:cSld>
+  <p:clrMapOvr>
+    <a:masterClrMapping/>
+  </p:clrMapOvr>
+  <p:timing>
+    <p:tnLst>
+      <p:par>
+        <p:cTn id="1" dur="indefinite" restart="never" nodeType="tmRoot">
+          <p:childTnLst>
+            <p:seq concurrent="1" nextAc="seek">
+              <p:cTn id="2" dur="indefinite" nodeType="mainSeq">
+                <p:childTnLst>
+                  <p:par>
+                    <p:cTn id="3" fill="hold">
+                      <p:stCondLst>
+                        <p:cond delay="indefinite"/>
+                      </p:stCondLst>
+                      <p:childTnLst>
+                        <p:par>
+                          <p:cTn id="4" fill="hold">
+                            <p:stCondLst>
+                              <p:cond delay="0"/>
+                            </p:stCondLst>
+                            <p:childTnLst>
+                              <p:par>
+                                <p:cTn id="5" presetID="1" presetClass="mediacall" presetSubtype="0" fill="hold" nodeType="clickEffect">
+                                  <p:stCondLst>
+                                    <p:cond delay="0"/>
+                                  </p:stCondLst>
+                                  <p:childTnLst>
+                                    <p:cmd type="call" cmd="playFrom(0.0)">
+                                      <p:cBhvr>
+                                        <p:cTn id="6" dur="5017" fill="hold"/>
+                                        <p:tgtEl>
+                                          <p:spTgt spid="4"/>
+                                        </p:tgtEl>
+                                      </p:cBhvr>
+                                    </p:cmd>
+                                  </p:childTnLst>
+                                </p:cTn>
+                              </p:par>
+                            </p:childTnLst>
+                          </p:cTn>
+                        </p:par>
+                      </p:childTnLst>
+                    </p:cTn>
+                  </p:par>
+                </p:childTnLst>
+              </p:cTn>
+              <p:prevCondLst>
+                <p:cond evt="onPrev" delay="0">
+                  <p:tgtEl>
+                    <p:sldTgt/>
+                  </p:tgtEl>
+                </p:cond>
+              </p:prevCondLst>
+              <p:nextCondLst>
+                <p:cond evt="onNext" delay="0">
+                  <p:tgtEl>
+                    <p:sldTgt/>
+                  </p:tgtEl>
+                </p:cond>
+              </p:nextCondLst>
+            </p:seq>
+            <p:video>
+              <p:cMediaNode vol="80000">
+                <p:cTn id="7" fill="hold" display="0">
+                  <p:stCondLst>
+                    <p:cond delay="indefinite"/>
+                  </p:stCondLst>
+                </p:cTn>
+                <p:tgtEl>
+                  <p:spTgt spid="4"/>
+                </p:tgtEl>
+              </p:cMediaNode>
+            </p:video>
+            <p:seq concurrent="1" nextAc="seek">
+              <p:cTn id="8" restart="whenNotActive" fill="hold" evtFilter="cancelBubble" nodeType="interactiveSeq">
+                <p:stCondLst>
+                  <p:cond evt="onClick" delay="0">
+                    <p:tgtEl>
+                      <p:spTgt spid="4"/>
+                    </p:tgtEl>
+                  </p:cond>
+                </p:stCondLst>
+                <p:endSync evt="end" delay="0">
+                  <p:rtn val="all"/>
+                </p:endSync>
+                <p:childTnLst>
+                  <p:par>
+                    <p:cTn id="9" fill="hold">
+                      <p:stCondLst>
+                        <p:cond delay="0"/>
+                      </p:stCondLst>
+                      <p:childTnLst>
+                        <p:par>
+                          <p:cTn id="10" fill="hold">
+                            <p:stCondLst>
+                              <p:cond delay="0"/>
+                            </p:stCondLst>
+                            <p:childTnLst>
+                              <p:par>
+                                <p:cTn id="11" presetID="2" presetClass="mediacall" presetSubtype="0" fill="hold" nodeType="clickEffect">
+                                  <p:stCondLst>
+                                    <p:cond delay="0"/>
+                                  </p:stCondLst>
+                                  <p:childTnLst>
+                                    <p:cmd type="call" cmd="togglePause">
+                                      <p:cBhvr>
+                                        <p:cTn id="12" dur="1" fill="hold"/>
+                                        <p:tgtEl>
+                                          <p:spTgt spid="4"/>
+                                        </p:tgtEl>
+                                      </p:cBhvr>
+                                    </p:cmd>
+                                  </p:childTnLst>
+                                </p:cTn>
+                              </p:par>
+                            </p:childTnLst>
+                          </p:cTn>
+                        </p:par>
+                      </p:childTnLst>
+                    </p:cTn>
+                  </p:par>
+                </p:childTnLst>
+              </p:cTn>
+              <p:nextCondLst>
+                <p:cond evt="onClick" delay="0">
+                  <p:tgtEl>
+                    <p:spTgt spid="4"/>
+                  </p:tgtEl>
+                </p:cond>
+              </p:nextCondLst>
+            </p:seq>
+          </p:childTnLst>
+        </p:cTn>
+      </p:par>
+    </p:tnLst>
+  </p:timing>
+</p:sld>
+</file>
+
+<file path=ppt/slides/slide15.xml><?xml version="1.0" encoding="utf-8"?>
+<p:sld xmlns:a="http://schemas.openxmlformats.org/drawingml/2006/main" xmlns:r="http://schemas.openxmlformats.org/officeDocument/2006/relationships" xmlns:p="http://schemas.openxmlformats.org/presentationml/2006/main">
+  <p:cSld>
+    <p:spTree>
+      <p:nvGrpSpPr>
+        <p:cNvPr id="1" name=""/>
+        <p:cNvGrpSpPr/>
+        <p:nvPr/>
+      </p:nvGrpSpPr>
+      <p:grpSpPr>
+        <a:xfrm>
+          <a:off x="0" y="0"/>
+          <a:ext cx="0" cy="0"/>
+          <a:chOff x="0" y="0"/>
+          <a:chExt cx="0" cy="0"/>
+        </a:xfrm>
+      </p:grpSpPr>
+      <p:sp>
+        <p:nvSpPr>
+          <p:cNvPr id="2" name="Title 1">
+            <a:extLst>
+              <a:ext uri="{FF2B5EF4-FFF2-40B4-BE49-F238E27FC236}">
+                <a16:creationId xmlns:a16="http://schemas.microsoft.com/office/drawing/2014/main" id="{8EAD8646-65BD-60D9-126E-532A965619B6}"/>
+              </a:ext>
+            </a:extLst>
+          </p:cNvPr>
+          <p:cNvSpPr>
+            <a:spLocks noGrp="1"/>
+          </p:cNvSpPr>
+          <p:nvPr>
+            <p:ph type="title"/>
+          </p:nvPr>
+        </p:nvSpPr>
+        <p:spPr/>
+        <p:txBody>
+          <a:bodyPr/>
+          <a:lstStyle/>
+          <a:p>
+            <a:r>
+              <a:rPr lang="en-US" dirty="0"/>
+              <a:t>Rattle snake</a:t>
+            </a:r>
+          </a:p>
+        </p:txBody>
+      </p:sp>
+      <p:pic>
+        <p:nvPicPr>
+          <p:cNvPr id="4" name="rattle_snake">
+            <a:hlinkClick r:id="" action="ppaction://media"/>
+            <a:extLst>
+              <a:ext uri="{FF2B5EF4-FFF2-40B4-BE49-F238E27FC236}">
+                <a16:creationId xmlns:a16="http://schemas.microsoft.com/office/drawing/2014/main" id="{41620BC8-428E-75A6-222D-B94DD1E731CB}"/>
+              </a:ext>
+            </a:extLst>
+          </p:cNvPr>
+          <p:cNvPicPr>
+            <a:picLocks noGrp="1" noChangeAspect="1"/>
+          </p:cNvPicPr>
+          <p:nvPr>
+            <p:ph idx="1"/>
+            <a:videoFile r:link="rId2"/>
+            <p:extLst>
+              <p:ext uri="{DAA4B4D4-6D71-4841-9C94-3DE7FCFB9230}">
+                <p14:media xmlns:p14="http://schemas.microsoft.com/office/powerpoint/2010/main" r:embed="rId1"/>
+              </p:ext>
+            </p:extLst>
+          </p:nvPr>
+        </p:nvPicPr>
+        <p:blipFill>
+          <a:blip r:embed="rId4"/>
+          <a:stretch>
+            <a:fillRect/>
+          </a:stretch>
+        </p:blipFill>
+        <p:spPr>
+          <a:xfrm>
+            <a:off x="6213817" y="1253331"/>
+            <a:ext cx="5438775" cy="4351338"/>
+          </a:xfrm>
+        </p:spPr>
+      </p:pic>
+      <p:sp>
+        <p:nvSpPr>
+          <p:cNvPr id="7" name="Rectangle 2">
+            <a:extLst>
+              <a:ext uri="{FF2B5EF4-FFF2-40B4-BE49-F238E27FC236}">
+                <a16:creationId xmlns:a16="http://schemas.microsoft.com/office/drawing/2014/main" id="{7232A6A2-16BB-8053-C531-3D1DAC9E0FD8}"/>
+              </a:ext>
+            </a:extLst>
+          </p:cNvPr>
+          <p:cNvSpPr>
+            <a:spLocks noChangeArrowheads="1"/>
+          </p:cNvSpPr>
+          <p:nvPr/>
+        </p:nvSpPr>
+        <p:spPr bwMode="auto">
+          <a:xfrm>
+            <a:off x="153823" y="2257008"/>
+            <a:ext cx="6494085" cy="1754326"/>
+          </a:xfrm>
+          <a:prstGeom prst="rect">
+            <a:avLst/>
+          </a:prstGeom>
+          <a:solidFill>
+            <a:srgbClr val="2B2B2B"/>
+          </a:solidFill>
+          <a:ln>
+            <a:noFill/>
+          </a:ln>
+          <a:effectLst/>
+          <a:extLst>
+            <a:ext uri="{91240B29-F687-4F45-9708-019B960494DF}">
+              <a14:hiddenLine xmlns:a14="http://schemas.microsoft.com/office/drawing/2010/main" w="9525">
+                <a:solidFill>
+                  <a:schemeClr val="tx1"/>
+                </a:solidFill>
+                <a:miter lim="800000"/>
+                <a:headEnd/>
+                <a:tailEnd/>
+              </a14:hiddenLine>
+            </a:ext>
+            <a:ext uri="{AF507438-7753-43E0-B8FC-AC1667EBCBE1}">
+              <a14:hiddenEffects xmlns:a14="http://schemas.microsoft.com/office/drawing/2010/main">
+                <a:effectLst>
+                  <a:outerShdw dist="35921" dir="2700000" algn="ctr" rotWithShape="0">
+                    <a:schemeClr val="bg2"/>
+                  </a:outerShdw>
+                </a:effectLst>
+              </a14:hiddenEffects>
+            </a:ext>
+          </a:extLst>
+        </p:spPr>
+        <p:txBody>
+          <a:bodyPr vert="horz" wrap="none" lIns="91440" tIns="45720" rIns="91440" bIns="45720" numCol="1" anchor="ctr" anchorCtr="0" compatLnSpc="1">
+            <a:prstTxWarp prst="textNoShape">
+              <a:avLst/>
+            </a:prstTxWarp>
+            <a:spAutoFit/>
+          </a:bodyPr>
+          <a:lstStyle/>
+          <a:p>
+            <a:pPr marL="0" marR="0" lvl="0" indent="0" algn="l" defTabSz="914400" rtl="0" eaLnBrk="0" fontAlgn="base" latinLnBrk="0" hangingPunct="0">
+              <a:lnSpc>
+                <a:spcPct val="100000"/>
+              </a:lnSpc>
+              <a:spcBef>
+                <a:spcPct val="0"/>
+              </a:spcBef>
+              <a:spcAft>
+                <a:spcPct val="0"/>
+              </a:spcAft>
+              <a:buClrTx/>
+              <a:buSzTx/>
+              <a:buFontTx/>
+              <a:buNone/>
+              <a:tabLst/>
+            </a:pPr>
+            <a:r>
+              <a:rPr kumimoji="0" lang="en-US" altLang="en-US" sz="1200" b="0" i="0" u="none" strike="noStrike" cap="none" normalizeH="0" baseline="0" dirty="0">
+                <a:ln>
+                  <a:noFill/>
+                </a:ln>
+                <a:solidFill>
+                  <a:srgbClr val="6A8759"/>
+                </a:solidFill>
+                <a:effectLst/>
+                <a:latin typeface="Arial Unicode MS"/>
+                <a:ea typeface="JetBrains Mono"/>
+              </a:rPr>
+              <a:t>assumptions: A rattle snake lifts its body when it is going forward</a:t>
+            </a:r>
+            <a:br>
+              <a:rPr kumimoji="0" lang="en-US" altLang="en-US" sz="1200" b="0" i="0" u="none" strike="noStrike" cap="none" normalizeH="0" baseline="0" dirty="0">
+                <a:ln>
+                  <a:noFill/>
+                </a:ln>
+                <a:solidFill>
+                  <a:srgbClr val="6A8759"/>
+                </a:solidFill>
+                <a:effectLst/>
+                <a:latin typeface="Arial Unicode MS"/>
+                <a:ea typeface="JetBrains Mono"/>
+              </a:rPr>
+            </a:br>
+            <a:r>
+              <a:rPr kumimoji="0" lang="en-US" altLang="en-US" sz="1200" b="0" i="0" u="none" strike="noStrike" cap="none" normalizeH="0" baseline="0" dirty="0">
+                <a:ln>
+                  <a:noFill/>
+                </a:ln>
+                <a:solidFill>
+                  <a:srgbClr val="6A8759"/>
+                </a:solidFill>
+                <a:effectLst/>
+                <a:latin typeface="Arial Unicode MS"/>
+                <a:ea typeface="JetBrains Mono"/>
+              </a:rPr>
+              <a:t>Therefore, the forward kinetic friction must be significantly lower</a:t>
+            </a:r>
+            <a:br>
+              <a:rPr kumimoji="0" lang="en-US" altLang="en-US" sz="1200" b="0" i="0" u="none" strike="noStrike" cap="none" normalizeH="0" baseline="0" dirty="0">
+                <a:ln>
+                  <a:noFill/>
+                </a:ln>
+                <a:solidFill>
+                  <a:srgbClr val="6A8759"/>
+                </a:solidFill>
+                <a:effectLst/>
+                <a:latin typeface="Arial Unicode MS"/>
+                <a:ea typeface="JetBrains Mono"/>
+              </a:rPr>
+            </a:br>
+            <a:r>
+              <a:rPr kumimoji="0" lang="en-US" altLang="en-US" sz="1200" b="0" i="0" u="none" strike="noStrike" cap="none" normalizeH="0" baseline="0" dirty="0">
+                <a:ln>
+                  <a:noFill/>
+                </a:ln>
+                <a:solidFill>
+                  <a:srgbClr val="6A8759"/>
+                </a:solidFill>
+                <a:effectLst/>
+                <a:latin typeface="Arial Unicode MS"/>
+                <a:ea typeface="JetBrains Mono"/>
+              </a:rPr>
+              <a:t>Also, A rattle snake must have optimized its muscle so that the period of muscular activities</a:t>
+            </a:r>
+            <a:br>
+              <a:rPr kumimoji="0" lang="en-US" altLang="en-US" sz="1200" b="0" i="0" u="none" strike="noStrike" cap="none" normalizeH="0" baseline="0" dirty="0">
+                <a:ln>
+                  <a:noFill/>
+                </a:ln>
+                <a:solidFill>
+                  <a:srgbClr val="6A8759"/>
+                </a:solidFill>
+                <a:effectLst/>
+                <a:latin typeface="Arial Unicode MS"/>
+                <a:ea typeface="JetBrains Mono"/>
+              </a:rPr>
+            </a:br>
+            <a:r>
+              <a:rPr kumimoji="0" lang="en-US" altLang="en-US" sz="1200" b="0" i="0" u="none" strike="noStrike" cap="none" normalizeH="0" baseline="0" dirty="0">
+                <a:ln>
+                  <a:noFill/>
+                </a:ln>
+                <a:solidFill>
+                  <a:srgbClr val="6A8759"/>
+                </a:solidFill>
+                <a:effectLst/>
+                <a:latin typeface="Arial Unicode MS"/>
+                <a:ea typeface="JetBrains Mono"/>
+              </a:rPr>
+              <a:t>are perfect optimal for their crawling speed within reasonable range.</a:t>
+            </a:r>
+            <a:br>
+              <a:rPr kumimoji="0" lang="en-US" altLang="en-US" sz="1200" b="0" i="0" u="none" strike="noStrike" cap="none" normalizeH="0" baseline="0" dirty="0">
+                <a:ln>
+                  <a:noFill/>
+                </a:ln>
+                <a:solidFill>
+                  <a:srgbClr val="6A8759"/>
+                </a:solidFill>
+                <a:effectLst/>
+                <a:latin typeface="Arial Unicode MS"/>
+                <a:ea typeface="JetBrains Mono"/>
+              </a:rPr>
+            </a:br>
+            <a:r>
+              <a:rPr kumimoji="0" lang="en-US" altLang="en-US" sz="1200" b="0" i="0" u="none" strike="noStrike" cap="none" normalizeH="0" baseline="0" dirty="0">
+                <a:ln>
+                  <a:noFill/>
+                </a:ln>
+                <a:solidFill>
+                  <a:srgbClr val="6A8759"/>
+                </a:solidFill>
+                <a:effectLst/>
+                <a:latin typeface="Arial Unicode MS"/>
+                <a:ea typeface="JetBrains Mono"/>
+              </a:rPr>
+              <a:t>Assume the forward kinetic friction is 1/4 of original</a:t>
+            </a:r>
+            <a:br>
+              <a:rPr kumimoji="0" lang="en-US" altLang="en-US" sz="1200" b="0" i="0" u="none" strike="noStrike" cap="none" normalizeH="0" baseline="0" dirty="0">
+                <a:ln>
+                  <a:noFill/>
+                </a:ln>
+                <a:solidFill>
+                  <a:srgbClr val="6A8759"/>
+                </a:solidFill>
+                <a:effectLst/>
+                <a:latin typeface="Arial Unicode MS"/>
+                <a:ea typeface="JetBrains Mono"/>
+              </a:rPr>
+            </a:br>
+            <a:r>
+              <a:rPr kumimoji="0" lang="en-US" altLang="en-US" sz="1200" b="0" i="0" u="none" strike="noStrike" cap="none" normalizeH="0" baseline="0" dirty="0">
+                <a:ln>
+                  <a:noFill/>
+                </a:ln>
+                <a:solidFill>
+                  <a:srgbClr val="6A8759"/>
+                </a:solidFill>
+                <a:effectLst/>
+                <a:latin typeface="Arial Unicode MS"/>
+                <a:ea typeface="JetBrains Mono"/>
+              </a:rPr>
+              <a:t>Assume the muscle over the whole body contracts with a period at least 0.25s.</a:t>
+            </a:r>
+          </a:p>
+          <a:p>
+            <a:pPr marL="0" marR="0" lvl="0" indent="0" algn="l" defTabSz="914400" rtl="0" eaLnBrk="0" fontAlgn="base" latinLnBrk="0" hangingPunct="0">
+              <a:lnSpc>
+                <a:spcPct val="100000"/>
+              </a:lnSpc>
+              <a:spcBef>
+                <a:spcPct val="0"/>
+              </a:spcBef>
+              <a:spcAft>
+                <a:spcPct val="0"/>
+              </a:spcAft>
+              <a:buClrTx/>
+              <a:buSzTx/>
+              <a:buFontTx/>
+              <a:buNone/>
+              <a:tabLst/>
+            </a:pPr>
+            <a:endParaRPr kumimoji="0" lang="en-US" altLang="en-US" sz="1200" b="0" i="0" u="none" strike="noStrike" cap="none" normalizeH="0" baseline="0" dirty="0">
+              <a:ln>
+                <a:noFill/>
+              </a:ln>
+              <a:solidFill>
+                <a:srgbClr val="6A8759"/>
+              </a:solidFill>
+              <a:effectLst/>
+              <a:latin typeface="Arial Unicode MS"/>
+            </a:endParaRPr>
+          </a:p>
+          <a:p>
+            <a:pPr marL="0" marR="0" lvl="0" indent="0" algn="l" defTabSz="914400" rtl="0" eaLnBrk="0" fontAlgn="base" latinLnBrk="0" hangingPunct="0">
+              <a:lnSpc>
+                <a:spcPct val="100000"/>
+              </a:lnSpc>
+              <a:spcBef>
+                <a:spcPct val="0"/>
+              </a:spcBef>
+              <a:spcAft>
+                <a:spcPct val="0"/>
+              </a:spcAft>
+              <a:buClrTx/>
+              <a:buSzTx/>
+              <a:buFontTx/>
+              <a:buNone/>
+              <a:tabLst/>
+            </a:pPr>
+            <a:r>
+              <a:rPr lang="en-US" altLang="en-US" sz="1200" dirty="0">
+                <a:solidFill>
+                  <a:srgbClr val="6A8759"/>
+                </a:solidFill>
+                <a:latin typeface="Arial Unicode MS"/>
+              </a:rPr>
+              <a:t>In this case, forward kinetic friction is attenuated but it is still present, so slithering is optimum</a:t>
+            </a:r>
+          </a:p>
+          <a:p>
+            <a:pPr marL="0" marR="0" lvl="0" indent="0" algn="l" defTabSz="914400" rtl="0" eaLnBrk="0" fontAlgn="base" latinLnBrk="0" hangingPunct="0">
+              <a:lnSpc>
+                <a:spcPct val="100000"/>
+              </a:lnSpc>
+              <a:spcBef>
+                <a:spcPct val="0"/>
+              </a:spcBef>
+              <a:spcAft>
+                <a:spcPct val="0"/>
+              </a:spcAft>
+              <a:buClrTx/>
+              <a:buSzTx/>
+              <a:buFontTx/>
+              <a:buNone/>
+              <a:tabLst/>
+            </a:pPr>
+            <a:r>
+              <a:rPr kumimoji="0" lang="en-US" altLang="en-US" sz="1200" b="0" i="0" u="none" strike="noStrike" cap="none" normalizeH="0" baseline="0" dirty="0">
+                <a:ln>
+                  <a:noFill/>
+                </a:ln>
+                <a:solidFill>
+                  <a:srgbClr val="6A8759"/>
+                </a:solidFill>
+                <a:effectLst/>
+                <a:latin typeface="Arial Unicode MS"/>
+              </a:rPr>
+              <a:t>for the snake.</a:t>
+            </a:r>
+            <a:endParaRPr kumimoji="0" lang="en-US" altLang="en-US" sz="1800" b="0" i="0" u="none" strike="noStrike" cap="none" normalizeH="0" baseline="0" dirty="0">
+              <a:ln>
+                <a:noFill/>
+              </a:ln>
+              <a:solidFill>
+                <a:schemeClr val="tx1"/>
+              </a:solidFill>
+              <a:effectLst/>
+              <a:latin typeface="Arial" panose="020B0604020202020204" pitchFamily="34" charset="0"/>
+            </a:endParaRPr>
+          </a:p>
+        </p:txBody>
+      </p:sp>
+    </p:spTree>
+    <p:extLst>
+      <p:ext uri="{BB962C8B-B14F-4D97-AF65-F5344CB8AC3E}">
+        <p14:creationId xmlns:p14="http://schemas.microsoft.com/office/powerpoint/2010/main" val="276133011"/>
+      </p:ext>
+    </p:extLst>
+  </p:cSld>
+  <p:clrMapOvr>
+    <a:masterClrMapping/>
+  </p:clrMapOvr>
+  <p:timing>
+    <p:tnLst>
+      <p:par>
+        <p:cTn id="1" dur="indefinite" restart="never" nodeType="tmRoot">
+          <p:childTnLst>
+            <p:seq concurrent="1" nextAc="seek">
+              <p:cTn id="2" dur="indefinite" nodeType="mainSeq">
+                <p:childTnLst>
+                  <p:par>
+                    <p:cTn id="3" fill="hold">
+                      <p:stCondLst>
+                        <p:cond delay="indefinite"/>
+                      </p:stCondLst>
+                      <p:childTnLst>
+                        <p:par>
+                          <p:cTn id="4" fill="hold">
+                            <p:stCondLst>
+                              <p:cond delay="0"/>
+                            </p:stCondLst>
+                            <p:childTnLst>
+                              <p:par>
+                                <p:cTn id="5" presetID="1" presetClass="mediacall" presetSubtype="0" fill="hold" nodeType="clickEffect">
+                                  <p:stCondLst>
+                                    <p:cond delay="0"/>
+                                  </p:stCondLst>
+                                  <p:childTnLst>
+                                    <p:cmd type="call" cmd="playFrom(0.0)">
+                                      <p:cBhvr>
+                                        <p:cTn id="6" dur="5017" fill="hold"/>
+                                        <p:tgtEl>
+                                          <p:spTgt spid="4"/>
+                                        </p:tgtEl>
+                                      </p:cBhvr>
+                                    </p:cmd>
+                                  </p:childTnLst>
+                                </p:cTn>
+                              </p:par>
+                            </p:childTnLst>
+                          </p:cTn>
+                        </p:par>
+                      </p:childTnLst>
+                    </p:cTn>
+                  </p:par>
+                </p:childTnLst>
+              </p:cTn>
+              <p:prevCondLst>
+                <p:cond evt="onPrev" delay="0">
+                  <p:tgtEl>
+                    <p:sldTgt/>
+                  </p:tgtEl>
+                </p:cond>
+              </p:prevCondLst>
+              <p:nextCondLst>
+                <p:cond evt="onNext" delay="0">
+                  <p:tgtEl>
+                    <p:sldTgt/>
+                  </p:tgtEl>
+                </p:cond>
+              </p:nextCondLst>
+            </p:seq>
+            <p:video>
+              <p:cMediaNode vol="80000">
+                <p:cTn id="7" fill="hold" display="0">
+                  <p:stCondLst>
+                    <p:cond delay="indefinite"/>
+                  </p:stCondLst>
+                </p:cTn>
+                <p:tgtEl>
+                  <p:spTgt spid="4"/>
+                </p:tgtEl>
+              </p:cMediaNode>
+            </p:video>
+            <p:seq concurrent="1" nextAc="seek">
+              <p:cTn id="8" restart="whenNotActive" fill="hold" evtFilter="cancelBubble" nodeType="interactiveSeq">
+                <p:stCondLst>
+                  <p:cond evt="onClick" delay="0">
+                    <p:tgtEl>
+                      <p:spTgt spid="4"/>
+                    </p:tgtEl>
+                  </p:cond>
+                </p:stCondLst>
+                <p:endSync evt="end" delay="0">
+                  <p:rtn val="all"/>
+                </p:endSync>
+                <p:childTnLst>
+                  <p:par>
+                    <p:cTn id="9" fill="hold">
+                      <p:stCondLst>
+                        <p:cond delay="0"/>
+                      </p:stCondLst>
+                      <p:childTnLst>
+                        <p:par>
+                          <p:cTn id="10" fill="hold">
+                            <p:stCondLst>
+                              <p:cond delay="0"/>
+                            </p:stCondLst>
+                            <p:childTnLst>
+                              <p:par>
+                                <p:cTn id="11" presetID="2" presetClass="mediacall" presetSubtype="0" fill="hold" nodeType="clickEffect">
+                                  <p:stCondLst>
+                                    <p:cond delay="0"/>
+                                  </p:stCondLst>
+                                  <p:childTnLst>
+                                    <p:cmd type="call" cmd="togglePause">
+                                      <p:cBhvr>
+                                        <p:cTn id="12" dur="1" fill="hold"/>
+                                        <p:tgtEl>
+                                          <p:spTgt spid="4"/>
+                                        </p:tgtEl>
+                                      </p:cBhvr>
+                                    </p:cmd>
+                                  </p:childTnLst>
+                                </p:cTn>
+                              </p:par>
+                            </p:childTnLst>
+                          </p:cTn>
+                        </p:par>
+                      </p:childTnLst>
+                    </p:cTn>
+                  </p:par>
+                </p:childTnLst>
+              </p:cTn>
+              <p:nextCondLst>
+                <p:cond evt="onClick" delay="0">
+                  <p:tgtEl>
+                    <p:spTgt spid="4"/>
+                  </p:tgtEl>
+                </p:cond>
+              </p:nextCondLst>
+            </p:seq>
+          </p:childTnLst>
+        </p:cTn>
+      </p:par>
+    </p:tnLst>
+  </p:timing>
+</p:sld>
+</file>
+
+<file path=ppt/slides/slide16.xml><?xml version="1.0" encoding="utf-8"?>
+<p:sld xmlns:a="http://schemas.openxmlformats.org/drawingml/2006/main" xmlns:r="http://schemas.openxmlformats.org/officeDocument/2006/relationships" xmlns:p="http://schemas.openxmlformats.org/presentationml/2006/main">
+  <p:cSld>
     <p:bg>
       <p:bgPr>
         <a:solidFill>
@@ -12952,6 +13757,30 @@
           </a:bodyPr>
           <a:lstStyle/>
           <a:p>
+            <a:r>
+              <a:rPr lang="en-US" sz="2200" dirty="0"/>
+              <a:t>Wiggling and slithering alone make sense, wiggling is slightly slower than slithering.</a:t>
+            </a:r>
+          </a:p>
+          <a:p>
+            <a:r>
+              <a:rPr lang="en-US" sz="2200" dirty="0"/>
+              <a:t>We coded the CMA to stop when the result converges, but the convergent condition parameter is not big enough for the combined result to converge good enough.</a:t>
+            </a:r>
+          </a:p>
+          <a:p>
+            <a:r>
+              <a:rPr lang="en-US" sz="2200" dirty="0"/>
+              <a:t>When there is enough forward kinetic friction present, the optimum gait for the snake is slithering.</a:t>
+            </a:r>
+          </a:p>
+          <a:p>
+            <a:r>
+              <a:rPr lang="en-US" sz="2200" dirty="0"/>
+              <a:t>When there is little to no forward kinetic friction present, the optimum gait for the snake is wiggling.</a:t>
+            </a:r>
+          </a:p>
+          <a:p>
             <a:pPr marL="0" indent="0">
               <a:buNone/>
             </a:pPr>
@@ -12972,7 +13801,7 @@
 </p:sld>
 </file>
 
-<file path=ppt/slides/slide15.xml><?xml version="1.0" encoding="utf-8"?>
+<file path=ppt/slides/slide17.xml><?xml version="1.0" encoding="utf-8"?>
 <p:sld xmlns:a="http://schemas.openxmlformats.org/drawingml/2006/main" xmlns:r="http://schemas.openxmlformats.org/officeDocument/2006/relationships" xmlns:p="http://schemas.openxmlformats.org/presentationml/2006/main">
   <p:cSld>
     <p:bg>

--- a/Optimizing Gait.pptx
+++ b/Optimizing Gait.pptx
@@ -18,10 +18,11 @@
     <p:sldId id="274" r:id="rId12"/>
     <p:sldId id="277" r:id="rId13"/>
     <p:sldId id="291" r:id="rId14"/>
-    <p:sldId id="294" r:id="rId15"/>
-    <p:sldId id="293" r:id="rId16"/>
+    <p:sldId id="295" r:id="rId15"/>
+    <p:sldId id="296" r:id="rId16"/>
     <p:sldId id="292" r:id="rId17"/>
-    <p:sldId id="288" r:id="rId18"/>
+    <p:sldId id="297" r:id="rId18"/>
+    <p:sldId id="288" r:id="rId19"/>
   </p:sldIdLst>
   <p:sldSz cx="12192000" cy="6858000"/>
   <p:notesSz cx="6858000" cy="9144000"/>
@@ -11937,6 +11938,14 @@
 <file path=ppt/slides/slide14.xml><?xml version="1.0" encoding="utf-8"?>
 <p:sld xmlns:a="http://schemas.openxmlformats.org/drawingml/2006/main" xmlns:r="http://schemas.openxmlformats.org/officeDocument/2006/relationships" xmlns:p="http://schemas.openxmlformats.org/presentationml/2006/main">
   <p:cSld>
+    <p:bg>
+      <p:bgPr>
+        <a:solidFill>
+          <a:schemeClr val="bg1"/>
+        </a:solidFill>
+        <a:effectLst/>
+      </p:bgPr>
+    </p:bg>
     <p:spTree>
       <p:nvGrpSpPr>
         <p:cNvPr id="1" name=""/>
@@ -11951,13 +11960,2767 @@
           <a:chExt cx="0" cy="0"/>
         </a:xfrm>
       </p:grpSpPr>
+      <p:sp useBgFill="1">
+        <p:nvSpPr>
+          <p:cNvPr id="19485" name="Rectangle 19484">
+            <a:extLst>
+              <a:ext uri="{FF2B5EF4-FFF2-40B4-BE49-F238E27FC236}">
+                <a16:creationId xmlns:a16="http://schemas.microsoft.com/office/drawing/2014/main" id="{B6FACB3C-9069-4791-BC5C-0DB7CD19B853}"/>
+              </a:ext>
+              <a:ext uri="{C183D7F6-B498-43B3-948B-1728B52AA6E4}">
+                <adec:decorative xmlns:adec="http://schemas.microsoft.com/office/drawing/2017/decorative" val="1"/>
+              </a:ext>
+            </a:extLst>
+          </p:cNvPr>
+          <p:cNvSpPr>
+            <a:spLocks noGrp="1" noRot="1" noChangeAspect="1" noMove="1" noResize="1" noEditPoints="1" noAdjustHandles="1" noChangeArrowheads="1" noChangeShapeType="1" noTextEdit="1"/>
+          </p:cNvSpPr>
+          <p:nvPr>
+            <p:extLst>
+              <p:ext uri="{386F3935-93C4-4BCD-93E2-E3B085C9AB24}">
+                <p16:designElem xmlns:p16="http://schemas.microsoft.com/office/powerpoint/2015/main" val="1"/>
+              </p:ext>
+            </p:extLst>
+          </p:nvPr>
+        </p:nvSpPr>
+        <p:spPr>
+          <a:xfrm>
+            <a:off x="0" y="0"/>
+            <a:ext cx="12192000" cy="6858000"/>
+          </a:xfrm>
+          <a:prstGeom prst="rect">
+            <a:avLst/>
+          </a:prstGeom>
+          <a:ln>
+            <a:noFill/>
+          </a:ln>
+        </p:spPr>
+        <p:style>
+          <a:lnRef idx="2">
+            <a:schemeClr val="accent1">
+              <a:shade val="50000"/>
+            </a:schemeClr>
+          </a:lnRef>
+          <a:fillRef idx="1">
+            <a:schemeClr val="accent1"/>
+          </a:fillRef>
+          <a:effectRef idx="0">
+            <a:schemeClr val="accent1"/>
+          </a:effectRef>
+          <a:fontRef idx="minor">
+            <a:schemeClr val="lt1"/>
+          </a:fontRef>
+        </p:style>
+        <p:txBody>
+          <a:bodyPr rtlCol="0" anchor="ctr"/>
+          <a:lstStyle/>
+          <a:p>
+            <a:pPr algn="ctr"/>
+            <a:endParaRPr lang="en-US"/>
+          </a:p>
+        </p:txBody>
+      </p:sp>
+      <p:sp>
+        <p:nvSpPr>
+          <p:cNvPr id="19487" name="Rectangle 19486">
+            <a:extLst>
+              <a:ext uri="{FF2B5EF4-FFF2-40B4-BE49-F238E27FC236}">
+                <a16:creationId xmlns:a16="http://schemas.microsoft.com/office/drawing/2014/main" id="{71F2038E-D777-4B76-81DD-DD13EE91B9DD}"/>
+              </a:ext>
+              <a:ext uri="{C183D7F6-B498-43B3-948B-1728B52AA6E4}">
+                <adec:decorative xmlns:adec="http://schemas.microsoft.com/office/drawing/2017/decorative" val="1"/>
+              </a:ext>
+            </a:extLst>
+          </p:cNvPr>
+          <p:cNvSpPr>
+            <a:spLocks noGrp="1" noRot="1" noChangeAspect="1" noMove="1" noResize="1" noEditPoints="1" noAdjustHandles="1" noChangeArrowheads="1" noChangeShapeType="1" noTextEdit="1"/>
+          </p:cNvSpPr>
+          <p:nvPr>
+            <p:extLst>
+              <p:ext uri="{386F3935-93C4-4BCD-93E2-E3B085C9AB24}">
+                <p16:designElem xmlns:p16="http://schemas.microsoft.com/office/powerpoint/2015/main" val="1"/>
+              </p:ext>
+            </p:extLst>
+          </p:nvPr>
+        </p:nvSpPr>
+        <p:spPr>
+          <a:xfrm>
+            <a:off x="305" y="0"/>
+            <a:ext cx="12191695" cy="6858000"/>
+          </a:xfrm>
+          <a:prstGeom prst="rect">
+            <a:avLst/>
+          </a:prstGeom>
+          <a:solidFill>
+            <a:schemeClr val="bg1"/>
+          </a:solidFill>
+          <a:ln>
+            <a:noFill/>
+          </a:ln>
+        </p:spPr>
+        <p:style>
+          <a:lnRef idx="2">
+            <a:schemeClr val="accent1">
+              <a:shade val="50000"/>
+            </a:schemeClr>
+          </a:lnRef>
+          <a:fillRef idx="1">
+            <a:schemeClr val="accent1"/>
+          </a:fillRef>
+          <a:effectRef idx="0">
+            <a:schemeClr val="accent1"/>
+          </a:effectRef>
+          <a:fontRef idx="minor">
+            <a:schemeClr val="lt1"/>
+          </a:fontRef>
+        </p:style>
+        <p:txBody>
+          <a:bodyPr rtlCol="0" anchor="ctr"/>
+          <a:lstStyle/>
+          <a:p>
+            <a:pPr algn="ctr"/>
+            <a:endParaRPr lang="en-US"/>
+          </a:p>
+        </p:txBody>
+      </p:sp>
+      <p:sp>
+        <p:nvSpPr>
+          <p:cNvPr id="2" name="Title 1">
+            <a:extLst>
+              <a:ext uri="{FF2B5EF4-FFF2-40B4-BE49-F238E27FC236}">
+                <a16:creationId xmlns:a16="http://schemas.microsoft.com/office/drawing/2014/main" id="{F46A9FE0-3700-C682-F3AD-EF7B9BBD75A4}"/>
+              </a:ext>
+            </a:extLst>
+          </p:cNvPr>
+          <p:cNvSpPr>
+            <a:spLocks noGrp="1"/>
+          </p:cNvSpPr>
+          <p:nvPr>
+            <p:ph type="title"/>
+          </p:nvPr>
+        </p:nvSpPr>
+        <p:spPr>
+          <a:xfrm>
+            <a:off x="804672" y="802955"/>
+            <a:ext cx="4766330" cy="1454051"/>
+          </a:xfrm>
+        </p:spPr>
+        <p:txBody>
+          <a:bodyPr>
+            <a:normAutofit/>
+          </a:bodyPr>
+          <a:lstStyle/>
+          <a:p>
+            <a:r>
+              <a:rPr lang="en-US" sz="3300">
+                <a:solidFill>
+                  <a:schemeClr val="tx2"/>
+                </a:solidFill>
+              </a:rPr>
+              <a:t>Extra: Optimization of the Muscular Activation Period (CMA Results)</a:t>
+            </a:r>
+            <a:endParaRPr lang="LID4096" sz="3300">
+              <a:solidFill>
+                <a:schemeClr val="tx2"/>
+              </a:solidFill>
+            </a:endParaRPr>
+          </a:p>
+        </p:txBody>
+      </p:sp>
+      <p:sp>
+        <p:nvSpPr>
+          <p:cNvPr id="3" name="Content Placeholder 2">
+            <a:extLst>
+              <a:ext uri="{FF2B5EF4-FFF2-40B4-BE49-F238E27FC236}">
+                <a16:creationId xmlns:a16="http://schemas.microsoft.com/office/drawing/2014/main" id="{D21ED96F-0945-5A87-9F33-557ADD5166C4}"/>
+              </a:ext>
+            </a:extLst>
+          </p:cNvPr>
+          <p:cNvSpPr>
+            <a:spLocks noGrp="1"/>
+          </p:cNvSpPr>
+          <p:nvPr>
+            <p:ph idx="1"/>
+          </p:nvPr>
+        </p:nvSpPr>
+        <p:spPr>
+          <a:xfrm>
+            <a:off x="804672" y="2421683"/>
+            <a:ext cx="4765949" cy="3353476"/>
+          </a:xfrm>
+        </p:spPr>
+        <p:txBody>
+          <a:bodyPr anchor="t">
+            <a:normAutofit/>
+          </a:bodyPr>
+          <a:lstStyle/>
+          <a:p>
+            <a:r>
+              <a:rPr lang="en-US" sz="1800">
+                <a:solidFill>
+                  <a:schemeClr val="tx2"/>
+                </a:solidFill>
+              </a:rPr>
+              <a:t>An extreme case where we also optimized for muscular activity period (with no restriction) and assumed very small forward kinematic friction (1/10 of original) while friction in other directions under different conditions remains the same.</a:t>
+            </a:r>
+          </a:p>
+          <a:p>
+            <a:r>
+              <a:rPr lang="en-US" sz="1800">
+                <a:solidFill>
+                  <a:schemeClr val="tx2"/>
+                </a:solidFill>
+              </a:rPr>
+              <a:t>This shows that wiggling dominates the gait when forward kinematic friction is small.</a:t>
+            </a:r>
+          </a:p>
+          <a:p>
+            <a:endParaRPr lang="en-US" sz="1800">
+              <a:solidFill>
+                <a:schemeClr val="tx2"/>
+              </a:solidFill>
+            </a:endParaRPr>
+          </a:p>
+          <a:p>
+            <a:endParaRPr lang="LID4096" sz="1800">
+              <a:solidFill>
+                <a:schemeClr val="tx2"/>
+              </a:solidFill>
+            </a:endParaRPr>
+          </a:p>
+        </p:txBody>
+      </p:sp>
+      <p:grpSp>
+        <p:nvGrpSpPr>
+          <p:cNvPr id="19489" name="Group 19488">
+            <a:extLst>
+              <a:ext uri="{FF2B5EF4-FFF2-40B4-BE49-F238E27FC236}">
+                <a16:creationId xmlns:a16="http://schemas.microsoft.com/office/drawing/2014/main" id="{DD354807-230F-4402-B1B9-F733A8F1F190}"/>
+              </a:ext>
+              <a:ext uri="{C183D7F6-B498-43B3-948B-1728B52AA6E4}">
+                <adec:decorative xmlns:adec="http://schemas.microsoft.com/office/drawing/2017/decorative" val="1"/>
+              </a:ext>
+            </a:extLst>
+          </p:cNvPr>
+          <p:cNvGrpSpPr>
+            <a:grpSpLocks noGrp="1" noUngrp="1" noRot="1" noChangeAspect="1" noMove="1" noResize="1"/>
+          </p:cNvGrpSpPr>
+          <p:nvPr>
+            <p:extLst>
+              <p:ext uri="{386F3935-93C4-4BCD-93E2-E3B085C9AB24}">
+                <p16:designElem xmlns:p16="http://schemas.microsoft.com/office/powerpoint/2015/main" val="1"/>
+              </p:ext>
+            </p:extLst>
+          </p:nvPr>
+        </p:nvGrpSpPr>
+        <p:grpSpPr>
+          <a:xfrm>
+            <a:off x="5818240" y="-16714"/>
+            <a:ext cx="6373761" cy="6874714"/>
+            <a:chOff x="5818240" y="-1"/>
+            <a:chExt cx="6373761" cy="6874714"/>
+          </a:xfrm>
+        </p:grpSpPr>
+        <p:sp>
+          <p:nvSpPr>
+            <p:cNvPr id="19490" name="Freeform: Shape 19489">
+              <a:extLst>
+                <a:ext uri="{FF2B5EF4-FFF2-40B4-BE49-F238E27FC236}">
+                  <a16:creationId xmlns:a16="http://schemas.microsoft.com/office/drawing/2014/main" id="{BF5A6F4A-CE87-4D5C-9382-8167967CE813}"/>
+                </a:ext>
+                <a:ext uri="{C183D7F6-B498-43B3-948B-1728B52AA6E4}">
+                  <adec:decorative xmlns:adec="http://schemas.microsoft.com/office/drawing/2017/decorative" val="1"/>
+                </a:ext>
+              </a:extLst>
+            </p:cNvPr>
+            <p:cNvSpPr/>
+            <p:nvPr>
+              <p:extLst>
+                <p:ext uri="{386F3935-93C4-4BCD-93E2-E3B085C9AB24}">
+                  <p16:designElem xmlns:p16="http://schemas.microsoft.com/office/powerpoint/2015/main" val="1"/>
+                </p:ext>
+              </p:extLst>
+            </p:nvPr>
+          </p:nvSpPr>
+          <p:spPr>
+            <a:xfrm>
+              <a:off x="5818240" y="-1"/>
+              <a:ext cx="6373761" cy="6874714"/>
+            </a:xfrm>
+            <a:custGeom>
+              <a:avLst/>
+              <a:gdLst>
+                <a:gd name="connsiteX0" fmla="*/ 6373761 w 6373761"/>
+                <a:gd name="connsiteY0" fmla="*/ 5771297 h 6874714"/>
+                <a:gd name="connsiteX1" fmla="*/ 6373761 w 6373761"/>
+                <a:gd name="connsiteY1" fmla="*/ 6247960 h 6874714"/>
+                <a:gd name="connsiteX2" fmla="*/ 6235932 w 6373761"/>
+                <a:gd name="connsiteY2" fmla="*/ 6361930 h 6874714"/>
+                <a:gd name="connsiteX3" fmla="*/ 5960375 w 6373761"/>
+                <a:gd name="connsiteY3" fmla="*/ 6587489 h 6874714"/>
+                <a:gd name="connsiteX4" fmla="*/ 5822907 w 6373761"/>
+                <a:gd name="connsiteY4" fmla="*/ 6701871 h 6874714"/>
+                <a:gd name="connsiteX5" fmla="*/ 5681115 w 6373761"/>
+                <a:gd name="connsiteY5" fmla="*/ 6816896 h 6874714"/>
+                <a:gd name="connsiteX6" fmla="*/ 5604096 w 6373761"/>
+                <a:gd name="connsiteY6" fmla="*/ 6874714 h 6874714"/>
+                <a:gd name="connsiteX7" fmla="*/ 4878485 w 6373761"/>
+                <a:gd name="connsiteY7" fmla="*/ 6874714 h 6874714"/>
+                <a:gd name="connsiteX8" fmla="*/ 5006014 w 6373761"/>
+                <a:gd name="connsiteY8" fmla="*/ 6800200 h 6874714"/>
+                <a:gd name="connsiteX9" fmla="*/ 5149855 w 6373761"/>
+                <a:gd name="connsiteY9" fmla="*/ 6707667 h 6874714"/>
+                <a:gd name="connsiteX10" fmla="*/ 5431866 w 6373761"/>
+                <a:gd name="connsiteY10" fmla="*/ 6506210 h 6874714"/>
+                <a:gd name="connsiteX11" fmla="*/ 5571036 w 6373761"/>
+                <a:gd name="connsiteY11" fmla="*/ 6399557 h 6874714"/>
+                <a:gd name="connsiteX12" fmla="*/ 5711649 w 6373761"/>
+                <a:gd name="connsiteY12" fmla="*/ 6288912 h 6874714"/>
+                <a:gd name="connsiteX13" fmla="*/ 6276589 w 6373761"/>
+                <a:gd name="connsiteY13" fmla="*/ 5852379 h 6874714"/>
+                <a:gd name="connsiteX14" fmla="*/ 3975975 w 6373761"/>
+                <a:gd name="connsiteY14" fmla="*/ 263 h 6874714"/>
+                <a:gd name="connsiteX15" fmla="*/ 4350473 w 6373761"/>
+                <a:gd name="connsiteY15" fmla="*/ 24963 h 6874714"/>
+                <a:gd name="connsiteX16" fmla="*/ 5077909 w 6373761"/>
+                <a:gd name="connsiteY16" fmla="*/ 189450 h 6874714"/>
+                <a:gd name="connsiteX17" fmla="*/ 5746507 w 6373761"/>
+                <a:gd name="connsiteY17" fmla="*/ 505804 h 6874714"/>
+                <a:gd name="connsiteX18" fmla="*/ 6322456 w 6373761"/>
+                <a:gd name="connsiteY18" fmla="*/ 956633 h 6874714"/>
+                <a:gd name="connsiteX19" fmla="*/ 6373761 w 6373761"/>
+                <a:gd name="connsiteY19" fmla="*/ 1011863 h 6874714"/>
+                <a:gd name="connsiteX20" fmla="*/ 6373761 w 6373761"/>
+                <a:gd name="connsiteY20" fmla="*/ 1185075 h 6874714"/>
+                <a:gd name="connsiteX21" fmla="*/ 6359489 w 6373761"/>
+                <a:gd name="connsiteY21" fmla="*/ 1169497 h 6874714"/>
+                <a:gd name="connsiteX22" fmla="*/ 6233869 w 6373761"/>
+                <a:gd name="connsiteY22" fmla="*/ 1047442 h 6874714"/>
+                <a:gd name="connsiteX23" fmla="*/ 5961423 w 6373761"/>
+                <a:gd name="connsiteY23" fmla="*/ 827953 h 6874714"/>
+                <a:gd name="connsiteX24" fmla="*/ 5663555 w 6373761"/>
+                <a:gd name="connsiteY24" fmla="*/ 645304 h 6874714"/>
+                <a:gd name="connsiteX25" fmla="*/ 5013827 w 6373761"/>
+                <a:gd name="connsiteY25" fmla="*/ 397863 h 6874714"/>
+                <a:gd name="connsiteX26" fmla="*/ 4327409 w 6373761"/>
+                <a:gd name="connsiteY26" fmla="*/ 302545 h 6874714"/>
+                <a:gd name="connsiteX27" fmla="*/ 3639939 w 6373761"/>
+                <a:gd name="connsiteY27" fmla="*/ 338868 h 6874714"/>
+                <a:gd name="connsiteX28" fmla="*/ 3302495 w 6373761"/>
+                <a:gd name="connsiteY28" fmla="*/ 403659 h 6874714"/>
+                <a:gd name="connsiteX29" fmla="*/ 2971604 w 6373761"/>
+                <a:gd name="connsiteY29" fmla="*/ 496273 h 6874714"/>
+                <a:gd name="connsiteX30" fmla="*/ 2648706 w 6373761"/>
+                <a:gd name="connsiteY30" fmla="*/ 614389 h 6874714"/>
+                <a:gd name="connsiteX31" fmla="*/ 2335374 w 6373761"/>
+                <a:gd name="connsiteY31" fmla="*/ 757109 h 6874714"/>
+                <a:gd name="connsiteX32" fmla="*/ 1741342 w 6373761"/>
+                <a:gd name="connsiteY32" fmla="*/ 1107725 h 6874714"/>
+                <a:gd name="connsiteX33" fmla="*/ 1600861 w 6373761"/>
+                <a:gd name="connsiteY33" fmla="*/ 1208710 h 6874714"/>
+                <a:gd name="connsiteX34" fmla="*/ 1531799 w 6373761"/>
+                <a:gd name="connsiteY34" fmla="*/ 1260879 h 6874714"/>
+                <a:gd name="connsiteX35" fmla="*/ 1463655 w 6373761"/>
+                <a:gd name="connsiteY35" fmla="*/ 1314333 h 6874714"/>
+                <a:gd name="connsiteX36" fmla="*/ 1200777 w 6373761"/>
+                <a:gd name="connsiteY36" fmla="*/ 1541166 h 6874714"/>
+                <a:gd name="connsiteX37" fmla="*/ 731501 w 6373761"/>
+                <a:gd name="connsiteY37" fmla="*/ 2055754 h 6874714"/>
+                <a:gd name="connsiteX38" fmla="*/ 531393 w 6373761"/>
+                <a:gd name="connsiteY38" fmla="*/ 2342739 h 6874714"/>
+                <a:gd name="connsiteX39" fmla="*/ 361033 w 6373761"/>
+                <a:gd name="connsiteY39" fmla="*/ 2649046 h 6874714"/>
+                <a:gd name="connsiteX40" fmla="*/ 323292 w 6373761"/>
+                <a:gd name="connsiteY40" fmla="*/ 2728263 h 6874714"/>
+                <a:gd name="connsiteX41" fmla="*/ 304945 w 6373761"/>
+                <a:gd name="connsiteY41" fmla="*/ 2768193 h 6874714"/>
+                <a:gd name="connsiteX42" fmla="*/ 287516 w 6373761"/>
+                <a:gd name="connsiteY42" fmla="*/ 2808510 h 6874714"/>
+                <a:gd name="connsiteX43" fmla="*/ 254230 w 6373761"/>
+                <a:gd name="connsiteY43" fmla="*/ 2889788 h 6874714"/>
+                <a:gd name="connsiteX44" fmla="*/ 223042 w 6373761"/>
+                <a:gd name="connsiteY44" fmla="*/ 2971968 h 6874714"/>
+                <a:gd name="connsiteX45" fmla="*/ 121611 w 6373761"/>
+                <a:gd name="connsiteY45" fmla="*/ 3308544 h 6874714"/>
+                <a:gd name="connsiteX46" fmla="*/ 39314 w 6373761"/>
+                <a:gd name="connsiteY46" fmla="*/ 4005912 h 6874714"/>
+                <a:gd name="connsiteX47" fmla="*/ 73910 w 6373761"/>
+                <a:gd name="connsiteY47" fmla="*/ 4354081 h 6874714"/>
+                <a:gd name="connsiteX48" fmla="*/ 179534 w 6373761"/>
+                <a:gd name="connsiteY48" fmla="*/ 4687050 h 6874714"/>
+                <a:gd name="connsiteX49" fmla="*/ 215964 w 6373761"/>
+                <a:gd name="connsiteY49" fmla="*/ 4766654 h 6874714"/>
+                <a:gd name="connsiteX50" fmla="*/ 256457 w 6373761"/>
+                <a:gd name="connsiteY50" fmla="*/ 4844455 h 6874714"/>
+                <a:gd name="connsiteX51" fmla="*/ 346225 w 6373761"/>
+                <a:gd name="connsiteY51" fmla="*/ 4995290 h 6874714"/>
+                <a:gd name="connsiteX52" fmla="*/ 445296 w 6373761"/>
+                <a:gd name="connsiteY52" fmla="*/ 5140971 h 6874714"/>
+                <a:gd name="connsiteX53" fmla="*/ 551443 w 6373761"/>
+                <a:gd name="connsiteY53" fmla="*/ 5282531 h 6874714"/>
+                <a:gd name="connsiteX54" fmla="*/ 772387 w 6373761"/>
+                <a:gd name="connsiteY54" fmla="*/ 5562561 h 6874714"/>
+                <a:gd name="connsiteX55" fmla="*/ 882858 w 6373761"/>
+                <a:gd name="connsiteY55" fmla="*/ 5704507 h 6874714"/>
+                <a:gd name="connsiteX56" fmla="*/ 990316 w 6373761"/>
+                <a:gd name="connsiteY56" fmla="*/ 5848258 h 6874714"/>
+                <a:gd name="connsiteX57" fmla="*/ 1097774 w 6373761"/>
+                <a:gd name="connsiteY57" fmla="*/ 5987114 h 6874714"/>
+                <a:gd name="connsiteX58" fmla="*/ 1210080 w 6373761"/>
+                <a:gd name="connsiteY58" fmla="*/ 6121203 h 6874714"/>
+                <a:gd name="connsiteX59" fmla="*/ 1448192 w 6373761"/>
+                <a:gd name="connsiteY59" fmla="*/ 6374054 h 6874714"/>
+                <a:gd name="connsiteX60" fmla="*/ 1982991 w 6373761"/>
+                <a:gd name="connsiteY60" fmla="*/ 6796158 h 6874714"/>
+                <a:gd name="connsiteX61" fmla="*/ 2118475 w 6373761"/>
+                <a:gd name="connsiteY61" fmla="*/ 6874714 h 6874714"/>
+                <a:gd name="connsiteX62" fmla="*/ 1569874 w 6373761"/>
+                <a:gd name="connsiteY62" fmla="*/ 6874714 h 6874714"/>
+                <a:gd name="connsiteX63" fmla="*/ 1507802 w 6373761"/>
+                <a:gd name="connsiteY63" fmla="*/ 6817815 h 6874714"/>
+                <a:gd name="connsiteX64" fmla="*/ 1256865 w 6373761"/>
+                <a:gd name="connsiteY64" fmla="*/ 6543437 h 6874714"/>
+                <a:gd name="connsiteX65" fmla="*/ 1038410 w 6373761"/>
+                <a:gd name="connsiteY65" fmla="*/ 6248722 h 6874714"/>
+                <a:gd name="connsiteX66" fmla="*/ 845380 w 6373761"/>
+                <a:gd name="connsiteY66" fmla="*/ 5941386 h 6874714"/>
+                <a:gd name="connsiteX67" fmla="*/ 755351 w 6373761"/>
+                <a:gd name="connsiteY67" fmla="*/ 5788877 h 6874714"/>
+                <a:gd name="connsiteX68" fmla="*/ 661784 w 6373761"/>
+                <a:gd name="connsiteY68" fmla="*/ 5638944 h 6874714"/>
+                <a:gd name="connsiteX69" fmla="*/ 466525 w 6373761"/>
+                <a:gd name="connsiteY69" fmla="*/ 5340366 h 6874714"/>
+                <a:gd name="connsiteX70" fmla="*/ 370992 w 6373761"/>
+                <a:gd name="connsiteY70" fmla="*/ 5188502 h 6874714"/>
+                <a:gd name="connsiteX71" fmla="*/ 280046 w 6373761"/>
+                <a:gd name="connsiteY71" fmla="*/ 5033287 h 6874714"/>
+                <a:gd name="connsiteX72" fmla="*/ 126853 w 6373761"/>
+                <a:gd name="connsiteY72" fmla="*/ 4707660 h 6874714"/>
+                <a:gd name="connsiteX73" fmla="*/ 30272 w 6373761"/>
+                <a:gd name="connsiteY73" fmla="*/ 4362068 h 6874714"/>
+                <a:gd name="connsiteX74" fmla="*/ 0 w 6373761"/>
+                <a:gd name="connsiteY74" fmla="*/ 4005912 h 6874714"/>
+                <a:gd name="connsiteX75" fmla="*/ 270480 w 6373761"/>
+                <a:gd name="connsiteY75" fmla="*/ 2610532 h 6874714"/>
+                <a:gd name="connsiteX76" fmla="*/ 415942 w 6373761"/>
+                <a:gd name="connsiteY76" fmla="*/ 2280526 h 6874714"/>
+                <a:gd name="connsiteX77" fmla="*/ 590102 w 6373761"/>
+                <a:gd name="connsiteY77" fmla="*/ 1962626 h 6874714"/>
+                <a:gd name="connsiteX78" fmla="*/ 1020719 w 6373761"/>
+                <a:gd name="connsiteY78" fmla="*/ 1373070 h 6874714"/>
+                <a:gd name="connsiteX79" fmla="*/ 1275080 w 6373761"/>
+                <a:gd name="connsiteY79" fmla="*/ 1107081 h 6874714"/>
+                <a:gd name="connsiteX80" fmla="*/ 1342437 w 6373761"/>
+                <a:gd name="connsiteY80" fmla="*/ 1043965 h 6874714"/>
+                <a:gd name="connsiteX81" fmla="*/ 1411106 w 6373761"/>
+                <a:gd name="connsiteY81" fmla="*/ 982138 h 6874714"/>
+                <a:gd name="connsiteX82" fmla="*/ 1553029 w 6373761"/>
+                <a:gd name="connsiteY82" fmla="*/ 863376 h 6874714"/>
+                <a:gd name="connsiteX83" fmla="*/ 2173401 w 6373761"/>
+                <a:gd name="connsiteY83" fmla="*/ 454409 h 6874714"/>
+                <a:gd name="connsiteX84" fmla="*/ 3599708 w 6373761"/>
+                <a:gd name="connsiteY84" fmla="*/ 16332 h 6874714"/>
+                <a:gd name="connsiteX85" fmla="*/ 3975975 w 6373761"/>
+                <a:gd name="connsiteY85" fmla="*/ 263 h 6874714"/>
+              </a:gdLst>
+              <a:ahLst/>
+              <a:cxnLst>
+                <a:cxn ang="0">
+                  <a:pos x="connsiteX0" y="connsiteY0"/>
+                </a:cxn>
+                <a:cxn ang="0">
+                  <a:pos x="connsiteX1" y="connsiteY1"/>
+                </a:cxn>
+                <a:cxn ang="0">
+                  <a:pos x="connsiteX2" y="connsiteY2"/>
+                </a:cxn>
+                <a:cxn ang="0">
+                  <a:pos x="connsiteX3" y="connsiteY3"/>
+                </a:cxn>
+                <a:cxn ang="0">
+                  <a:pos x="connsiteX4" y="connsiteY4"/>
+                </a:cxn>
+                <a:cxn ang="0">
+                  <a:pos x="connsiteX5" y="connsiteY5"/>
+                </a:cxn>
+                <a:cxn ang="0">
+                  <a:pos x="connsiteX6" y="connsiteY6"/>
+                </a:cxn>
+                <a:cxn ang="0">
+                  <a:pos x="connsiteX7" y="connsiteY7"/>
+                </a:cxn>
+                <a:cxn ang="0">
+                  <a:pos x="connsiteX8" y="connsiteY8"/>
+                </a:cxn>
+                <a:cxn ang="0">
+                  <a:pos x="connsiteX9" y="connsiteY9"/>
+                </a:cxn>
+                <a:cxn ang="0">
+                  <a:pos x="connsiteX10" y="connsiteY10"/>
+                </a:cxn>
+                <a:cxn ang="0">
+                  <a:pos x="connsiteX11" y="connsiteY11"/>
+                </a:cxn>
+                <a:cxn ang="0">
+                  <a:pos x="connsiteX12" y="connsiteY12"/>
+                </a:cxn>
+                <a:cxn ang="0">
+                  <a:pos x="connsiteX13" y="connsiteY13"/>
+                </a:cxn>
+                <a:cxn ang="0">
+                  <a:pos x="connsiteX14" y="connsiteY14"/>
+                </a:cxn>
+                <a:cxn ang="0">
+                  <a:pos x="connsiteX15" y="connsiteY15"/>
+                </a:cxn>
+                <a:cxn ang="0">
+                  <a:pos x="connsiteX16" y="connsiteY16"/>
+                </a:cxn>
+                <a:cxn ang="0">
+                  <a:pos x="connsiteX17" y="connsiteY17"/>
+                </a:cxn>
+                <a:cxn ang="0">
+                  <a:pos x="connsiteX18" y="connsiteY18"/>
+                </a:cxn>
+                <a:cxn ang="0">
+                  <a:pos x="connsiteX19" y="connsiteY19"/>
+                </a:cxn>
+                <a:cxn ang="0">
+                  <a:pos x="connsiteX20" y="connsiteY20"/>
+                </a:cxn>
+                <a:cxn ang="0">
+                  <a:pos x="connsiteX21" y="connsiteY21"/>
+                </a:cxn>
+                <a:cxn ang="0">
+                  <a:pos x="connsiteX22" y="connsiteY22"/>
+                </a:cxn>
+                <a:cxn ang="0">
+                  <a:pos x="connsiteX23" y="connsiteY23"/>
+                </a:cxn>
+                <a:cxn ang="0">
+                  <a:pos x="connsiteX24" y="connsiteY24"/>
+                </a:cxn>
+                <a:cxn ang="0">
+                  <a:pos x="connsiteX25" y="connsiteY25"/>
+                </a:cxn>
+                <a:cxn ang="0">
+                  <a:pos x="connsiteX26" y="connsiteY26"/>
+                </a:cxn>
+                <a:cxn ang="0">
+                  <a:pos x="connsiteX27" y="connsiteY27"/>
+                </a:cxn>
+                <a:cxn ang="0">
+                  <a:pos x="connsiteX28" y="connsiteY28"/>
+                </a:cxn>
+                <a:cxn ang="0">
+                  <a:pos x="connsiteX29" y="connsiteY29"/>
+                </a:cxn>
+                <a:cxn ang="0">
+                  <a:pos x="connsiteX30" y="connsiteY30"/>
+                </a:cxn>
+                <a:cxn ang="0">
+                  <a:pos x="connsiteX31" y="connsiteY31"/>
+                </a:cxn>
+                <a:cxn ang="0">
+                  <a:pos x="connsiteX32" y="connsiteY32"/>
+                </a:cxn>
+                <a:cxn ang="0">
+                  <a:pos x="connsiteX33" y="connsiteY33"/>
+                </a:cxn>
+                <a:cxn ang="0">
+                  <a:pos x="connsiteX34" y="connsiteY34"/>
+                </a:cxn>
+                <a:cxn ang="0">
+                  <a:pos x="connsiteX35" y="connsiteY35"/>
+                </a:cxn>
+                <a:cxn ang="0">
+                  <a:pos x="connsiteX36" y="connsiteY36"/>
+                </a:cxn>
+                <a:cxn ang="0">
+                  <a:pos x="connsiteX37" y="connsiteY37"/>
+                </a:cxn>
+                <a:cxn ang="0">
+                  <a:pos x="connsiteX38" y="connsiteY38"/>
+                </a:cxn>
+                <a:cxn ang="0">
+                  <a:pos x="connsiteX39" y="connsiteY39"/>
+                </a:cxn>
+                <a:cxn ang="0">
+                  <a:pos x="connsiteX40" y="connsiteY40"/>
+                </a:cxn>
+                <a:cxn ang="0">
+                  <a:pos x="connsiteX41" y="connsiteY41"/>
+                </a:cxn>
+                <a:cxn ang="0">
+                  <a:pos x="connsiteX42" y="connsiteY42"/>
+                </a:cxn>
+                <a:cxn ang="0">
+                  <a:pos x="connsiteX43" y="connsiteY43"/>
+                </a:cxn>
+                <a:cxn ang="0">
+                  <a:pos x="connsiteX44" y="connsiteY44"/>
+                </a:cxn>
+                <a:cxn ang="0">
+                  <a:pos x="connsiteX45" y="connsiteY45"/>
+                </a:cxn>
+                <a:cxn ang="0">
+                  <a:pos x="connsiteX46" y="connsiteY46"/>
+                </a:cxn>
+                <a:cxn ang="0">
+                  <a:pos x="connsiteX47" y="connsiteY47"/>
+                </a:cxn>
+                <a:cxn ang="0">
+                  <a:pos x="connsiteX48" y="connsiteY48"/>
+                </a:cxn>
+                <a:cxn ang="0">
+                  <a:pos x="connsiteX49" y="connsiteY49"/>
+                </a:cxn>
+                <a:cxn ang="0">
+                  <a:pos x="connsiteX50" y="connsiteY50"/>
+                </a:cxn>
+                <a:cxn ang="0">
+                  <a:pos x="connsiteX51" y="connsiteY51"/>
+                </a:cxn>
+                <a:cxn ang="0">
+                  <a:pos x="connsiteX52" y="connsiteY52"/>
+                </a:cxn>
+                <a:cxn ang="0">
+                  <a:pos x="connsiteX53" y="connsiteY53"/>
+                </a:cxn>
+                <a:cxn ang="0">
+                  <a:pos x="connsiteX54" y="connsiteY54"/>
+                </a:cxn>
+                <a:cxn ang="0">
+                  <a:pos x="connsiteX55" y="connsiteY55"/>
+                </a:cxn>
+                <a:cxn ang="0">
+                  <a:pos x="connsiteX56" y="connsiteY56"/>
+                </a:cxn>
+                <a:cxn ang="0">
+                  <a:pos x="connsiteX57" y="connsiteY57"/>
+                </a:cxn>
+                <a:cxn ang="0">
+                  <a:pos x="connsiteX58" y="connsiteY58"/>
+                </a:cxn>
+                <a:cxn ang="0">
+                  <a:pos x="connsiteX59" y="connsiteY59"/>
+                </a:cxn>
+                <a:cxn ang="0">
+                  <a:pos x="connsiteX60" y="connsiteY60"/>
+                </a:cxn>
+                <a:cxn ang="0">
+                  <a:pos x="connsiteX61" y="connsiteY61"/>
+                </a:cxn>
+                <a:cxn ang="0">
+                  <a:pos x="connsiteX62" y="connsiteY62"/>
+                </a:cxn>
+                <a:cxn ang="0">
+                  <a:pos x="connsiteX63" y="connsiteY63"/>
+                </a:cxn>
+                <a:cxn ang="0">
+                  <a:pos x="connsiteX64" y="connsiteY64"/>
+                </a:cxn>
+                <a:cxn ang="0">
+                  <a:pos x="connsiteX65" y="connsiteY65"/>
+                </a:cxn>
+                <a:cxn ang="0">
+                  <a:pos x="connsiteX66" y="connsiteY66"/>
+                </a:cxn>
+                <a:cxn ang="0">
+                  <a:pos x="connsiteX67" y="connsiteY67"/>
+                </a:cxn>
+                <a:cxn ang="0">
+                  <a:pos x="connsiteX68" y="connsiteY68"/>
+                </a:cxn>
+                <a:cxn ang="0">
+                  <a:pos x="connsiteX69" y="connsiteY69"/>
+                </a:cxn>
+                <a:cxn ang="0">
+                  <a:pos x="connsiteX70" y="connsiteY70"/>
+                </a:cxn>
+                <a:cxn ang="0">
+                  <a:pos x="connsiteX71" y="connsiteY71"/>
+                </a:cxn>
+                <a:cxn ang="0">
+                  <a:pos x="connsiteX72" y="connsiteY72"/>
+                </a:cxn>
+                <a:cxn ang="0">
+                  <a:pos x="connsiteX73" y="connsiteY73"/>
+                </a:cxn>
+                <a:cxn ang="0">
+                  <a:pos x="connsiteX74" y="connsiteY74"/>
+                </a:cxn>
+                <a:cxn ang="0">
+                  <a:pos x="connsiteX75" y="connsiteY75"/>
+                </a:cxn>
+                <a:cxn ang="0">
+                  <a:pos x="connsiteX76" y="connsiteY76"/>
+                </a:cxn>
+                <a:cxn ang="0">
+                  <a:pos x="connsiteX77" y="connsiteY77"/>
+                </a:cxn>
+                <a:cxn ang="0">
+                  <a:pos x="connsiteX78" y="connsiteY78"/>
+                </a:cxn>
+                <a:cxn ang="0">
+                  <a:pos x="connsiteX79" y="connsiteY79"/>
+                </a:cxn>
+                <a:cxn ang="0">
+                  <a:pos x="connsiteX80" y="connsiteY80"/>
+                </a:cxn>
+                <a:cxn ang="0">
+                  <a:pos x="connsiteX81" y="connsiteY81"/>
+                </a:cxn>
+                <a:cxn ang="0">
+                  <a:pos x="connsiteX82" y="connsiteY82"/>
+                </a:cxn>
+                <a:cxn ang="0">
+                  <a:pos x="connsiteX83" y="connsiteY83"/>
+                </a:cxn>
+                <a:cxn ang="0">
+                  <a:pos x="connsiteX84" y="connsiteY84"/>
+                </a:cxn>
+                <a:cxn ang="0">
+                  <a:pos x="connsiteX85" y="connsiteY85"/>
+                </a:cxn>
+              </a:cxnLst>
+              <a:rect l="l" t="t" r="r" b="b"/>
+              <a:pathLst>
+                <a:path w="6373761" h="6874714">
+                  <a:moveTo>
+                    <a:pt x="6373761" y="5771297"/>
+                  </a:moveTo>
+                  <a:lnTo>
+                    <a:pt x="6373761" y="6247960"/>
+                  </a:lnTo>
+                  <a:lnTo>
+                    <a:pt x="6235932" y="6361930"/>
+                  </a:lnTo>
+                  <a:cubicBezTo>
+                    <a:pt x="6143250" y="6437460"/>
+                    <a:pt x="6051059" y="6512200"/>
+                    <a:pt x="5960375" y="6587489"/>
+                  </a:cubicBezTo>
+                  <a:lnTo>
+                    <a:pt x="5822907" y="6701871"/>
+                  </a:lnTo>
+                  <a:cubicBezTo>
+                    <a:pt x="5776123" y="6740385"/>
+                    <a:pt x="5729079" y="6778899"/>
+                    <a:pt x="5681115" y="6816896"/>
+                  </a:cubicBezTo>
+                  <a:lnTo>
+                    <a:pt x="5604096" y="6874714"/>
+                  </a:lnTo>
+                  <a:lnTo>
+                    <a:pt x="4878485" y="6874714"/>
+                  </a:lnTo>
+                  <a:lnTo>
+                    <a:pt x="5006014" y="6800200"/>
+                  </a:lnTo>
+                  <a:cubicBezTo>
+                    <a:pt x="5054354" y="6770429"/>
+                    <a:pt x="5102285" y="6739483"/>
+                    <a:pt x="5149855" y="6707667"/>
+                  </a:cubicBezTo>
+                  <a:cubicBezTo>
+                    <a:pt x="5244993" y="6643906"/>
+                    <a:pt x="5338561" y="6576025"/>
+                    <a:pt x="5431866" y="6506210"/>
+                  </a:cubicBezTo>
+                  <a:cubicBezTo>
+                    <a:pt x="5478386" y="6471304"/>
+                    <a:pt x="5524777" y="6435495"/>
+                    <a:pt x="5571036" y="6399557"/>
+                  </a:cubicBezTo>
+                  <a:lnTo>
+                    <a:pt x="5711649" y="6288912"/>
+                  </a:lnTo>
+                  <a:cubicBezTo>
+                    <a:pt x="5902059" y="6140395"/>
+                    <a:pt x="6093257" y="5998320"/>
+                    <a:pt x="6276589" y="5852379"/>
+                  </a:cubicBezTo>
+                  <a:close/>
+                  <a:moveTo>
+                    <a:pt x="3975975" y="263"/>
+                  </a:moveTo>
+                  <a:cubicBezTo>
+                    <a:pt x="4101550" y="1809"/>
+                    <a:pt x="4226830" y="10149"/>
+                    <a:pt x="4350473" y="24963"/>
+                  </a:cubicBezTo>
+                  <a:cubicBezTo>
+                    <a:pt x="4598149" y="54846"/>
+                    <a:pt x="4842943" y="108687"/>
+                    <a:pt x="5077909" y="189450"/>
+                  </a:cubicBezTo>
+                  <a:cubicBezTo>
+                    <a:pt x="5312876" y="269955"/>
+                    <a:pt x="5537357" y="376867"/>
+                    <a:pt x="5746507" y="505804"/>
+                  </a:cubicBezTo>
+                  <a:cubicBezTo>
+                    <a:pt x="5955527" y="634999"/>
+                    <a:pt x="6148688" y="786864"/>
+                    <a:pt x="6322456" y="956633"/>
+                  </a:cubicBezTo>
+                  <a:lnTo>
+                    <a:pt x="6373761" y="1011863"/>
+                  </a:lnTo>
+                  <a:lnTo>
+                    <a:pt x="6373761" y="1185075"/>
+                  </a:lnTo>
+                  <a:lnTo>
+                    <a:pt x="6359489" y="1169497"/>
+                  </a:lnTo>
+                  <a:cubicBezTo>
+                    <a:pt x="6318811" y="1127602"/>
+                    <a:pt x="6276917" y="1086890"/>
+                    <a:pt x="6233869" y="1047442"/>
+                  </a:cubicBezTo>
+                  <a:cubicBezTo>
+                    <a:pt x="6147509" y="968870"/>
+                    <a:pt x="6056431" y="895448"/>
+                    <a:pt x="5961423" y="827953"/>
+                  </a:cubicBezTo>
+                  <a:cubicBezTo>
+                    <a:pt x="5865891" y="761102"/>
+                    <a:pt x="5766688" y="699403"/>
+                    <a:pt x="5663555" y="645304"/>
+                  </a:cubicBezTo>
+                  <a:cubicBezTo>
+                    <a:pt x="5457943" y="535816"/>
+                    <a:pt x="5238703" y="453894"/>
+                    <a:pt x="5013827" y="397863"/>
+                  </a:cubicBezTo>
+                  <a:cubicBezTo>
+                    <a:pt x="4788953" y="341703"/>
+                    <a:pt x="4558442" y="310917"/>
+                    <a:pt x="4327409" y="302545"/>
+                  </a:cubicBezTo>
+                  <a:cubicBezTo>
+                    <a:pt x="4096111" y="293012"/>
+                    <a:pt x="3867174" y="305893"/>
+                    <a:pt x="3639939" y="338868"/>
+                  </a:cubicBezTo>
+                  <a:cubicBezTo>
+                    <a:pt x="3526585" y="355999"/>
+                    <a:pt x="3413885" y="377254"/>
+                    <a:pt x="3302495" y="403659"/>
+                  </a:cubicBezTo>
+                  <a:cubicBezTo>
+                    <a:pt x="3191107" y="430451"/>
+                    <a:pt x="3080634" y="460978"/>
+                    <a:pt x="2971604" y="496273"/>
+                  </a:cubicBezTo>
+                  <a:cubicBezTo>
+                    <a:pt x="2862573" y="531437"/>
+                    <a:pt x="2754854" y="570852"/>
+                    <a:pt x="2648706" y="614389"/>
+                  </a:cubicBezTo>
+                  <a:cubicBezTo>
+                    <a:pt x="2542690" y="658056"/>
+                    <a:pt x="2438114" y="705714"/>
+                    <a:pt x="2335374" y="757109"/>
+                  </a:cubicBezTo>
+                  <a:cubicBezTo>
+                    <a:pt x="2129894" y="859769"/>
+                    <a:pt x="1931228" y="976855"/>
+                    <a:pt x="1741342" y="1107725"/>
+                  </a:cubicBezTo>
+                  <a:cubicBezTo>
+                    <a:pt x="1694035" y="1140571"/>
+                    <a:pt x="1646858" y="1173933"/>
+                    <a:pt x="1600861" y="1208710"/>
+                  </a:cubicBezTo>
+                  <a:cubicBezTo>
+                    <a:pt x="1577535" y="1225713"/>
+                    <a:pt x="1554732" y="1243361"/>
+                    <a:pt x="1531799" y="1260879"/>
+                  </a:cubicBezTo>
+                  <a:cubicBezTo>
+                    <a:pt x="1508735" y="1278267"/>
+                    <a:pt x="1486064" y="1296171"/>
+                    <a:pt x="1463655" y="1314333"/>
+                  </a:cubicBezTo>
+                  <a:cubicBezTo>
+                    <a:pt x="1373627" y="1386853"/>
+                    <a:pt x="1285564" y="1462077"/>
+                    <a:pt x="1200777" y="1541166"/>
+                  </a:cubicBezTo>
+                  <a:cubicBezTo>
+                    <a:pt x="1030810" y="1698827"/>
+                    <a:pt x="873161" y="1870785"/>
+                    <a:pt x="731501" y="2055754"/>
+                  </a:cubicBezTo>
+                  <a:cubicBezTo>
+                    <a:pt x="660734" y="2148239"/>
+                    <a:pt x="593771" y="2243944"/>
+                    <a:pt x="531393" y="2342739"/>
+                  </a:cubicBezTo>
+                  <a:cubicBezTo>
+                    <a:pt x="470063" y="2442050"/>
+                    <a:pt x="412140" y="2543810"/>
+                    <a:pt x="361033" y="2649046"/>
+                  </a:cubicBezTo>
+                  <a:cubicBezTo>
+                    <a:pt x="347798" y="2675194"/>
+                    <a:pt x="335479" y="2701728"/>
+                    <a:pt x="323292" y="2728263"/>
+                  </a:cubicBezTo>
+                  <a:lnTo>
+                    <a:pt x="304945" y="2768193"/>
+                  </a:lnTo>
+                  <a:lnTo>
+                    <a:pt x="287516" y="2808510"/>
+                  </a:lnTo>
+                  <a:cubicBezTo>
+                    <a:pt x="276115" y="2835432"/>
+                    <a:pt x="264583" y="2862352"/>
+                    <a:pt x="254230" y="2889788"/>
+                  </a:cubicBezTo>
+                  <a:cubicBezTo>
+                    <a:pt x="243877" y="2917224"/>
+                    <a:pt x="232477" y="2944274"/>
+                    <a:pt x="223042" y="2971968"/>
+                  </a:cubicBezTo>
+                  <a:cubicBezTo>
+                    <a:pt x="182679" y="3081970"/>
+                    <a:pt x="148475" y="3194291"/>
+                    <a:pt x="121611" y="3308544"/>
+                  </a:cubicBezTo>
+                  <a:cubicBezTo>
+                    <a:pt x="67096" y="3536534"/>
+                    <a:pt x="39183" y="3771224"/>
+                    <a:pt x="39314" y="4005912"/>
+                  </a:cubicBezTo>
+                  <a:cubicBezTo>
+                    <a:pt x="39969" y="4122871"/>
+                    <a:pt x="51109" y="4239571"/>
+                    <a:pt x="73910" y="4354081"/>
+                  </a:cubicBezTo>
+                  <a:cubicBezTo>
+                    <a:pt x="97892" y="4468334"/>
+                    <a:pt x="132619" y="4580140"/>
+                    <a:pt x="179534" y="4687050"/>
+                  </a:cubicBezTo>
+                  <a:cubicBezTo>
+                    <a:pt x="190673" y="4713972"/>
+                    <a:pt x="203647" y="4740249"/>
+                    <a:pt x="215964" y="4766654"/>
+                  </a:cubicBezTo>
+                  <a:cubicBezTo>
+                    <a:pt x="229332" y="4792674"/>
+                    <a:pt x="242043" y="4818950"/>
+                    <a:pt x="256457" y="4844455"/>
+                  </a:cubicBezTo>
+                  <a:cubicBezTo>
+                    <a:pt x="283978" y="4895978"/>
+                    <a:pt x="314642" y="4945956"/>
+                    <a:pt x="346225" y="4995290"/>
+                  </a:cubicBezTo>
+                  <a:cubicBezTo>
+                    <a:pt x="377676" y="5044752"/>
+                    <a:pt x="411355" y="5092926"/>
+                    <a:pt x="445296" y="5140971"/>
+                  </a:cubicBezTo>
+                  <a:cubicBezTo>
+                    <a:pt x="479760" y="5188630"/>
+                    <a:pt x="515537" y="5235645"/>
+                    <a:pt x="551443" y="5282531"/>
+                  </a:cubicBezTo>
+                  <a:cubicBezTo>
+                    <a:pt x="623387" y="5376434"/>
+                    <a:pt x="698608" y="5468402"/>
+                    <a:pt x="772387" y="5562561"/>
+                  </a:cubicBezTo>
+                  <a:cubicBezTo>
+                    <a:pt x="809472" y="5609448"/>
+                    <a:pt x="846428" y="5656719"/>
+                    <a:pt x="882858" y="5704507"/>
+                  </a:cubicBezTo>
+                  <a:cubicBezTo>
+                    <a:pt x="919159" y="5751909"/>
+                    <a:pt x="955196" y="5802273"/>
+                    <a:pt x="990316" y="5848258"/>
+                  </a:cubicBezTo>
+                  <a:cubicBezTo>
+                    <a:pt x="1025175" y="5895402"/>
+                    <a:pt x="1061736" y="5941129"/>
+                    <a:pt x="1097774" y="5987114"/>
+                  </a:cubicBezTo>
+                  <a:cubicBezTo>
+                    <a:pt x="1134860" y="6032326"/>
+                    <a:pt x="1171684" y="6077536"/>
+                    <a:pt x="1210080" y="6121203"/>
+                  </a:cubicBezTo>
+                  <a:cubicBezTo>
+                    <a:pt x="1286350" y="6209051"/>
+                    <a:pt x="1365632" y="6293677"/>
+                    <a:pt x="1448192" y="6374054"/>
+                  </a:cubicBezTo>
+                  <a:cubicBezTo>
+                    <a:pt x="1613572" y="6534420"/>
+                    <a:pt x="1792057" y="6677526"/>
+                    <a:pt x="1982991" y="6796158"/>
+                  </a:cubicBezTo>
+                  <a:lnTo>
+                    <a:pt x="2118475" y="6874714"/>
+                  </a:lnTo>
+                  <a:lnTo>
+                    <a:pt x="1569874" y="6874714"/>
+                  </a:lnTo>
+                  <a:lnTo>
+                    <a:pt x="1507802" y="6817815"/>
+                  </a:lnTo>
+                  <a:cubicBezTo>
+                    <a:pt x="1418412" y="6730595"/>
+                    <a:pt x="1334903" y="6638562"/>
+                    <a:pt x="1256865" y="6543437"/>
+                  </a:cubicBezTo>
+                  <a:cubicBezTo>
+                    <a:pt x="1179155" y="6447861"/>
+                    <a:pt x="1106817" y="6349194"/>
+                    <a:pt x="1038410" y="6248722"/>
+                  </a:cubicBezTo>
+                  <a:cubicBezTo>
+                    <a:pt x="969873" y="6148253"/>
+                    <a:pt x="905922" y="6045592"/>
+                    <a:pt x="845380" y="5941386"/>
+                  </a:cubicBezTo>
+                  <a:cubicBezTo>
+                    <a:pt x="814453" y="5888704"/>
+                    <a:pt x="786147" y="5839370"/>
+                    <a:pt x="755351" y="5788877"/>
+                  </a:cubicBezTo>
+                  <a:cubicBezTo>
+                    <a:pt x="724817" y="5738771"/>
+                    <a:pt x="693760" y="5688665"/>
+                    <a:pt x="661784" y="5638944"/>
+                  </a:cubicBezTo>
+                  <a:lnTo>
+                    <a:pt x="466525" y="5340366"/>
+                  </a:lnTo>
+                  <a:cubicBezTo>
+                    <a:pt x="434156" y="5290131"/>
+                    <a:pt x="402181" y="5239639"/>
+                    <a:pt x="370992" y="5188502"/>
+                  </a:cubicBezTo>
+                  <a:cubicBezTo>
+                    <a:pt x="339803" y="5137364"/>
+                    <a:pt x="308876" y="5086099"/>
+                    <a:pt x="280046" y="5033287"/>
+                  </a:cubicBezTo>
+                  <a:cubicBezTo>
+                    <a:pt x="222255" y="4928179"/>
+                    <a:pt x="169181" y="4819982"/>
+                    <a:pt x="126853" y="4707660"/>
+                  </a:cubicBezTo>
+                  <a:cubicBezTo>
+                    <a:pt x="83739" y="4595725"/>
+                    <a:pt x="51764" y="4479670"/>
+                    <a:pt x="30272" y="4362068"/>
+                  </a:cubicBezTo>
+                  <a:cubicBezTo>
+                    <a:pt x="9698" y="4244466"/>
+                    <a:pt x="0" y="4125060"/>
+                    <a:pt x="0" y="4005912"/>
+                  </a:cubicBezTo>
+                  <a:cubicBezTo>
+                    <a:pt x="1704" y="3530867"/>
+                    <a:pt x="95140" y="3057110"/>
+                    <a:pt x="270480" y="2610532"/>
+                  </a:cubicBezTo>
+                  <a:cubicBezTo>
+                    <a:pt x="314511" y="2498984"/>
+                    <a:pt x="362212" y="2388466"/>
+                    <a:pt x="415942" y="2280526"/>
+                  </a:cubicBezTo>
+                  <a:cubicBezTo>
+                    <a:pt x="468884" y="2172197"/>
+                    <a:pt x="527199" y="2066188"/>
+                    <a:pt x="590102" y="1962626"/>
+                  </a:cubicBezTo>
+                  <a:cubicBezTo>
+                    <a:pt x="716037" y="1755631"/>
+                    <a:pt x="859794" y="1557653"/>
+                    <a:pt x="1020719" y="1373070"/>
+                  </a:cubicBezTo>
+                  <a:cubicBezTo>
+                    <a:pt x="1101575" y="1281101"/>
+                    <a:pt x="1185969" y="1191838"/>
+                    <a:pt x="1275080" y="1107081"/>
+                  </a:cubicBezTo>
+                  <a:cubicBezTo>
+                    <a:pt x="1297227" y="1085699"/>
+                    <a:pt x="1319504" y="1064575"/>
+                    <a:pt x="1342437" y="1043965"/>
+                  </a:cubicBezTo>
+                  <a:cubicBezTo>
+                    <a:pt x="1365240" y="1023226"/>
+                    <a:pt x="1387648" y="1002102"/>
+                    <a:pt x="1411106" y="982138"/>
+                  </a:cubicBezTo>
+                  <a:cubicBezTo>
+                    <a:pt x="1457497" y="941563"/>
+                    <a:pt x="1505065" y="902276"/>
+                    <a:pt x="1553029" y="863376"/>
+                  </a:cubicBezTo>
+                  <a:cubicBezTo>
+                    <a:pt x="1745798" y="708806"/>
+                    <a:pt x="1954030" y="571882"/>
+                    <a:pt x="2173401" y="454409"/>
+                  </a:cubicBezTo>
+                  <a:cubicBezTo>
+                    <a:pt x="2612013" y="219334"/>
+                    <a:pt x="3099505" y="65666"/>
+                    <a:pt x="3599708" y="16332"/>
+                  </a:cubicBezTo>
+                  <a:cubicBezTo>
+                    <a:pt x="3724530" y="3966"/>
+                    <a:pt x="3850400" y="-1283"/>
+                    <a:pt x="3975975" y="263"/>
+                  </a:cubicBezTo>
+                  <a:close/>
+                </a:path>
+              </a:pathLst>
+            </a:custGeom>
+            <a:gradFill>
+              <a:gsLst>
+                <a:gs pos="2000">
+                  <a:schemeClr val="bg1">
+                    <a:alpha val="10000"/>
+                  </a:schemeClr>
+                </a:gs>
+                <a:gs pos="16000">
+                  <a:schemeClr val="accent6">
+                    <a:alpha val="10000"/>
+                  </a:schemeClr>
+                </a:gs>
+                <a:gs pos="100000">
+                  <a:schemeClr val="bg1">
+                    <a:alpha val="10000"/>
+                  </a:schemeClr>
+                </a:gs>
+                <a:gs pos="85000">
+                  <a:schemeClr val="accent1">
+                    <a:alpha val="10000"/>
+                  </a:schemeClr>
+                </a:gs>
+              </a:gsLst>
+              <a:lin ang="12000000" scaled="0"/>
+            </a:gradFill>
+            <a:ln>
+              <a:noFill/>
+            </a:ln>
+          </p:spPr>
+          <p:style>
+            <a:lnRef idx="2">
+              <a:schemeClr val="accent1">
+                <a:shade val="50000"/>
+              </a:schemeClr>
+            </a:lnRef>
+            <a:fillRef idx="1">
+              <a:schemeClr val="accent1"/>
+            </a:fillRef>
+            <a:effectRef idx="0">
+              <a:schemeClr val="accent1"/>
+            </a:effectRef>
+            <a:fontRef idx="minor">
+              <a:schemeClr val="lt1"/>
+            </a:fontRef>
+          </p:style>
+          <p:txBody>
+            <a:bodyPr rtlCol="0" anchor="ctr"/>
+            <a:lstStyle/>
+            <a:p>
+              <a:pPr algn="ctr"/>
+              <a:endParaRPr lang="en-US"/>
+            </a:p>
+          </p:txBody>
+        </p:sp>
+        <p:sp>
+          <p:nvSpPr>
+            <p:cNvPr id="19491" name="Freeform: Shape 19490">
+              <a:extLst>
+                <a:ext uri="{FF2B5EF4-FFF2-40B4-BE49-F238E27FC236}">
+                  <a16:creationId xmlns:a16="http://schemas.microsoft.com/office/drawing/2014/main" id="{61023DD2-2E6F-4419-B404-80F08460BEA5}"/>
+                </a:ext>
+                <a:ext uri="{C183D7F6-B498-43B3-948B-1728B52AA6E4}">
+                  <adec:decorative xmlns:adec="http://schemas.microsoft.com/office/drawing/2017/decorative" val="1"/>
+                </a:ext>
+              </a:extLst>
+            </p:cNvPr>
+            <p:cNvSpPr/>
+            <p:nvPr>
+              <p:extLst>
+                <p:ext uri="{386F3935-93C4-4BCD-93E2-E3B085C9AB24}">
+                  <p16:designElem xmlns:p16="http://schemas.microsoft.com/office/powerpoint/2015/main" val="1"/>
+                </p:ext>
+              </p:extLst>
+            </p:nvPr>
+          </p:nvSpPr>
+          <p:spPr>
+            <a:xfrm>
+              <a:off x="5865276" y="313387"/>
+              <a:ext cx="6326724" cy="6561326"/>
+            </a:xfrm>
+            <a:custGeom>
+              <a:avLst/>
+              <a:gdLst>
+                <a:gd name="connsiteX0" fmla="*/ 6326724 w 6326724"/>
+                <a:gd name="connsiteY0" fmla="*/ 5020808 h 6561326"/>
+                <a:gd name="connsiteX1" fmla="*/ 6326724 w 6326724"/>
+                <a:gd name="connsiteY1" fmla="*/ 5698632 h 6561326"/>
+                <a:gd name="connsiteX2" fmla="*/ 6067438 w 6326724"/>
+                <a:gd name="connsiteY2" fmla="*/ 5902509 h 6561326"/>
+                <a:gd name="connsiteX3" fmla="*/ 5799974 w 6326724"/>
+                <a:gd name="connsiteY3" fmla="*/ 6102017 h 6561326"/>
+                <a:gd name="connsiteX4" fmla="*/ 5665258 w 6326724"/>
+                <a:gd name="connsiteY4" fmla="*/ 6202100 h 6561326"/>
+                <a:gd name="connsiteX5" fmla="*/ 5526873 w 6326724"/>
+                <a:gd name="connsiteY5" fmla="*/ 6302828 h 6561326"/>
+                <a:gd name="connsiteX6" fmla="*/ 5385080 w 6326724"/>
+                <a:gd name="connsiteY6" fmla="*/ 6402268 h 6561326"/>
+                <a:gd name="connsiteX7" fmla="*/ 5238833 w 6326724"/>
+                <a:gd name="connsiteY7" fmla="*/ 6498875 h 6561326"/>
+                <a:gd name="connsiteX8" fmla="*/ 5138040 w 6326724"/>
+                <a:gd name="connsiteY8" fmla="*/ 6561326 h 6561326"/>
+                <a:gd name="connsiteX9" fmla="*/ 3946072 w 6326724"/>
+                <a:gd name="connsiteY9" fmla="*/ 6561326 h 6561326"/>
+                <a:gd name="connsiteX10" fmla="*/ 3976009 w 6326724"/>
+                <a:gd name="connsiteY10" fmla="*/ 6555242 h 6561326"/>
+                <a:gd name="connsiteX11" fmla="*/ 4404855 w 6326724"/>
+                <a:gd name="connsiteY11" fmla="*/ 6399048 h 6561326"/>
+                <a:gd name="connsiteX12" fmla="*/ 4938868 w 6326724"/>
+                <a:gd name="connsiteY12" fmla="*/ 6072132 h 6561326"/>
+                <a:gd name="connsiteX13" fmla="*/ 5068342 w 6326724"/>
+                <a:gd name="connsiteY13" fmla="*/ 5976042 h 6561326"/>
+                <a:gd name="connsiteX14" fmla="*/ 5197816 w 6326724"/>
+                <a:gd name="connsiteY14" fmla="*/ 5876730 h 6561326"/>
+                <a:gd name="connsiteX15" fmla="*/ 5460039 w 6326724"/>
+                <a:gd name="connsiteY15" fmla="*/ 5670637 h 6561326"/>
+                <a:gd name="connsiteX16" fmla="*/ 5999033 w 6326724"/>
+                <a:gd name="connsiteY16" fmla="*/ 5271718 h 6561326"/>
+                <a:gd name="connsiteX17" fmla="*/ 6258766 w 6326724"/>
+                <a:gd name="connsiteY17" fmla="*/ 5077603 h 6561326"/>
+                <a:gd name="connsiteX18" fmla="*/ 4139342 w 6326724"/>
+                <a:gd name="connsiteY18" fmla="*/ 440 h 6561326"/>
+                <a:gd name="connsiteX19" fmla="*/ 4315744 w 6326724"/>
+                <a:gd name="connsiteY19" fmla="*/ 6808 h 6561326"/>
+                <a:gd name="connsiteX20" fmla="*/ 5015400 w 6326724"/>
+                <a:gd name="connsiteY20" fmla="*/ 113591 h 6561326"/>
+                <a:gd name="connsiteX21" fmla="*/ 5681114 w 6326724"/>
+                <a:gd name="connsiteY21" fmla="*/ 361418 h 6561326"/>
+                <a:gd name="connsiteX22" fmla="*/ 6270952 w 6326724"/>
+                <a:gd name="connsiteY22" fmla="*/ 755441 h 6561326"/>
+                <a:gd name="connsiteX23" fmla="*/ 6326724 w 6326724"/>
+                <a:gd name="connsiteY23" fmla="*/ 807432 h 6561326"/>
+                <a:gd name="connsiteX24" fmla="*/ 6326724 w 6326724"/>
+                <a:gd name="connsiteY24" fmla="*/ 1231565 h 6561326"/>
+                <a:gd name="connsiteX25" fmla="*/ 6302093 w 6326724"/>
+                <a:gd name="connsiteY25" fmla="*/ 1203002 h 6561326"/>
+                <a:gd name="connsiteX26" fmla="*/ 6066914 w 6326724"/>
+                <a:gd name="connsiteY26" fmla="*/ 989616 h 6561326"/>
+                <a:gd name="connsiteX27" fmla="*/ 5533688 w 6326724"/>
+                <a:gd name="connsiteY27" fmla="*/ 647242 h 6561326"/>
+                <a:gd name="connsiteX28" fmla="*/ 4933626 w 6326724"/>
+                <a:gd name="connsiteY28" fmla="*/ 432262 h 6561326"/>
+                <a:gd name="connsiteX29" fmla="*/ 4296873 w 6326724"/>
+                <a:gd name="connsiteY29" fmla="*/ 343126 h 6561326"/>
+                <a:gd name="connsiteX30" fmla="*/ 3651602 w 6326724"/>
+                <a:gd name="connsiteY30" fmla="*/ 365797 h 6561326"/>
+                <a:gd name="connsiteX31" fmla="*/ 3018256 w 6326724"/>
+                <a:gd name="connsiteY31" fmla="*/ 496666 h 6561326"/>
+                <a:gd name="connsiteX32" fmla="*/ 2412429 w 6326724"/>
+                <a:gd name="connsiteY32" fmla="*/ 724399 h 6561326"/>
+                <a:gd name="connsiteX33" fmla="*/ 1329857 w 6326724"/>
+                <a:gd name="connsiteY33" fmla="*/ 1424086 h 6561326"/>
+                <a:gd name="connsiteX34" fmla="*/ 887314 w 6326724"/>
+                <a:gd name="connsiteY34" fmla="*/ 1891015 h 6561326"/>
+                <a:gd name="connsiteX35" fmla="*/ 537420 w 6326724"/>
+                <a:gd name="connsiteY35" fmla="*/ 2427245 h 6561326"/>
+                <a:gd name="connsiteX36" fmla="*/ 299965 w 6326724"/>
+                <a:gd name="connsiteY36" fmla="*/ 3020021 h 6561326"/>
+                <a:gd name="connsiteX37" fmla="*/ 213606 w 6326724"/>
+                <a:gd name="connsiteY37" fmla="*/ 3651953 h 6561326"/>
+                <a:gd name="connsiteX38" fmla="*/ 250036 w 6326724"/>
+                <a:gd name="connsiteY38" fmla="*/ 3961352 h 6561326"/>
+                <a:gd name="connsiteX39" fmla="*/ 357625 w 6326724"/>
+                <a:gd name="connsiteY39" fmla="*/ 4250783 h 6561326"/>
+                <a:gd name="connsiteX40" fmla="*/ 432715 w 6326724"/>
+                <a:gd name="connsiteY40" fmla="*/ 4387063 h 6561326"/>
+                <a:gd name="connsiteX41" fmla="*/ 518943 w 6326724"/>
+                <a:gd name="connsiteY41" fmla="*/ 4518962 h 6561326"/>
+                <a:gd name="connsiteX42" fmla="*/ 718133 w 6326724"/>
+                <a:gd name="connsiteY42" fmla="*/ 4773874 h 6561326"/>
+                <a:gd name="connsiteX43" fmla="*/ 933704 w 6326724"/>
+                <a:gd name="connsiteY43" fmla="*/ 5030717 h 6561326"/>
+                <a:gd name="connsiteX44" fmla="*/ 1040900 w 6326724"/>
+                <a:gd name="connsiteY44" fmla="*/ 5164806 h 6561326"/>
+                <a:gd name="connsiteX45" fmla="*/ 1092401 w 6326724"/>
+                <a:gd name="connsiteY45" fmla="*/ 5230628 h 6561326"/>
+                <a:gd name="connsiteX46" fmla="*/ 1142854 w 6326724"/>
+                <a:gd name="connsiteY46" fmla="*/ 5293615 h 6561326"/>
+                <a:gd name="connsiteX47" fmla="*/ 1576354 w 6326724"/>
+                <a:gd name="connsiteY47" fmla="*/ 5759128 h 6561326"/>
+                <a:gd name="connsiteX48" fmla="*/ 1806865 w 6326724"/>
+                <a:gd name="connsiteY48" fmla="*/ 5968571 h 6561326"/>
+                <a:gd name="connsiteX49" fmla="*/ 2048253 w 6326724"/>
+                <a:gd name="connsiteY49" fmla="*/ 6161654 h 6561326"/>
+                <a:gd name="connsiteX50" fmla="*/ 2587506 w 6326724"/>
+                <a:gd name="connsiteY50" fmla="*/ 6467059 h 6561326"/>
+                <a:gd name="connsiteX51" fmla="*/ 2889176 w 6326724"/>
+                <a:gd name="connsiteY51" fmla="*/ 6553360 h 6561326"/>
+                <a:gd name="connsiteX52" fmla="*/ 2929698 w 6326724"/>
+                <a:gd name="connsiteY52" fmla="*/ 6561326 h 6561326"/>
+                <a:gd name="connsiteX53" fmla="*/ 1816374 w 6326724"/>
+                <a:gd name="connsiteY53" fmla="*/ 6561326 h 6561326"/>
+                <a:gd name="connsiteX54" fmla="*/ 1787601 w 6326724"/>
+                <a:gd name="connsiteY54" fmla="*/ 6545761 h 6561326"/>
+                <a:gd name="connsiteX55" fmla="*/ 1225544 w 6326724"/>
+                <a:gd name="connsiteY55" fmla="*/ 6094158 h 6561326"/>
+                <a:gd name="connsiteX56" fmla="*/ 997654 w 6326724"/>
+                <a:gd name="connsiteY56" fmla="*/ 5822374 h 6561326"/>
+                <a:gd name="connsiteX57" fmla="*/ 798596 w 6326724"/>
+                <a:gd name="connsiteY57" fmla="*/ 5534615 h 6561326"/>
+                <a:gd name="connsiteX58" fmla="*/ 752075 w 6326724"/>
+                <a:gd name="connsiteY58" fmla="*/ 5461324 h 6561326"/>
+                <a:gd name="connsiteX59" fmla="*/ 707650 w 6326724"/>
+                <a:gd name="connsiteY59" fmla="*/ 5390221 h 6561326"/>
+                <a:gd name="connsiteX60" fmla="*/ 619980 w 6326724"/>
+                <a:gd name="connsiteY60" fmla="*/ 5252396 h 6561326"/>
+                <a:gd name="connsiteX61" fmla="*/ 438349 w 6326724"/>
+                <a:gd name="connsiteY61" fmla="*/ 4970822 h 6561326"/>
+                <a:gd name="connsiteX62" fmla="*/ 261044 w 6326724"/>
+                <a:gd name="connsiteY62" fmla="*/ 4673145 h 6561326"/>
+                <a:gd name="connsiteX63" fmla="*/ 181107 w 6326724"/>
+                <a:gd name="connsiteY63" fmla="*/ 4515356 h 6561326"/>
+                <a:gd name="connsiteX64" fmla="*/ 113224 w 6326724"/>
+                <a:gd name="connsiteY64" fmla="*/ 4350223 h 6561326"/>
+                <a:gd name="connsiteX65" fmla="*/ 61199 w 6326724"/>
+                <a:gd name="connsiteY65" fmla="*/ 4178908 h 6561326"/>
+                <a:gd name="connsiteX66" fmla="*/ 41804 w 6326724"/>
+                <a:gd name="connsiteY66" fmla="*/ 4091577 h 6561326"/>
+                <a:gd name="connsiteX67" fmla="*/ 33287 w 6326724"/>
+                <a:gd name="connsiteY67" fmla="*/ 4047781 h 6561326"/>
+                <a:gd name="connsiteX68" fmla="*/ 26209 w 6326724"/>
+                <a:gd name="connsiteY68" fmla="*/ 4003858 h 6561326"/>
+                <a:gd name="connsiteX69" fmla="*/ 0 w 6326724"/>
+                <a:gd name="connsiteY69" fmla="*/ 3651953 h 6561326"/>
+                <a:gd name="connsiteX70" fmla="*/ 72731 w 6326724"/>
+                <a:gd name="connsiteY70" fmla="*/ 2966307 h 6561326"/>
+                <a:gd name="connsiteX71" fmla="*/ 291316 w 6326724"/>
+                <a:gd name="connsiteY71" fmla="*/ 2309385 h 6561326"/>
+                <a:gd name="connsiteX72" fmla="*/ 1110878 w 6326724"/>
+                <a:gd name="connsiteY72" fmla="*/ 1193776 h 6561326"/>
+                <a:gd name="connsiteX73" fmla="*/ 1654327 w 6326724"/>
+                <a:gd name="connsiteY73" fmla="*/ 756730 h 6561326"/>
+                <a:gd name="connsiteX74" fmla="*/ 2261727 w 6326724"/>
+                <a:gd name="connsiteY74" fmla="*/ 409720 h 6561326"/>
+                <a:gd name="connsiteX75" fmla="*/ 3610060 w 6326724"/>
+                <a:gd name="connsiteY75" fmla="*/ 27032 h 6561326"/>
+                <a:gd name="connsiteX76" fmla="*/ 4139342 w 6326724"/>
+                <a:gd name="connsiteY76" fmla="*/ 440 h 6561326"/>
+              </a:gdLst>
+              <a:ahLst/>
+              <a:cxnLst>
+                <a:cxn ang="0">
+                  <a:pos x="connsiteX0" y="connsiteY0"/>
+                </a:cxn>
+                <a:cxn ang="0">
+                  <a:pos x="connsiteX1" y="connsiteY1"/>
+                </a:cxn>
+                <a:cxn ang="0">
+                  <a:pos x="connsiteX2" y="connsiteY2"/>
+                </a:cxn>
+                <a:cxn ang="0">
+                  <a:pos x="connsiteX3" y="connsiteY3"/>
+                </a:cxn>
+                <a:cxn ang="0">
+                  <a:pos x="connsiteX4" y="connsiteY4"/>
+                </a:cxn>
+                <a:cxn ang="0">
+                  <a:pos x="connsiteX5" y="connsiteY5"/>
+                </a:cxn>
+                <a:cxn ang="0">
+                  <a:pos x="connsiteX6" y="connsiteY6"/>
+                </a:cxn>
+                <a:cxn ang="0">
+                  <a:pos x="connsiteX7" y="connsiteY7"/>
+                </a:cxn>
+                <a:cxn ang="0">
+                  <a:pos x="connsiteX8" y="connsiteY8"/>
+                </a:cxn>
+                <a:cxn ang="0">
+                  <a:pos x="connsiteX9" y="connsiteY9"/>
+                </a:cxn>
+                <a:cxn ang="0">
+                  <a:pos x="connsiteX10" y="connsiteY10"/>
+                </a:cxn>
+                <a:cxn ang="0">
+                  <a:pos x="connsiteX11" y="connsiteY11"/>
+                </a:cxn>
+                <a:cxn ang="0">
+                  <a:pos x="connsiteX12" y="connsiteY12"/>
+                </a:cxn>
+                <a:cxn ang="0">
+                  <a:pos x="connsiteX13" y="connsiteY13"/>
+                </a:cxn>
+                <a:cxn ang="0">
+                  <a:pos x="connsiteX14" y="connsiteY14"/>
+                </a:cxn>
+                <a:cxn ang="0">
+                  <a:pos x="connsiteX15" y="connsiteY15"/>
+                </a:cxn>
+                <a:cxn ang="0">
+                  <a:pos x="connsiteX16" y="connsiteY16"/>
+                </a:cxn>
+                <a:cxn ang="0">
+                  <a:pos x="connsiteX17" y="connsiteY17"/>
+                </a:cxn>
+                <a:cxn ang="0">
+                  <a:pos x="connsiteX18" y="connsiteY18"/>
+                </a:cxn>
+                <a:cxn ang="0">
+                  <a:pos x="connsiteX19" y="connsiteY19"/>
+                </a:cxn>
+                <a:cxn ang="0">
+                  <a:pos x="connsiteX20" y="connsiteY20"/>
+                </a:cxn>
+                <a:cxn ang="0">
+                  <a:pos x="connsiteX21" y="connsiteY21"/>
+                </a:cxn>
+                <a:cxn ang="0">
+                  <a:pos x="connsiteX22" y="connsiteY22"/>
+                </a:cxn>
+                <a:cxn ang="0">
+                  <a:pos x="connsiteX23" y="connsiteY23"/>
+                </a:cxn>
+                <a:cxn ang="0">
+                  <a:pos x="connsiteX24" y="connsiteY24"/>
+                </a:cxn>
+                <a:cxn ang="0">
+                  <a:pos x="connsiteX25" y="connsiteY25"/>
+                </a:cxn>
+                <a:cxn ang="0">
+                  <a:pos x="connsiteX26" y="connsiteY26"/>
+                </a:cxn>
+                <a:cxn ang="0">
+                  <a:pos x="connsiteX27" y="connsiteY27"/>
+                </a:cxn>
+                <a:cxn ang="0">
+                  <a:pos x="connsiteX28" y="connsiteY28"/>
+                </a:cxn>
+                <a:cxn ang="0">
+                  <a:pos x="connsiteX29" y="connsiteY29"/>
+                </a:cxn>
+                <a:cxn ang="0">
+                  <a:pos x="connsiteX30" y="connsiteY30"/>
+                </a:cxn>
+                <a:cxn ang="0">
+                  <a:pos x="connsiteX31" y="connsiteY31"/>
+                </a:cxn>
+                <a:cxn ang="0">
+                  <a:pos x="connsiteX32" y="connsiteY32"/>
+                </a:cxn>
+                <a:cxn ang="0">
+                  <a:pos x="connsiteX33" y="connsiteY33"/>
+                </a:cxn>
+                <a:cxn ang="0">
+                  <a:pos x="connsiteX34" y="connsiteY34"/>
+                </a:cxn>
+                <a:cxn ang="0">
+                  <a:pos x="connsiteX35" y="connsiteY35"/>
+                </a:cxn>
+                <a:cxn ang="0">
+                  <a:pos x="connsiteX36" y="connsiteY36"/>
+                </a:cxn>
+                <a:cxn ang="0">
+                  <a:pos x="connsiteX37" y="connsiteY37"/>
+                </a:cxn>
+                <a:cxn ang="0">
+                  <a:pos x="connsiteX38" y="connsiteY38"/>
+                </a:cxn>
+                <a:cxn ang="0">
+                  <a:pos x="connsiteX39" y="connsiteY39"/>
+                </a:cxn>
+                <a:cxn ang="0">
+                  <a:pos x="connsiteX40" y="connsiteY40"/>
+                </a:cxn>
+                <a:cxn ang="0">
+                  <a:pos x="connsiteX41" y="connsiteY41"/>
+                </a:cxn>
+                <a:cxn ang="0">
+                  <a:pos x="connsiteX42" y="connsiteY42"/>
+                </a:cxn>
+                <a:cxn ang="0">
+                  <a:pos x="connsiteX43" y="connsiteY43"/>
+                </a:cxn>
+                <a:cxn ang="0">
+                  <a:pos x="connsiteX44" y="connsiteY44"/>
+                </a:cxn>
+                <a:cxn ang="0">
+                  <a:pos x="connsiteX45" y="connsiteY45"/>
+                </a:cxn>
+                <a:cxn ang="0">
+                  <a:pos x="connsiteX46" y="connsiteY46"/>
+                </a:cxn>
+                <a:cxn ang="0">
+                  <a:pos x="connsiteX47" y="connsiteY47"/>
+                </a:cxn>
+                <a:cxn ang="0">
+                  <a:pos x="connsiteX48" y="connsiteY48"/>
+                </a:cxn>
+                <a:cxn ang="0">
+                  <a:pos x="connsiteX49" y="connsiteY49"/>
+                </a:cxn>
+                <a:cxn ang="0">
+                  <a:pos x="connsiteX50" y="connsiteY50"/>
+                </a:cxn>
+                <a:cxn ang="0">
+                  <a:pos x="connsiteX51" y="connsiteY51"/>
+                </a:cxn>
+                <a:cxn ang="0">
+                  <a:pos x="connsiteX52" y="connsiteY52"/>
+                </a:cxn>
+                <a:cxn ang="0">
+                  <a:pos x="connsiteX53" y="connsiteY53"/>
+                </a:cxn>
+                <a:cxn ang="0">
+                  <a:pos x="connsiteX54" y="connsiteY54"/>
+                </a:cxn>
+                <a:cxn ang="0">
+                  <a:pos x="connsiteX55" y="connsiteY55"/>
+                </a:cxn>
+                <a:cxn ang="0">
+                  <a:pos x="connsiteX56" y="connsiteY56"/>
+                </a:cxn>
+                <a:cxn ang="0">
+                  <a:pos x="connsiteX57" y="connsiteY57"/>
+                </a:cxn>
+                <a:cxn ang="0">
+                  <a:pos x="connsiteX58" y="connsiteY58"/>
+                </a:cxn>
+                <a:cxn ang="0">
+                  <a:pos x="connsiteX59" y="connsiteY59"/>
+                </a:cxn>
+                <a:cxn ang="0">
+                  <a:pos x="connsiteX60" y="connsiteY60"/>
+                </a:cxn>
+                <a:cxn ang="0">
+                  <a:pos x="connsiteX61" y="connsiteY61"/>
+                </a:cxn>
+                <a:cxn ang="0">
+                  <a:pos x="connsiteX62" y="connsiteY62"/>
+                </a:cxn>
+                <a:cxn ang="0">
+                  <a:pos x="connsiteX63" y="connsiteY63"/>
+                </a:cxn>
+                <a:cxn ang="0">
+                  <a:pos x="connsiteX64" y="connsiteY64"/>
+                </a:cxn>
+                <a:cxn ang="0">
+                  <a:pos x="connsiteX65" y="connsiteY65"/>
+                </a:cxn>
+                <a:cxn ang="0">
+                  <a:pos x="connsiteX66" y="connsiteY66"/>
+                </a:cxn>
+                <a:cxn ang="0">
+                  <a:pos x="connsiteX67" y="connsiteY67"/>
+                </a:cxn>
+                <a:cxn ang="0">
+                  <a:pos x="connsiteX68" y="connsiteY68"/>
+                </a:cxn>
+                <a:cxn ang="0">
+                  <a:pos x="connsiteX69" y="connsiteY69"/>
+                </a:cxn>
+                <a:cxn ang="0">
+                  <a:pos x="connsiteX70" y="connsiteY70"/>
+                </a:cxn>
+                <a:cxn ang="0">
+                  <a:pos x="connsiteX71" y="connsiteY71"/>
+                </a:cxn>
+                <a:cxn ang="0">
+                  <a:pos x="connsiteX72" y="connsiteY72"/>
+                </a:cxn>
+                <a:cxn ang="0">
+                  <a:pos x="connsiteX73" y="connsiteY73"/>
+                </a:cxn>
+                <a:cxn ang="0">
+                  <a:pos x="connsiteX74" y="connsiteY74"/>
+                </a:cxn>
+                <a:cxn ang="0">
+                  <a:pos x="connsiteX75" y="connsiteY75"/>
+                </a:cxn>
+                <a:cxn ang="0">
+                  <a:pos x="connsiteX76" y="connsiteY76"/>
+                </a:cxn>
+              </a:cxnLst>
+              <a:rect l="l" t="t" r="r" b="b"/>
+              <a:pathLst>
+                <a:path w="6326724" h="6561326">
+                  <a:moveTo>
+                    <a:pt x="6326724" y="5020808"/>
+                  </a:moveTo>
+                  <a:lnTo>
+                    <a:pt x="6326724" y="5698632"/>
+                  </a:lnTo>
+                  <a:lnTo>
+                    <a:pt x="6067438" y="5902509"/>
+                  </a:lnTo>
+                  <a:cubicBezTo>
+                    <a:pt x="5977868" y="5970407"/>
+                    <a:pt x="5888364" y="6036453"/>
+                    <a:pt x="5799974" y="6102017"/>
+                  </a:cubicBezTo>
+                  <a:lnTo>
+                    <a:pt x="5665258" y="6202100"/>
+                  </a:lnTo>
+                  <a:cubicBezTo>
+                    <a:pt x="5619654" y="6235719"/>
+                    <a:pt x="5573656" y="6269596"/>
+                    <a:pt x="5526873" y="6302828"/>
+                  </a:cubicBezTo>
+                  <a:cubicBezTo>
+                    <a:pt x="5480220" y="6336189"/>
+                    <a:pt x="5433044" y="6369423"/>
+                    <a:pt x="5385080" y="6402268"/>
+                  </a:cubicBezTo>
+                  <a:cubicBezTo>
+                    <a:pt x="5336988" y="6434857"/>
+                    <a:pt x="5288500" y="6467187"/>
+                    <a:pt x="5238833" y="6498875"/>
+                  </a:cubicBezTo>
+                  <a:lnTo>
+                    <a:pt x="5138040" y="6561326"/>
+                  </a:lnTo>
+                  <a:lnTo>
+                    <a:pt x="3946072" y="6561326"/>
+                  </a:lnTo>
+                  <a:lnTo>
+                    <a:pt x="3976009" y="6555242"/>
+                  </a:lnTo>
+                  <a:cubicBezTo>
+                    <a:pt x="4123712" y="6519227"/>
+                    <a:pt x="4266863" y="6466383"/>
+                    <a:pt x="4404855" y="6399048"/>
+                  </a:cubicBezTo>
+                  <a:cubicBezTo>
+                    <a:pt x="4589500" y="6310299"/>
+                    <a:pt x="4765232" y="6196690"/>
+                    <a:pt x="4938868" y="6072132"/>
+                  </a:cubicBezTo>
+                  <a:cubicBezTo>
+                    <a:pt x="4982245" y="6041089"/>
+                    <a:pt x="5025359" y="6008630"/>
+                    <a:pt x="5068342" y="5976042"/>
+                  </a:cubicBezTo>
+                  <a:cubicBezTo>
+                    <a:pt x="5111588" y="5943453"/>
+                    <a:pt x="5154702" y="5910349"/>
+                    <a:pt x="5197816" y="5876730"/>
+                  </a:cubicBezTo>
+                  <a:lnTo>
+                    <a:pt x="5460039" y="5670637"/>
+                  </a:lnTo>
+                  <a:cubicBezTo>
+                    <a:pt x="5639966" y="5530365"/>
+                    <a:pt x="5821596" y="5399753"/>
+                    <a:pt x="5999033" y="5271718"/>
+                  </a:cubicBezTo>
+                  <a:cubicBezTo>
+                    <a:pt x="6087686" y="5207700"/>
+                    <a:pt x="6174667" y="5143360"/>
+                    <a:pt x="6258766" y="5077603"/>
+                  </a:cubicBezTo>
+                  <a:close/>
+                  <a:moveTo>
+                    <a:pt x="4139342" y="440"/>
+                  </a:moveTo>
+                  <a:cubicBezTo>
+                    <a:pt x="4198237" y="1301"/>
+                    <a:pt x="4257068" y="3427"/>
+                    <a:pt x="4315744" y="6808"/>
+                  </a:cubicBezTo>
+                  <a:cubicBezTo>
+                    <a:pt x="4550841" y="20849"/>
+                    <a:pt x="4785806" y="55240"/>
+                    <a:pt x="5015400" y="113591"/>
+                  </a:cubicBezTo>
+                  <a:cubicBezTo>
+                    <a:pt x="5244992" y="171812"/>
+                    <a:pt x="5469212" y="254249"/>
+                    <a:pt x="5681114" y="361418"/>
+                  </a:cubicBezTo>
+                  <a:cubicBezTo>
+                    <a:pt x="5892754" y="468586"/>
+                    <a:pt x="6093124" y="599584"/>
+                    <a:pt x="6270952" y="755441"/>
+                  </a:cubicBezTo>
+                  <a:lnTo>
+                    <a:pt x="6326724" y="807432"/>
+                  </a:lnTo>
+                  <a:lnTo>
+                    <a:pt x="6326724" y="1231565"/>
+                  </a:lnTo>
+                  <a:lnTo>
+                    <a:pt x="6302093" y="1203002"/>
+                  </a:lnTo>
+                  <a:cubicBezTo>
+                    <a:pt x="6227937" y="1127247"/>
+                    <a:pt x="6149211" y="1056081"/>
+                    <a:pt x="6066914" y="989616"/>
+                  </a:cubicBezTo>
+                  <a:cubicBezTo>
+                    <a:pt x="5902714" y="856299"/>
+                    <a:pt x="5724360" y="740371"/>
+                    <a:pt x="5533688" y="647242"/>
+                  </a:cubicBezTo>
+                  <a:cubicBezTo>
+                    <a:pt x="5343146" y="553857"/>
+                    <a:pt x="5141466" y="482239"/>
+                    <a:pt x="4933626" y="432262"/>
+                  </a:cubicBezTo>
+                  <a:cubicBezTo>
+                    <a:pt x="4725788" y="382156"/>
+                    <a:pt x="4512182" y="353303"/>
+                    <a:pt x="4296873" y="343126"/>
+                  </a:cubicBezTo>
+                  <a:cubicBezTo>
+                    <a:pt x="4081172" y="332435"/>
+                    <a:pt x="3865732" y="339520"/>
+                    <a:pt x="3651602" y="365797"/>
+                  </a:cubicBezTo>
+                  <a:cubicBezTo>
+                    <a:pt x="3437604" y="392202"/>
+                    <a:pt x="3225572" y="436384"/>
+                    <a:pt x="3018256" y="496666"/>
+                  </a:cubicBezTo>
+                  <a:cubicBezTo>
+                    <a:pt x="2810809" y="556691"/>
+                    <a:pt x="2608474" y="634362"/>
+                    <a:pt x="2412429" y="724399"/>
+                  </a:cubicBezTo>
+                  <a:cubicBezTo>
+                    <a:pt x="2019160" y="902541"/>
+                    <a:pt x="1651969" y="1138775"/>
+                    <a:pt x="1329857" y="1424086"/>
+                  </a:cubicBezTo>
+                  <a:cubicBezTo>
+                    <a:pt x="1169326" y="1567192"/>
+                    <a:pt x="1020588" y="1723307"/>
+                    <a:pt x="887314" y="1891015"/>
+                  </a:cubicBezTo>
+                  <a:cubicBezTo>
+                    <a:pt x="753778" y="2058466"/>
+                    <a:pt x="635967" y="2238026"/>
+                    <a:pt x="537420" y="2427245"/>
+                  </a:cubicBezTo>
+                  <a:cubicBezTo>
+                    <a:pt x="438874" y="2616335"/>
+                    <a:pt x="356839" y="2814313"/>
+                    <a:pt x="299965" y="3020021"/>
+                  </a:cubicBezTo>
+                  <a:cubicBezTo>
+                    <a:pt x="242961" y="3225212"/>
+                    <a:pt x="213474" y="3438518"/>
+                    <a:pt x="213606" y="3651953"/>
+                  </a:cubicBezTo>
+                  <a:cubicBezTo>
+                    <a:pt x="214785" y="3756804"/>
+                    <a:pt x="225269" y="3860881"/>
+                    <a:pt x="250036" y="3961352"/>
+                  </a:cubicBezTo>
+                  <a:cubicBezTo>
+                    <a:pt x="274412" y="4061950"/>
+                    <a:pt x="312284" y="4158171"/>
+                    <a:pt x="357625" y="4250783"/>
+                  </a:cubicBezTo>
+                  <a:cubicBezTo>
+                    <a:pt x="380558" y="4297025"/>
+                    <a:pt x="405982" y="4342366"/>
+                    <a:pt x="432715" y="4387063"/>
+                  </a:cubicBezTo>
+                  <a:cubicBezTo>
+                    <a:pt x="459841" y="4431630"/>
+                    <a:pt x="488803" y="4475554"/>
+                    <a:pt x="518943" y="4518962"/>
+                  </a:cubicBezTo>
+                  <a:cubicBezTo>
+                    <a:pt x="580011" y="4605521"/>
+                    <a:pt x="647893" y="4689504"/>
+                    <a:pt x="718133" y="4773874"/>
+                  </a:cubicBezTo>
+                  <a:cubicBezTo>
+                    <a:pt x="788374" y="4858372"/>
+                    <a:pt x="861760" y="4942871"/>
+                    <a:pt x="933704" y="5030717"/>
+                  </a:cubicBezTo>
+                  <a:cubicBezTo>
+                    <a:pt x="969742" y="5074512"/>
+                    <a:pt x="1005387" y="5119337"/>
+                    <a:pt x="1040900" y="5164806"/>
+                  </a:cubicBezTo>
+                  <a:lnTo>
+                    <a:pt x="1092401" y="5230628"/>
+                  </a:lnTo>
+                  <a:cubicBezTo>
+                    <a:pt x="1109306" y="5251624"/>
+                    <a:pt x="1125425" y="5273135"/>
+                    <a:pt x="1142854" y="5293615"/>
+                  </a:cubicBezTo>
+                  <a:cubicBezTo>
+                    <a:pt x="1278880" y="5460293"/>
+                    <a:pt x="1426438" y="5613704"/>
+                    <a:pt x="1576354" y="5759128"/>
+                  </a:cubicBezTo>
+                  <a:cubicBezTo>
+                    <a:pt x="1651706" y="5831519"/>
+                    <a:pt x="1728368" y="5901461"/>
+                    <a:pt x="1806865" y="5968571"/>
+                  </a:cubicBezTo>
+                  <a:cubicBezTo>
+                    <a:pt x="1885362" y="6035680"/>
+                    <a:pt x="1965299" y="6100599"/>
+                    <a:pt x="2048253" y="6161654"/>
+                  </a:cubicBezTo>
+                  <a:cubicBezTo>
+                    <a:pt x="2213502" y="6284022"/>
+                    <a:pt x="2391724" y="6393380"/>
+                    <a:pt x="2587506" y="6467059"/>
+                  </a:cubicBezTo>
+                  <a:cubicBezTo>
+                    <a:pt x="2685137" y="6503898"/>
+                    <a:pt x="2786304" y="6532106"/>
+                    <a:pt x="2889176" y="6553360"/>
+                  </a:cubicBezTo>
+                  <a:lnTo>
+                    <a:pt x="2929698" y="6561326"/>
+                  </a:lnTo>
+                  <a:lnTo>
+                    <a:pt x="1816374" y="6561326"/>
+                  </a:lnTo>
+                  <a:lnTo>
+                    <a:pt x="1787601" y="6545761"/>
+                  </a:lnTo>
+                  <a:cubicBezTo>
+                    <a:pt x="1577272" y="6422749"/>
+                    <a:pt x="1389483" y="6266761"/>
+                    <a:pt x="1225544" y="6094158"/>
+                  </a:cubicBezTo>
+                  <a:cubicBezTo>
+                    <a:pt x="1143116" y="6007986"/>
+                    <a:pt x="1068158" y="5916274"/>
+                    <a:pt x="997654" y="5822374"/>
+                  </a:cubicBezTo>
+                  <a:cubicBezTo>
+                    <a:pt x="927546" y="5728086"/>
+                    <a:pt x="860842" y="5632381"/>
+                    <a:pt x="798596" y="5534615"/>
+                  </a:cubicBezTo>
+                  <a:cubicBezTo>
+                    <a:pt x="782608" y="5510399"/>
+                    <a:pt x="767537" y="5485797"/>
+                    <a:pt x="752075" y="5461324"/>
+                  </a:cubicBezTo>
+                  <a:lnTo>
+                    <a:pt x="707650" y="5390221"/>
+                  </a:lnTo>
+                  <a:cubicBezTo>
+                    <a:pt x="679213" y="5344237"/>
+                    <a:pt x="649728" y="5298638"/>
+                    <a:pt x="619980" y="5252396"/>
+                  </a:cubicBezTo>
+                  <a:lnTo>
+                    <a:pt x="438349" y="4970822"/>
+                  </a:lnTo>
+                  <a:cubicBezTo>
+                    <a:pt x="377413" y="4874860"/>
+                    <a:pt x="317263" y="4776064"/>
+                    <a:pt x="261044" y="4673145"/>
+                  </a:cubicBezTo>
+                  <a:cubicBezTo>
+                    <a:pt x="233000" y="4621622"/>
+                    <a:pt x="205874" y="4569197"/>
+                    <a:pt x="181107" y="4515356"/>
+                  </a:cubicBezTo>
+                  <a:cubicBezTo>
+                    <a:pt x="156470" y="4461385"/>
+                    <a:pt x="133537" y="4406385"/>
+                    <a:pt x="113224" y="4350223"/>
+                  </a:cubicBezTo>
+                  <a:cubicBezTo>
+                    <a:pt x="93305" y="4293934"/>
+                    <a:pt x="75614" y="4236872"/>
+                    <a:pt x="61199" y="4178908"/>
+                  </a:cubicBezTo>
+                  <a:cubicBezTo>
+                    <a:pt x="54385" y="4149927"/>
+                    <a:pt x="47440" y="4120815"/>
+                    <a:pt x="41804" y="4091577"/>
+                  </a:cubicBezTo>
+                  <a:lnTo>
+                    <a:pt x="33287" y="4047781"/>
+                  </a:lnTo>
+                  <a:lnTo>
+                    <a:pt x="26209" y="4003858"/>
+                  </a:lnTo>
+                  <a:cubicBezTo>
+                    <a:pt x="7732" y="3886643"/>
+                    <a:pt x="0" y="3768783"/>
+                    <a:pt x="0" y="3651953"/>
+                  </a:cubicBezTo>
+                  <a:cubicBezTo>
+                    <a:pt x="524" y="3422031"/>
+                    <a:pt x="25030" y="3192109"/>
+                    <a:pt x="72731" y="2966307"/>
+                  </a:cubicBezTo>
+                  <a:cubicBezTo>
+                    <a:pt x="120301" y="2740634"/>
+                    <a:pt x="193163" y="2519343"/>
+                    <a:pt x="291316" y="2309385"/>
+                  </a:cubicBezTo>
+                  <a:cubicBezTo>
+                    <a:pt x="488540" y="1889469"/>
+                    <a:pt x="774352" y="1513736"/>
+                    <a:pt x="1110878" y="1193776"/>
+                  </a:cubicBezTo>
+                  <a:cubicBezTo>
+                    <a:pt x="1279535" y="1033797"/>
+                    <a:pt x="1461821" y="887856"/>
+                    <a:pt x="1654327" y="756730"/>
+                  </a:cubicBezTo>
+                  <a:cubicBezTo>
+                    <a:pt x="1847096" y="625732"/>
+                    <a:pt x="2049956" y="509031"/>
+                    <a:pt x="2261727" y="409720"/>
+                  </a:cubicBezTo>
+                  <a:cubicBezTo>
+                    <a:pt x="2685792" y="212515"/>
+                    <a:pt x="3142357" y="82162"/>
+                    <a:pt x="3610060" y="27032"/>
+                  </a:cubicBezTo>
+                  <a:cubicBezTo>
+                    <a:pt x="3785399" y="6647"/>
+                    <a:pt x="3962657" y="-2144"/>
+                    <a:pt x="4139342" y="440"/>
+                  </a:cubicBezTo>
+                  <a:close/>
+                </a:path>
+              </a:pathLst>
+            </a:custGeom>
+            <a:gradFill>
+              <a:gsLst>
+                <a:gs pos="2000">
+                  <a:schemeClr val="bg1">
+                    <a:alpha val="10000"/>
+                  </a:schemeClr>
+                </a:gs>
+                <a:gs pos="16000">
+                  <a:schemeClr val="accent6">
+                    <a:alpha val="10000"/>
+                  </a:schemeClr>
+                </a:gs>
+                <a:gs pos="100000">
+                  <a:schemeClr val="bg1">
+                    <a:alpha val="10000"/>
+                  </a:schemeClr>
+                </a:gs>
+                <a:gs pos="85000">
+                  <a:schemeClr val="accent1">
+                    <a:alpha val="10000"/>
+                  </a:schemeClr>
+                </a:gs>
+              </a:gsLst>
+              <a:lin ang="12000000" scaled="0"/>
+            </a:gradFill>
+            <a:ln>
+              <a:noFill/>
+            </a:ln>
+          </p:spPr>
+          <p:style>
+            <a:lnRef idx="2">
+              <a:schemeClr val="accent1">
+                <a:shade val="50000"/>
+              </a:schemeClr>
+            </a:lnRef>
+            <a:fillRef idx="1">
+              <a:schemeClr val="accent1"/>
+            </a:fillRef>
+            <a:effectRef idx="0">
+              <a:schemeClr val="accent1"/>
+            </a:effectRef>
+            <a:fontRef idx="minor">
+              <a:schemeClr val="lt1"/>
+            </a:fontRef>
+          </p:style>
+          <p:txBody>
+            <a:bodyPr rtlCol="0" anchor="ctr"/>
+            <a:lstStyle/>
+            <a:p>
+              <a:pPr algn="ctr"/>
+              <a:endParaRPr lang="en-US"/>
+            </a:p>
+          </p:txBody>
+        </p:sp>
+        <p:sp>
+          <p:nvSpPr>
+            <p:cNvPr id="19492" name="Freeform: Shape 19491">
+              <a:extLst>
+                <a:ext uri="{FF2B5EF4-FFF2-40B4-BE49-F238E27FC236}">
+                  <a16:creationId xmlns:a16="http://schemas.microsoft.com/office/drawing/2014/main" id="{BC4A6C98-F96E-4587-B01F-A9B01BBFAD01}"/>
+                </a:ext>
+                <a:ext uri="{C183D7F6-B498-43B3-948B-1728B52AA6E4}">
+                  <adec:decorative xmlns:adec="http://schemas.microsoft.com/office/drawing/2017/decorative" val="1"/>
+                </a:ext>
+              </a:extLst>
+            </p:cNvPr>
+            <p:cNvSpPr/>
+            <p:nvPr>
+              <p:extLst>
+                <p:ext uri="{386F3935-93C4-4BCD-93E2-E3B085C9AB24}">
+                  <p16:designElem xmlns:p16="http://schemas.microsoft.com/office/powerpoint/2015/main" val="1"/>
+                </p:ext>
+              </p:extLst>
+            </p:nvPr>
+          </p:nvSpPr>
+          <p:spPr>
+            <a:xfrm>
+              <a:off x="5870322" y="353119"/>
+              <a:ext cx="6321679" cy="6521594"/>
+            </a:xfrm>
+            <a:custGeom>
+              <a:avLst/>
+              <a:gdLst>
+                <a:gd name="connsiteX0" fmla="*/ 4150102 w 6321679"/>
+                <a:gd name="connsiteY0" fmla="*/ 0 h 6521594"/>
+                <a:gd name="connsiteX1" fmla="*/ 6083891 w 6321679"/>
+                <a:gd name="connsiteY1" fmla="*/ 619943 h 6521594"/>
+                <a:gd name="connsiteX2" fmla="*/ 6321679 w 6321679"/>
+                <a:gd name="connsiteY2" fmla="*/ 822247 h 6521594"/>
+                <a:gd name="connsiteX3" fmla="*/ 6321679 w 6321679"/>
+                <a:gd name="connsiteY3" fmla="*/ 1866928 h 6521594"/>
+                <a:gd name="connsiteX4" fmla="*/ 6212358 w 6321679"/>
+                <a:gd name="connsiteY4" fmla="*/ 1689281 h 6521594"/>
+                <a:gd name="connsiteX5" fmla="*/ 6049880 w 6321679"/>
+                <a:gd name="connsiteY5" fmla="*/ 1477173 h 6521594"/>
+                <a:gd name="connsiteX6" fmla="*/ 5248663 w 6321679"/>
+                <a:gd name="connsiteY6" fmla="*/ 869327 h 6521594"/>
+                <a:gd name="connsiteX7" fmla="*/ 4150102 w 6321679"/>
+                <a:gd name="connsiteY7" fmla="*/ 644042 h 6521594"/>
+                <a:gd name="connsiteX8" fmla="*/ 2867946 w 6321679"/>
+                <a:gd name="connsiteY8" fmla="*/ 886459 h 6521594"/>
+                <a:gd name="connsiteX9" fmla="*/ 1728892 w 6321679"/>
+                <a:gd name="connsiteY9" fmla="*/ 1552397 h 6521594"/>
+                <a:gd name="connsiteX10" fmla="*/ 941043 w 6321679"/>
+                <a:gd name="connsiteY10" fmla="*/ 2512664 h 6521594"/>
+                <a:gd name="connsiteX11" fmla="*/ 655362 w 6321679"/>
+                <a:gd name="connsiteY11" fmla="*/ 3630204 h 6521594"/>
+                <a:gd name="connsiteX12" fmla="*/ 1128177 w 6321679"/>
+                <a:gd name="connsiteY12" fmla="*/ 4667883 h 6521594"/>
+                <a:gd name="connsiteX13" fmla="*/ 1366419 w 6321679"/>
+                <a:gd name="connsiteY13" fmla="*/ 4997246 h 6521594"/>
+                <a:gd name="connsiteX14" fmla="*/ 3601937 w 6321679"/>
+                <a:gd name="connsiteY14" fmla="*/ 6284685 h 6521594"/>
+                <a:gd name="connsiteX15" fmla="*/ 5298985 w 6321679"/>
+                <a:gd name="connsiteY15" fmla="*/ 5492643 h 6521594"/>
+                <a:gd name="connsiteX16" fmla="*/ 5505513 w 6321679"/>
+                <a:gd name="connsiteY16" fmla="*/ 5335367 h 6521594"/>
+                <a:gd name="connsiteX17" fmla="*/ 6252618 w 6321679"/>
+                <a:gd name="connsiteY17" fmla="*/ 4722492 h 6521594"/>
+                <a:gd name="connsiteX18" fmla="*/ 6321679 w 6321679"/>
+                <a:gd name="connsiteY18" fmla="*/ 4651477 h 6521594"/>
+                <a:gd name="connsiteX19" fmla="*/ 6321679 w 6321679"/>
+                <a:gd name="connsiteY19" fmla="*/ 5523097 h 6521594"/>
+                <a:gd name="connsiteX20" fmla="*/ 6024428 w 6321679"/>
+                <a:gd name="connsiteY20" fmla="*/ 5754969 h 6521594"/>
+                <a:gd name="connsiteX21" fmla="*/ 5702345 w 6321679"/>
+                <a:gd name="connsiteY21" fmla="*/ 6000018 h 6521594"/>
+                <a:gd name="connsiteX22" fmla="*/ 4988380 w 6321679"/>
+                <a:gd name="connsiteY22" fmla="*/ 6506549 h 6521594"/>
+                <a:gd name="connsiteX23" fmla="*/ 4961490 w 6321679"/>
+                <a:gd name="connsiteY23" fmla="*/ 6521594 h 6521594"/>
+                <a:gd name="connsiteX24" fmla="*/ 2011326 w 6321679"/>
+                <a:gd name="connsiteY24" fmla="*/ 6521594 h 6521594"/>
+                <a:gd name="connsiteX25" fmla="*/ 1982893 w 6321679"/>
+                <a:gd name="connsiteY25" fmla="*/ 6505768 h 6521594"/>
+                <a:gd name="connsiteX26" fmla="*/ 824149 w 6321679"/>
+                <a:gd name="connsiteY26" fmla="*/ 5358682 h 6521594"/>
+                <a:gd name="connsiteX27" fmla="*/ 0 w 6321679"/>
+                <a:gd name="connsiteY27" fmla="*/ 3630075 h 6521594"/>
+                <a:gd name="connsiteX28" fmla="*/ 4150102 w 6321679"/>
+                <a:gd name="connsiteY28" fmla="*/ 0 h 6521594"/>
+              </a:gdLst>
+              <a:ahLst/>
+              <a:cxnLst>
+                <a:cxn ang="0">
+                  <a:pos x="connsiteX0" y="connsiteY0"/>
+                </a:cxn>
+                <a:cxn ang="0">
+                  <a:pos x="connsiteX1" y="connsiteY1"/>
+                </a:cxn>
+                <a:cxn ang="0">
+                  <a:pos x="connsiteX2" y="connsiteY2"/>
+                </a:cxn>
+                <a:cxn ang="0">
+                  <a:pos x="connsiteX3" y="connsiteY3"/>
+                </a:cxn>
+                <a:cxn ang="0">
+                  <a:pos x="connsiteX4" y="connsiteY4"/>
+                </a:cxn>
+                <a:cxn ang="0">
+                  <a:pos x="connsiteX5" y="connsiteY5"/>
+                </a:cxn>
+                <a:cxn ang="0">
+                  <a:pos x="connsiteX6" y="connsiteY6"/>
+                </a:cxn>
+                <a:cxn ang="0">
+                  <a:pos x="connsiteX7" y="connsiteY7"/>
+                </a:cxn>
+                <a:cxn ang="0">
+                  <a:pos x="connsiteX8" y="connsiteY8"/>
+                </a:cxn>
+                <a:cxn ang="0">
+                  <a:pos x="connsiteX9" y="connsiteY9"/>
+                </a:cxn>
+                <a:cxn ang="0">
+                  <a:pos x="connsiteX10" y="connsiteY10"/>
+                </a:cxn>
+                <a:cxn ang="0">
+                  <a:pos x="connsiteX11" y="connsiteY11"/>
+                </a:cxn>
+                <a:cxn ang="0">
+                  <a:pos x="connsiteX12" y="connsiteY12"/>
+                </a:cxn>
+                <a:cxn ang="0">
+                  <a:pos x="connsiteX13" y="connsiteY13"/>
+                </a:cxn>
+                <a:cxn ang="0">
+                  <a:pos x="connsiteX14" y="connsiteY14"/>
+                </a:cxn>
+                <a:cxn ang="0">
+                  <a:pos x="connsiteX15" y="connsiteY15"/>
+                </a:cxn>
+                <a:cxn ang="0">
+                  <a:pos x="connsiteX16" y="connsiteY16"/>
+                </a:cxn>
+                <a:cxn ang="0">
+                  <a:pos x="connsiteX17" y="connsiteY17"/>
+                </a:cxn>
+                <a:cxn ang="0">
+                  <a:pos x="connsiteX18" y="connsiteY18"/>
+                </a:cxn>
+                <a:cxn ang="0">
+                  <a:pos x="connsiteX19" y="connsiteY19"/>
+                </a:cxn>
+                <a:cxn ang="0">
+                  <a:pos x="connsiteX20" y="connsiteY20"/>
+                </a:cxn>
+                <a:cxn ang="0">
+                  <a:pos x="connsiteX21" y="connsiteY21"/>
+                </a:cxn>
+                <a:cxn ang="0">
+                  <a:pos x="connsiteX22" y="connsiteY22"/>
+                </a:cxn>
+                <a:cxn ang="0">
+                  <a:pos x="connsiteX23" y="connsiteY23"/>
+                </a:cxn>
+                <a:cxn ang="0">
+                  <a:pos x="connsiteX24" y="connsiteY24"/>
+                </a:cxn>
+                <a:cxn ang="0">
+                  <a:pos x="connsiteX25" y="connsiteY25"/>
+                </a:cxn>
+                <a:cxn ang="0">
+                  <a:pos x="connsiteX26" y="connsiteY26"/>
+                </a:cxn>
+                <a:cxn ang="0">
+                  <a:pos x="connsiteX27" y="connsiteY27"/>
+                </a:cxn>
+                <a:cxn ang="0">
+                  <a:pos x="connsiteX28" y="connsiteY28"/>
+                </a:cxn>
+              </a:cxnLst>
+              <a:rect l="l" t="t" r="r" b="b"/>
+              <a:pathLst>
+                <a:path w="6321679" h="6521594">
+                  <a:moveTo>
+                    <a:pt x="4150102" y="0"/>
+                  </a:moveTo>
+                  <a:cubicBezTo>
+                    <a:pt x="4918148" y="0"/>
+                    <a:pt x="5569597" y="228540"/>
+                    <a:pt x="6083891" y="619943"/>
+                  </a:cubicBezTo>
+                  <a:lnTo>
+                    <a:pt x="6321679" y="822247"/>
+                  </a:lnTo>
+                  <a:lnTo>
+                    <a:pt x="6321679" y="1866928"/>
+                  </a:lnTo>
+                  <a:lnTo>
+                    <a:pt x="6212358" y="1689281"/>
+                  </a:lnTo>
+                  <a:cubicBezTo>
+                    <a:pt x="6161484" y="1615222"/>
+                    <a:pt x="6107295" y="1544427"/>
+                    <a:pt x="6049880" y="1477173"/>
+                  </a:cubicBezTo>
+                  <a:cubicBezTo>
+                    <a:pt x="5825135" y="1214018"/>
+                    <a:pt x="5555573" y="1009470"/>
+                    <a:pt x="5248663" y="869327"/>
+                  </a:cubicBezTo>
+                  <a:cubicBezTo>
+                    <a:pt x="4921178" y="719909"/>
+                    <a:pt x="4551627" y="644042"/>
+                    <a:pt x="4150102" y="644042"/>
+                  </a:cubicBezTo>
+                  <a:cubicBezTo>
+                    <a:pt x="3724203" y="644042"/>
+                    <a:pt x="3292799" y="725448"/>
+                    <a:pt x="2867946" y="886459"/>
+                  </a:cubicBezTo>
+                  <a:cubicBezTo>
+                    <a:pt x="2454234" y="1042832"/>
+                    <a:pt x="2060440" y="1273141"/>
+                    <a:pt x="1728892" y="1552397"/>
+                  </a:cubicBezTo>
+                  <a:cubicBezTo>
+                    <a:pt x="1391580" y="1836419"/>
+                    <a:pt x="1126473" y="2159600"/>
+                    <a:pt x="941043" y="2512664"/>
+                  </a:cubicBezTo>
+                  <a:cubicBezTo>
+                    <a:pt x="751551" y="2873583"/>
+                    <a:pt x="655362" y="3249575"/>
+                    <a:pt x="655362" y="3630204"/>
+                  </a:cubicBezTo>
+                  <a:cubicBezTo>
+                    <a:pt x="655362" y="4013537"/>
+                    <a:pt x="808817" y="4237405"/>
+                    <a:pt x="1128177" y="4667883"/>
+                  </a:cubicBezTo>
+                  <a:cubicBezTo>
+                    <a:pt x="1205232" y="4771702"/>
+                    <a:pt x="1284908" y="4879129"/>
+                    <a:pt x="1366419" y="4997246"/>
+                  </a:cubicBezTo>
+                  <a:cubicBezTo>
+                    <a:pt x="1989282" y="5899677"/>
+                    <a:pt x="2657880" y="6284685"/>
+                    <a:pt x="3601937" y="6284685"/>
+                  </a:cubicBezTo>
+                  <a:cubicBezTo>
+                    <a:pt x="4221523" y="6284685"/>
+                    <a:pt x="4676122" y="5971036"/>
+                    <a:pt x="5298985" y="5492643"/>
+                  </a:cubicBezTo>
+                  <a:cubicBezTo>
+                    <a:pt x="5368571" y="5439187"/>
+                    <a:pt x="5438156" y="5386375"/>
+                    <a:pt x="5505513" y="5335367"/>
+                  </a:cubicBezTo>
+                  <a:cubicBezTo>
+                    <a:pt x="5779335" y="5127761"/>
+                    <a:pt x="6041730" y="4928776"/>
+                    <a:pt x="6252618" y="4722492"/>
+                  </a:cubicBezTo>
+                  <a:lnTo>
+                    <a:pt x="6321679" y="4651477"/>
+                  </a:lnTo>
+                  <a:lnTo>
+                    <a:pt x="6321679" y="5523097"/>
+                  </a:lnTo>
+                  <a:lnTo>
+                    <a:pt x="6024428" y="5754969"/>
+                  </a:lnTo>
+                  <a:cubicBezTo>
+                    <a:pt x="5918395" y="5835747"/>
+                    <a:pt x="5810491" y="5916953"/>
+                    <a:pt x="5702345" y="6000018"/>
+                  </a:cubicBezTo>
+                  <a:cubicBezTo>
+                    <a:pt x="5466020" y="6181541"/>
+                    <a:pt x="5232938" y="6357503"/>
+                    <a:pt x="4988380" y="6506549"/>
+                  </a:cubicBezTo>
+                  <a:lnTo>
+                    <a:pt x="4961490" y="6521594"/>
+                  </a:lnTo>
+                  <a:lnTo>
+                    <a:pt x="2011326" y="6521594"/>
+                  </a:lnTo>
+                  <a:lnTo>
+                    <a:pt x="1982893" y="6505768"/>
+                  </a:lnTo>
+                  <a:cubicBezTo>
+                    <a:pt x="1531799" y="6233999"/>
+                    <a:pt x="1157400" y="5841520"/>
+                    <a:pt x="824149" y="5358682"/>
+                  </a:cubicBezTo>
+                  <a:cubicBezTo>
+                    <a:pt x="424196" y="4779302"/>
+                    <a:pt x="0" y="4381929"/>
+                    <a:pt x="0" y="3630075"/>
+                  </a:cubicBezTo>
+                  <a:cubicBezTo>
+                    <a:pt x="0" y="1625174"/>
+                    <a:pt x="2089794" y="0"/>
+                    <a:pt x="4150102" y="0"/>
+                  </a:cubicBezTo>
+                  <a:close/>
+                </a:path>
+              </a:pathLst>
+            </a:custGeom>
+            <a:gradFill>
+              <a:gsLst>
+                <a:gs pos="2000">
+                  <a:schemeClr val="bg1">
+                    <a:alpha val="10000"/>
+                  </a:schemeClr>
+                </a:gs>
+                <a:gs pos="16000">
+                  <a:schemeClr val="accent6">
+                    <a:alpha val="10000"/>
+                  </a:schemeClr>
+                </a:gs>
+                <a:gs pos="100000">
+                  <a:schemeClr val="bg1">
+                    <a:alpha val="10000"/>
+                  </a:schemeClr>
+                </a:gs>
+                <a:gs pos="85000">
+                  <a:schemeClr val="accent1">
+                    <a:alpha val="10000"/>
+                  </a:schemeClr>
+                </a:gs>
+              </a:gsLst>
+              <a:lin ang="12000000" scaled="0"/>
+            </a:gradFill>
+            <a:ln>
+              <a:noFill/>
+            </a:ln>
+          </p:spPr>
+          <p:style>
+            <a:lnRef idx="2">
+              <a:schemeClr val="accent1">
+                <a:shade val="50000"/>
+              </a:schemeClr>
+            </a:lnRef>
+            <a:fillRef idx="1">
+              <a:schemeClr val="accent1"/>
+            </a:fillRef>
+            <a:effectRef idx="0">
+              <a:schemeClr val="accent1"/>
+            </a:effectRef>
+            <a:fontRef idx="minor">
+              <a:schemeClr val="lt1"/>
+            </a:fontRef>
+          </p:style>
+          <p:txBody>
+            <a:bodyPr rtlCol="0" anchor="ctr"/>
+            <a:lstStyle/>
+            <a:p>
+              <a:pPr algn="ctr"/>
+              <a:endParaRPr lang="en-US"/>
+            </a:p>
+          </p:txBody>
+        </p:sp>
+        <p:sp>
+          <p:nvSpPr>
+            <p:cNvPr id="19493" name="Freeform: Shape 19492">
+              <a:extLst>
+                <a:ext uri="{FF2B5EF4-FFF2-40B4-BE49-F238E27FC236}">
+                  <a16:creationId xmlns:a16="http://schemas.microsoft.com/office/drawing/2014/main" id="{A66409EC-9CC3-482A-A4A5-54ED092B3F22}"/>
+                </a:ext>
+                <a:ext uri="{C183D7F6-B498-43B3-948B-1728B52AA6E4}">
+                  <adec:decorative xmlns:adec="http://schemas.microsoft.com/office/drawing/2017/decorative" val="1"/>
+                </a:ext>
+              </a:extLst>
+            </p:cNvPr>
+            <p:cNvSpPr/>
+            <p:nvPr>
+              <p:extLst>
+                <p:ext uri="{386F3935-93C4-4BCD-93E2-E3B085C9AB24}">
+                  <p16:designElem xmlns:p16="http://schemas.microsoft.com/office/powerpoint/2015/main" val="1"/>
+                </p:ext>
+              </p:extLst>
+            </p:nvPr>
+          </p:nvSpPr>
+          <p:spPr>
+            <a:xfrm>
+              <a:off x="5870322" y="353119"/>
+              <a:ext cx="6321679" cy="6521594"/>
+            </a:xfrm>
+            <a:custGeom>
+              <a:avLst/>
+              <a:gdLst>
+                <a:gd name="connsiteX0" fmla="*/ 4150102 w 6321679"/>
+                <a:gd name="connsiteY0" fmla="*/ 0 h 6521594"/>
+                <a:gd name="connsiteX1" fmla="*/ 6083891 w 6321679"/>
+                <a:gd name="connsiteY1" fmla="*/ 619943 h 6521594"/>
+                <a:gd name="connsiteX2" fmla="*/ 6321679 w 6321679"/>
+                <a:gd name="connsiteY2" fmla="*/ 822247 h 6521594"/>
+                <a:gd name="connsiteX3" fmla="*/ 6321679 w 6321679"/>
+                <a:gd name="connsiteY3" fmla="*/ 2150195 h 6521594"/>
+                <a:gd name="connsiteX4" fmla="*/ 6241288 w 6321679"/>
+                <a:gd name="connsiteY4" fmla="*/ 1985338 h 6521594"/>
+                <a:gd name="connsiteX5" fmla="*/ 5949367 w 6321679"/>
+                <a:gd name="connsiteY5" fmla="*/ 1559997 h 6521594"/>
+                <a:gd name="connsiteX6" fmla="*/ 5193362 w 6321679"/>
+                <a:gd name="connsiteY6" fmla="*/ 986156 h 6521594"/>
+                <a:gd name="connsiteX7" fmla="*/ 4150102 w 6321679"/>
+                <a:gd name="connsiteY7" fmla="*/ 772850 h 6521594"/>
+                <a:gd name="connsiteX8" fmla="*/ 2914861 w 6321679"/>
+                <a:gd name="connsiteY8" fmla="*/ 1006637 h 6521594"/>
+                <a:gd name="connsiteX9" fmla="*/ 1814073 w 6321679"/>
+                <a:gd name="connsiteY9" fmla="*/ 1650163 h 6521594"/>
+                <a:gd name="connsiteX10" fmla="*/ 1057412 w 6321679"/>
+                <a:gd name="connsiteY10" fmla="*/ 2571657 h 6521594"/>
+                <a:gd name="connsiteX11" fmla="*/ 786277 w 6321679"/>
+                <a:gd name="connsiteY11" fmla="*/ 3630204 h 6521594"/>
+                <a:gd name="connsiteX12" fmla="*/ 1233931 w 6321679"/>
+                <a:gd name="connsiteY12" fmla="*/ 4592016 h 6521594"/>
+                <a:gd name="connsiteX13" fmla="*/ 1474795 w 6321679"/>
+                <a:gd name="connsiteY13" fmla="*/ 4924985 h 6521594"/>
+                <a:gd name="connsiteX14" fmla="*/ 2393691 w 6321679"/>
+                <a:gd name="connsiteY14" fmla="*/ 5846995 h 6521594"/>
+                <a:gd name="connsiteX15" fmla="*/ 3601805 w 6321679"/>
+                <a:gd name="connsiteY15" fmla="*/ 6155876 h 6521594"/>
+                <a:gd name="connsiteX16" fmla="*/ 4378909 w 6321679"/>
+                <a:gd name="connsiteY16" fmla="*/ 5959186 h 6521594"/>
+                <a:gd name="connsiteX17" fmla="*/ 5218129 w 6321679"/>
+                <a:gd name="connsiteY17" fmla="*/ 5391271 h 6521594"/>
+                <a:gd name="connsiteX18" fmla="*/ 5425313 w 6321679"/>
+                <a:gd name="connsiteY18" fmla="*/ 5233481 h 6521594"/>
+                <a:gd name="connsiteX19" fmla="*/ 6254366 w 6321679"/>
+                <a:gd name="connsiteY19" fmla="*/ 4534301 h 6521594"/>
+                <a:gd name="connsiteX20" fmla="*/ 6321679 w 6321679"/>
+                <a:gd name="connsiteY20" fmla="*/ 4456641 h 6521594"/>
+                <a:gd name="connsiteX21" fmla="*/ 6321679 w 6321679"/>
+                <a:gd name="connsiteY21" fmla="*/ 5523097 h 6521594"/>
+                <a:gd name="connsiteX22" fmla="*/ 6024428 w 6321679"/>
+                <a:gd name="connsiteY22" fmla="*/ 5754969 h 6521594"/>
+                <a:gd name="connsiteX23" fmla="*/ 5702345 w 6321679"/>
+                <a:gd name="connsiteY23" fmla="*/ 6000018 h 6521594"/>
+                <a:gd name="connsiteX24" fmla="*/ 4988380 w 6321679"/>
+                <a:gd name="connsiteY24" fmla="*/ 6506549 h 6521594"/>
+                <a:gd name="connsiteX25" fmla="*/ 4961490 w 6321679"/>
+                <a:gd name="connsiteY25" fmla="*/ 6521594 h 6521594"/>
+                <a:gd name="connsiteX26" fmla="*/ 2011326 w 6321679"/>
+                <a:gd name="connsiteY26" fmla="*/ 6521594 h 6521594"/>
+                <a:gd name="connsiteX27" fmla="*/ 1982893 w 6321679"/>
+                <a:gd name="connsiteY27" fmla="*/ 6505768 h 6521594"/>
+                <a:gd name="connsiteX28" fmla="*/ 824149 w 6321679"/>
+                <a:gd name="connsiteY28" fmla="*/ 5358682 h 6521594"/>
+                <a:gd name="connsiteX29" fmla="*/ 0 w 6321679"/>
+                <a:gd name="connsiteY29" fmla="*/ 3630075 h 6521594"/>
+                <a:gd name="connsiteX30" fmla="*/ 4150102 w 6321679"/>
+                <a:gd name="connsiteY30" fmla="*/ 0 h 6521594"/>
+              </a:gdLst>
+              <a:ahLst/>
+              <a:cxnLst>
+                <a:cxn ang="0">
+                  <a:pos x="connsiteX0" y="connsiteY0"/>
+                </a:cxn>
+                <a:cxn ang="0">
+                  <a:pos x="connsiteX1" y="connsiteY1"/>
+                </a:cxn>
+                <a:cxn ang="0">
+                  <a:pos x="connsiteX2" y="connsiteY2"/>
+                </a:cxn>
+                <a:cxn ang="0">
+                  <a:pos x="connsiteX3" y="connsiteY3"/>
+                </a:cxn>
+                <a:cxn ang="0">
+                  <a:pos x="connsiteX4" y="connsiteY4"/>
+                </a:cxn>
+                <a:cxn ang="0">
+                  <a:pos x="connsiteX5" y="connsiteY5"/>
+                </a:cxn>
+                <a:cxn ang="0">
+                  <a:pos x="connsiteX6" y="connsiteY6"/>
+                </a:cxn>
+                <a:cxn ang="0">
+                  <a:pos x="connsiteX7" y="connsiteY7"/>
+                </a:cxn>
+                <a:cxn ang="0">
+                  <a:pos x="connsiteX8" y="connsiteY8"/>
+                </a:cxn>
+                <a:cxn ang="0">
+                  <a:pos x="connsiteX9" y="connsiteY9"/>
+                </a:cxn>
+                <a:cxn ang="0">
+                  <a:pos x="connsiteX10" y="connsiteY10"/>
+                </a:cxn>
+                <a:cxn ang="0">
+                  <a:pos x="connsiteX11" y="connsiteY11"/>
+                </a:cxn>
+                <a:cxn ang="0">
+                  <a:pos x="connsiteX12" y="connsiteY12"/>
+                </a:cxn>
+                <a:cxn ang="0">
+                  <a:pos x="connsiteX13" y="connsiteY13"/>
+                </a:cxn>
+                <a:cxn ang="0">
+                  <a:pos x="connsiteX14" y="connsiteY14"/>
+                </a:cxn>
+                <a:cxn ang="0">
+                  <a:pos x="connsiteX15" y="connsiteY15"/>
+                </a:cxn>
+                <a:cxn ang="0">
+                  <a:pos x="connsiteX16" y="connsiteY16"/>
+                </a:cxn>
+                <a:cxn ang="0">
+                  <a:pos x="connsiteX17" y="connsiteY17"/>
+                </a:cxn>
+                <a:cxn ang="0">
+                  <a:pos x="connsiteX18" y="connsiteY18"/>
+                </a:cxn>
+                <a:cxn ang="0">
+                  <a:pos x="connsiteX19" y="connsiteY19"/>
+                </a:cxn>
+                <a:cxn ang="0">
+                  <a:pos x="connsiteX20" y="connsiteY20"/>
+                </a:cxn>
+                <a:cxn ang="0">
+                  <a:pos x="connsiteX21" y="connsiteY21"/>
+                </a:cxn>
+                <a:cxn ang="0">
+                  <a:pos x="connsiteX22" y="connsiteY22"/>
+                </a:cxn>
+                <a:cxn ang="0">
+                  <a:pos x="connsiteX23" y="connsiteY23"/>
+                </a:cxn>
+                <a:cxn ang="0">
+                  <a:pos x="connsiteX24" y="connsiteY24"/>
+                </a:cxn>
+                <a:cxn ang="0">
+                  <a:pos x="connsiteX25" y="connsiteY25"/>
+                </a:cxn>
+                <a:cxn ang="0">
+                  <a:pos x="connsiteX26" y="connsiteY26"/>
+                </a:cxn>
+                <a:cxn ang="0">
+                  <a:pos x="connsiteX27" y="connsiteY27"/>
+                </a:cxn>
+                <a:cxn ang="0">
+                  <a:pos x="connsiteX28" y="connsiteY28"/>
+                </a:cxn>
+                <a:cxn ang="0">
+                  <a:pos x="connsiteX29" y="connsiteY29"/>
+                </a:cxn>
+                <a:cxn ang="0">
+                  <a:pos x="connsiteX30" y="connsiteY30"/>
+                </a:cxn>
+              </a:cxnLst>
+              <a:rect l="l" t="t" r="r" b="b"/>
+              <a:pathLst>
+                <a:path w="6321679" h="6521594">
+                  <a:moveTo>
+                    <a:pt x="4150102" y="0"/>
+                  </a:moveTo>
+                  <a:cubicBezTo>
+                    <a:pt x="4918148" y="0"/>
+                    <a:pt x="5569597" y="228540"/>
+                    <a:pt x="6083891" y="619943"/>
+                  </a:cubicBezTo>
+                  <a:lnTo>
+                    <a:pt x="6321679" y="822247"/>
+                  </a:lnTo>
+                  <a:lnTo>
+                    <a:pt x="6321679" y="2150195"/>
+                  </a:lnTo>
+                  <a:lnTo>
+                    <a:pt x="6241288" y="1985338"/>
+                  </a:lnTo>
+                  <a:cubicBezTo>
+                    <a:pt x="6156788" y="1831195"/>
+                    <a:pt x="6059249" y="1688709"/>
+                    <a:pt x="5949367" y="1559997"/>
+                  </a:cubicBezTo>
+                  <a:cubicBezTo>
+                    <a:pt x="5737073" y="1311397"/>
+                    <a:pt x="5482843" y="1118314"/>
+                    <a:pt x="5193362" y="986156"/>
+                  </a:cubicBezTo>
+                  <a:cubicBezTo>
+                    <a:pt x="4883437" y="844596"/>
+                    <a:pt x="4532365" y="772850"/>
+                    <a:pt x="4150102" y="772850"/>
+                  </a:cubicBezTo>
+                  <a:cubicBezTo>
+                    <a:pt x="3746218" y="772850"/>
+                    <a:pt x="3319008" y="853613"/>
+                    <a:pt x="2914861" y="1006637"/>
+                  </a:cubicBezTo>
+                  <a:cubicBezTo>
+                    <a:pt x="2515039" y="1157857"/>
+                    <a:pt x="2134350" y="1380438"/>
+                    <a:pt x="1814073" y="1650163"/>
+                  </a:cubicBezTo>
+                  <a:cubicBezTo>
+                    <a:pt x="1494190" y="1919502"/>
+                    <a:pt x="1232622" y="2238173"/>
+                    <a:pt x="1057412" y="2571657"/>
+                  </a:cubicBezTo>
+                  <a:cubicBezTo>
+                    <a:pt x="877486" y="2914158"/>
+                    <a:pt x="786277" y="3270313"/>
+                    <a:pt x="786277" y="3630204"/>
+                  </a:cubicBezTo>
+                  <a:cubicBezTo>
+                    <a:pt x="786277" y="3974121"/>
+                    <a:pt x="923483" y="4173646"/>
+                    <a:pt x="1233931" y="4592016"/>
+                  </a:cubicBezTo>
+                  <a:cubicBezTo>
+                    <a:pt x="1311641" y="4696736"/>
+                    <a:pt x="1391972" y="4805064"/>
+                    <a:pt x="1474795" y="4924985"/>
+                  </a:cubicBezTo>
+                  <a:cubicBezTo>
+                    <a:pt x="1767682" y="5349278"/>
+                    <a:pt x="2068172" y="5650948"/>
+                    <a:pt x="2393691" y="5846995"/>
+                  </a:cubicBezTo>
+                  <a:cubicBezTo>
+                    <a:pt x="2738735" y="6054891"/>
+                    <a:pt x="3133971" y="6155876"/>
+                    <a:pt x="3601805" y="6155876"/>
+                  </a:cubicBezTo>
+                  <a:cubicBezTo>
+                    <a:pt x="3867305" y="6155876"/>
+                    <a:pt x="4114196" y="6093405"/>
+                    <a:pt x="4378909" y="5959186"/>
+                  </a:cubicBezTo>
+                  <a:cubicBezTo>
+                    <a:pt x="4650699" y="5821362"/>
+                    <a:pt x="4919737" y="5620421"/>
+                    <a:pt x="5218129" y="5391271"/>
+                  </a:cubicBezTo>
+                  <a:cubicBezTo>
+                    <a:pt x="5288107" y="5337558"/>
+                    <a:pt x="5357824" y="5284617"/>
+                    <a:pt x="5425313" y="5233481"/>
+                  </a:cubicBezTo>
+                  <a:cubicBezTo>
+                    <a:pt x="5739037" y="4995556"/>
+                    <a:pt x="6037512" y="4769168"/>
+                    <a:pt x="6254366" y="4534301"/>
+                  </a:cubicBezTo>
+                  <a:lnTo>
+                    <a:pt x="6321679" y="4456641"/>
+                  </a:lnTo>
+                  <a:lnTo>
+                    <a:pt x="6321679" y="5523097"/>
+                  </a:lnTo>
+                  <a:lnTo>
+                    <a:pt x="6024428" y="5754969"/>
+                  </a:lnTo>
+                  <a:cubicBezTo>
+                    <a:pt x="5918395" y="5835747"/>
+                    <a:pt x="5810491" y="5916953"/>
+                    <a:pt x="5702345" y="6000018"/>
+                  </a:cubicBezTo>
+                  <a:cubicBezTo>
+                    <a:pt x="5466020" y="6181541"/>
+                    <a:pt x="5232938" y="6357503"/>
+                    <a:pt x="4988380" y="6506549"/>
+                  </a:cubicBezTo>
+                  <a:lnTo>
+                    <a:pt x="4961490" y="6521594"/>
+                  </a:lnTo>
+                  <a:lnTo>
+                    <a:pt x="2011326" y="6521594"/>
+                  </a:lnTo>
+                  <a:lnTo>
+                    <a:pt x="1982893" y="6505768"/>
+                  </a:lnTo>
+                  <a:cubicBezTo>
+                    <a:pt x="1531799" y="6233999"/>
+                    <a:pt x="1157400" y="5841520"/>
+                    <a:pt x="824149" y="5358682"/>
+                  </a:cubicBezTo>
+                  <a:cubicBezTo>
+                    <a:pt x="424196" y="4779302"/>
+                    <a:pt x="0" y="4381929"/>
+                    <a:pt x="0" y="3630075"/>
+                  </a:cubicBezTo>
+                  <a:cubicBezTo>
+                    <a:pt x="0" y="1625174"/>
+                    <a:pt x="2089794" y="0"/>
+                    <a:pt x="4150102" y="0"/>
+                  </a:cubicBezTo>
+                  <a:close/>
+                </a:path>
+              </a:pathLst>
+            </a:custGeom>
+            <a:gradFill>
+              <a:gsLst>
+                <a:gs pos="2000">
+                  <a:schemeClr val="bg1">
+                    <a:alpha val="10000"/>
+                  </a:schemeClr>
+                </a:gs>
+                <a:gs pos="16000">
+                  <a:schemeClr val="accent6">
+                    <a:alpha val="10000"/>
+                  </a:schemeClr>
+                </a:gs>
+                <a:gs pos="100000">
+                  <a:schemeClr val="bg1">
+                    <a:alpha val="10000"/>
+                  </a:schemeClr>
+                </a:gs>
+                <a:gs pos="85000">
+                  <a:schemeClr val="accent1">
+                    <a:alpha val="10000"/>
+                  </a:schemeClr>
+                </a:gs>
+              </a:gsLst>
+              <a:lin ang="12000000" scaled="0"/>
+            </a:gradFill>
+            <a:ln>
+              <a:noFill/>
+            </a:ln>
+          </p:spPr>
+          <p:style>
+            <a:lnRef idx="2">
+              <a:schemeClr val="accent1">
+                <a:shade val="50000"/>
+              </a:schemeClr>
+            </a:lnRef>
+            <a:fillRef idx="1">
+              <a:schemeClr val="accent1"/>
+            </a:fillRef>
+            <a:effectRef idx="0">
+              <a:schemeClr val="accent1"/>
+            </a:effectRef>
+            <a:fontRef idx="minor">
+              <a:schemeClr val="lt1"/>
+            </a:fontRef>
+          </p:style>
+          <p:txBody>
+            <a:bodyPr rtlCol="0" anchor="ctr"/>
+            <a:lstStyle/>
+            <a:p>
+              <a:pPr algn="ctr"/>
+              <a:endParaRPr lang="en-US"/>
+            </a:p>
+          </p:txBody>
+        </p:sp>
+      </p:grpSp>
       <p:pic>
         <p:nvPicPr>
           <p:cNvPr id="4" name="continuum_snake">
             <a:hlinkClick r:id="" action="ppaction://media"/>
             <a:extLst>
               <a:ext uri="{FF2B5EF4-FFF2-40B4-BE49-F238E27FC236}">
-                <a16:creationId xmlns:a16="http://schemas.microsoft.com/office/drawing/2014/main" id="{BABF6F7E-6FC1-2019-EB1E-B0FE5756E9B5}"/>
+                <a16:creationId xmlns:a16="http://schemas.microsoft.com/office/drawing/2014/main" id="{07199409-04B2-BF0F-BD47-627D0283E5AE}"/>
               </a:ext>
             </a:extLst>
           </p:cNvPr>
@@ -11981,65 +14744,18 @@
         </p:blipFill>
         <p:spPr>
           <a:xfrm>
-            <a:off x="4451350" y="193963"/>
-            <a:ext cx="7278832" cy="5823066"/>
+            <a:off x="7708392" y="2233880"/>
+            <a:ext cx="4142232" cy="3313784"/>
           </a:xfrm>
           <a:prstGeom prst="rect">
             <a:avLst/>
           </a:prstGeom>
         </p:spPr>
       </p:pic>
-      <p:sp>
-        <p:nvSpPr>
-          <p:cNvPr id="5" name="TextBox 4">
-            <a:extLst>
-              <a:ext uri="{FF2B5EF4-FFF2-40B4-BE49-F238E27FC236}">
-                <a16:creationId xmlns:a16="http://schemas.microsoft.com/office/drawing/2014/main" id="{28F70467-3280-200B-5EDC-53A6538BCE59}"/>
-              </a:ext>
-            </a:extLst>
-          </p:cNvPr>
-          <p:cNvSpPr txBox="1"/>
-          <p:nvPr/>
-        </p:nvSpPr>
-        <p:spPr>
-          <a:xfrm>
-            <a:off x="323274" y="1413164"/>
-            <a:ext cx="4612714" cy="2862322"/>
-          </a:xfrm>
-          <a:prstGeom prst="rect">
-            <a:avLst/>
-          </a:prstGeom>
-          <a:noFill/>
-        </p:spPr>
-        <p:txBody>
-          <a:bodyPr wrap="square" rtlCol="0">
-            <a:spAutoFit/>
-          </a:bodyPr>
-          <a:lstStyle/>
-          <a:p>
-            <a:r>
-              <a:rPr lang="en-US" dirty="0"/>
-              <a:t>An extreme case where I also optimized for muscular activity period (with no restriction) and assumed very small forward kinematic friction (1/10 of original) while friction in other directions under different conditions remains the same.</a:t>
-            </a:r>
-          </a:p>
-          <a:p>
-            <a:endParaRPr lang="en-US" dirty="0"/>
-          </a:p>
-          <a:p>
-            <a:r>
-              <a:rPr lang="en-US" dirty="0"/>
-              <a:t>This shows that wiggling dominates the gait when forward kinematic friction is small.</a:t>
-            </a:r>
-          </a:p>
-          <a:p>
-            <a:endParaRPr lang="en-US" dirty="0"/>
-          </a:p>
-        </p:txBody>
-      </p:sp>
     </p:spTree>
     <p:extLst>
       <p:ext uri="{BB962C8B-B14F-4D97-AF65-F5344CB8AC3E}">
-        <p14:creationId xmlns:p14="http://schemas.microsoft.com/office/powerpoint/2010/main" val="1554812136"/>
+        <p14:creationId xmlns:p14="http://schemas.microsoft.com/office/powerpoint/2010/main" val="2266395708"/>
       </p:ext>
     </p:extLst>
   </p:cSld>
@@ -12106,20 +14822,8 @@
                 </p:cond>
               </p:nextCondLst>
             </p:seq>
-            <p:video>
-              <p:cMediaNode vol="80000">
-                <p:cTn id="7" fill="hold" display="0">
-                  <p:stCondLst>
-                    <p:cond delay="indefinite"/>
-                  </p:stCondLst>
-                </p:cTn>
-                <p:tgtEl>
-                  <p:spTgt spid="4"/>
-                </p:tgtEl>
-              </p:cMediaNode>
-            </p:video>
             <p:seq concurrent="1" nextAc="seek">
-              <p:cTn id="8" restart="whenNotActive" fill="hold" evtFilter="cancelBubble" nodeType="interactiveSeq">
+              <p:cTn id="7" restart="whenNotActive" fill="hold" evtFilter="cancelBubble" nodeType="interactiveSeq">
                 <p:stCondLst>
                   <p:cond evt="onClick" delay="0">
                     <p:tgtEl>
@@ -12132,26 +14836,26 @@
                 </p:endSync>
                 <p:childTnLst>
                   <p:par>
-                    <p:cTn id="9" fill="hold">
+                    <p:cTn id="8" fill="hold">
                       <p:stCondLst>
                         <p:cond delay="0"/>
                       </p:stCondLst>
                       <p:childTnLst>
                         <p:par>
-                          <p:cTn id="10" fill="hold">
+                          <p:cTn id="9" fill="hold">
                             <p:stCondLst>
                               <p:cond delay="0"/>
                             </p:stCondLst>
                             <p:childTnLst>
                               <p:par>
-                                <p:cTn id="11" presetID="2" presetClass="mediacall" presetSubtype="0" fill="hold" nodeType="clickEffect">
+                                <p:cTn id="10" presetID="2" presetClass="mediacall" presetSubtype="0" fill="hold" nodeType="clickEffect">
                                   <p:stCondLst>
                                     <p:cond delay="0"/>
                                   </p:stCondLst>
                                   <p:childTnLst>
                                     <p:cmd type="call" cmd="togglePause">
                                       <p:cBhvr>
-                                        <p:cTn id="12" dur="1" fill="hold"/>
+                                        <p:cTn id="11" dur="1" fill="hold"/>
                                         <p:tgtEl>
                                           <p:spTgt spid="4"/>
                                         </p:tgtEl>
@@ -12176,6 +14880,18 @@
                 </p:cond>
               </p:nextCondLst>
             </p:seq>
+            <p:video>
+              <p:cMediaNode vol="80000">
+                <p:cTn id="12" fill="hold" display="0">
+                  <p:stCondLst>
+                    <p:cond delay="indefinite"/>
+                  </p:stCondLst>
+                </p:cTn>
+                <p:tgtEl>
+                  <p:spTgt spid="4"/>
+                </p:tgtEl>
+              </p:cMediaNode>
+            </p:video>
           </p:childTnLst>
         </p:cTn>
       </p:par>
@@ -12187,6 +14903,14 @@
 <file path=ppt/slides/slide15.xml><?xml version="1.0" encoding="utf-8"?>
 <p:sld xmlns:a="http://schemas.openxmlformats.org/drawingml/2006/main" xmlns:r="http://schemas.openxmlformats.org/officeDocument/2006/relationships" xmlns:p="http://schemas.openxmlformats.org/presentationml/2006/main">
   <p:cSld>
+    <p:bg>
+      <p:bgPr>
+        <a:solidFill>
+          <a:schemeClr val="bg1"/>
+        </a:solidFill>
+        <a:effectLst/>
+      </p:bgPr>
+    </p:bg>
     <p:spTree>
       <p:nvGrpSpPr>
         <p:cNvPr id="1" name=""/>
@@ -12201,12 +14925,135 @@
           <a:chExt cx="0" cy="0"/>
         </a:xfrm>
       </p:grpSpPr>
+      <p:sp useBgFill="1">
+        <p:nvSpPr>
+          <p:cNvPr id="10" name="Rectangle 9">
+            <a:extLst>
+              <a:ext uri="{FF2B5EF4-FFF2-40B4-BE49-F238E27FC236}">
+                <a16:creationId xmlns:a16="http://schemas.microsoft.com/office/drawing/2014/main" id="{B6FACB3C-9069-4791-BC5C-0DB7CD19B853}"/>
+              </a:ext>
+              <a:ext uri="{C183D7F6-B498-43B3-948B-1728B52AA6E4}">
+                <adec:decorative xmlns:adec="http://schemas.microsoft.com/office/drawing/2017/decorative" val="1"/>
+              </a:ext>
+            </a:extLst>
+          </p:cNvPr>
+          <p:cNvSpPr>
+            <a:spLocks noGrp="1" noRot="1" noChangeAspect="1" noMove="1" noResize="1" noEditPoints="1" noAdjustHandles="1" noChangeArrowheads="1" noChangeShapeType="1" noTextEdit="1"/>
+          </p:cNvSpPr>
+          <p:nvPr>
+            <p:extLst>
+              <p:ext uri="{386F3935-93C4-4BCD-93E2-E3B085C9AB24}">
+                <p16:designElem xmlns:p16="http://schemas.microsoft.com/office/powerpoint/2015/main" val="1"/>
+              </p:ext>
+            </p:extLst>
+          </p:nvPr>
+        </p:nvSpPr>
+        <p:spPr>
+          <a:xfrm>
+            <a:off x="0" y="0"/>
+            <a:ext cx="12192000" cy="6858000"/>
+          </a:xfrm>
+          <a:prstGeom prst="rect">
+            <a:avLst/>
+          </a:prstGeom>
+          <a:ln>
+            <a:noFill/>
+          </a:ln>
+        </p:spPr>
+        <p:style>
+          <a:lnRef idx="2">
+            <a:schemeClr val="accent1">
+              <a:shade val="50000"/>
+            </a:schemeClr>
+          </a:lnRef>
+          <a:fillRef idx="1">
+            <a:schemeClr val="accent1"/>
+          </a:fillRef>
+          <a:effectRef idx="0">
+            <a:schemeClr val="accent1"/>
+          </a:effectRef>
+          <a:fontRef idx="minor">
+            <a:schemeClr val="lt1"/>
+          </a:fontRef>
+        </p:style>
+        <p:txBody>
+          <a:bodyPr rtlCol="0" anchor="ctr"/>
+          <a:lstStyle/>
+          <a:p>
+            <a:pPr algn="ctr"/>
+            <a:endParaRPr lang="en-US"/>
+          </a:p>
+        </p:txBody>
+      </p:sp>
+      <p:sp>
+        <p:nvSpPr>
+          <p:cNvPr id="12" name="Rectangle 11">
+            <a:extLst>
+              <a:ext uri="{FF2B5EF4-FFF2-40B4-BE49-F238E27FC236}">
+                <a16:creationId xmlns:a16="http://schemas.microsoft.com/office/drawing/2014/main" id="{71F2038E-D777-4B76-81DD-DD13EE91B9DD}"/>
+              </a:ext>
+              <a:ext uri="{C183D7F6-B498-43B3-948B-1728B52AA6E4}">
+                <adec:decorative xmlns:adec="http://schemas.microsoft.com/office/drawing/2017/decorative" val="1"/>
+              </a:ext>
+            </a:extLst>
+          </p:cNvPr>
+          <p:cNvSpPr>
+            <a:spLocks noGrp="1" noRot="1" noChangeAspect="1" noMove="1" noResize="1" noEditPoints="1" noAdjustHandles="1" noChangeArrowheads="1" noChangeShapeType="1" noTextEdit="1"/>
+          </p:cNvSpPr>
+          <p:nvPr>
+            <p:extLst>
+              <p:ext uri="{386F3935-93C4-4BCD-93E2-E3B085C9AB24}">
+                <p16:designElem xmlns:p16="http://schemas.microsoft.com/office/powerpoint/2015/main" val="1"/>
+              </p:ext>
+            </p:extLst>
+          </p:nvPr>
+        </p:nvSpPr>
+        <p:spPr>
+          <a:xfrm>
+            <a:off x="305" y="0"/>
+            <a:ext cx="12191695" cy="6858000"/>
+          </a:xfrm>
+          <a:prstGeom prst="rect">
+            <a:avLst/>
+          </a:prstGeom>
+          <a:solidFill>
+            <a:schemeClr val="bg1"/>
+          </a:solidFill>
+          <a:ln>
+            <a:noFill/>
+          </a:ln>
+        </p:spPr>
+        <p:style>
+          <a:lnRef idx="2">
+            <a:schemeClr val="accent1">
+              <a:shade val="50000"/>
+            </a:schemeClr>
+          </a:lnRef>
+          <a:fillRef idx="1">
+            <a:schemeClr val="accent1"/>
+          </a:fillRef>
+          <a:effectRef idx="0">
+            <a:schemeClr val="accent1"/>
+          </a:effectRef>
+          <a:fontRef idx="minor">
+            <a:schemeClr val="lt1"/>
+          </a:fontRef>
+        </p:style>
+        <p:txBody>
+          <a:bodyPr rtlCol="0" anchor="ctr"/>
+          <a:lstStyle/>
+          <a:p>
+            <a:pPr algn="ctr"/>
+            <a:endParaRPr lang="en-US"/>
+          </a:p>
+        </p:txBody>
+      </p:sp>
       <p:sp>
         <p:nvSpPr>
           <p:cNvPr id="2" name="Title 1">
             <a:extLst>
               <a:ext uri="{FF2B5EF4-FFF2-40B4-BE49-F238E27FC236}">
-                <a16:creationId xmlns:a16="http://schemas.microsoft.com/office/drawing/2014/main" id="{8EAD8646-65BD-60D9-126E-532A965619B6}"/>
+                <a16:creationId xmlns:a16="http://schemas.microsoft.com/office/drawing/2014/main" id="{F46A9FE0-3700-C682-F3AD-EF7B9BBD75A4}"/>
               </a:ext>
             </a:extLst>
           </p:cNvPr>
@@ -12217,33 +15064,2675 @@
             <p:ph type="title"/>
           </p:nvPr>
         </p:nvSpPr>
-        <p:spPr/>
+        <p:spPr>
+          <a:xfrm>
+            <a:off x="804672" y="802955"/>
+            <a:ext cx="4766330" cy="1454051"/>
+          </a:xfrm>
+        </p:spPr>
         <p:txBody>
-          <a:bodyPr/>
+          <a:bodyPr>
+            <a:normAutofit/>
+          </a:bodyPr>
           <a:lstStyle/>
           <a:p>
             <a:r>
-              <a:rPr lang="en-US" dirty="0"/>
-              <a:t>Rattle snake</a:t>
+              <a:rPr lang="en-US" sz="3600">
+                <a:solidFill>
+                  <a:schemeClr val="tx2"/>
+                </a:solidFill>
+              </a:rPr>
+              <a:t>Extra: Rattle Snake (CMA Results)</a:t>
             </a:r>
+            <a:endParaRPr lang="LID4096" sz="3600">
+              <a:solidFill>
+                <a:schemeClr val="tx2"/>
+              </a:solidFill>
+            </a:endParaRPr>
           </a:p>
         </p:txBody>
       </p:sp>
+      <p:sp>
+        <p:nvSpPr>
+          <p:cNvPr id="3" name="Content Placeholder 2">
+            <a:extLst>
+              <a:ext uri="{FF2B5EF4-FFF2-40B4-BE49-F238E27FC236}">
+                <a16:creationId xmlns:a16="http://schemas.microsoft.com/office/drawing/2014/main" id="{D21ED96F-0945-5A87-9F33-557ADD5166C4}"/>
+              </a:ext>
+            </a:extLst>
+          </p:cNvPr>
+          <p:cNvSpPr>
+            <a:spLocks noGrp="1"/>
+          </p:cNvSpPr>
+          <p:nvPr>
+            <p:ph idx="1"/>
+          </p:nvPr>
+        </p:nvSpPr>
+        <p:spPr>
+          <a:xfrm>
+            <a:off x="804672" y="2421683"/>
+            <a:ext cx="4765949" cy="3353476"/>
+          </a:xfrm>
+        </p:spPr>
+        <p:txBody>
+          <a:bodyPr anchor="t">
+            <a:normAutofit/>
+          </a:bodyPr>
+          <a:lstStyle/>
+          <a:p>
+            <a:r>
+              <a:rPr lang="en-US" sz="1400" dirty="0">
+                <a:solidFill>
+                  <a:schemeClr val="tx2"/>
+                </a:solidFill>
+              </a:rPr>
+              <a:t>Assumptions: A rattle snake lifts its body when it is going forward</a:t>
+            </a:r>
+          </a:p>
+          <a:p>
+            <a:r>
+              <a:rPr lang="en-US" sz="1400" dirty="0">
+                <a:solidFill>
+                  <a:schemeClr val="tx2"/>
+                </a:solidFill>
+              </a:rPr>
+              <a:t>Therefore, the forward kinetic friction must be significantly lower</a:t>
+            </a:r>
+          </a:p>
+          <a:p>
+            <a:r>
+              <a:rPr lang="en-US" sz="1400" dirty="0">
+                <a:solidFill>
+                  <a:schemeClr val="tx2"/>
+                </a:solidFill>
+              </a:rPr>
+              <a:t>A rattle snake must have optimized its muscle so that the period of muscular activities are perfect optimal for their crawling speed within reasonable range.</a:t>
+            </a:r>
+          </a:p>
+          <a:p>
+            <a:r>
+              <a:rPr lang="en-US" sz="1400" dirty="0">
+                <a:solidFill>
+                  <a:schemeClr val="tx2"/>
+                </a:solidFill>
+              </a:rPr>
+              <a:t>Assume the forward kinetic friction is 1/4 of original</a:t>
+            </a:r>
+          </a:p>
+          <a:p>
+            <a:r>
+              <a:rPr lang="en-US" sz="1400" dirty="0">
+                <a:solidFill>
+                  <a:schemeClr val="tx2"/>
+                </a:solidFill>
+              </a:rPr>
+              <a:t>Assume the muscle over the whole-body contracts with a period at least 0.25s.</a:t>
+            </a:r>
+          </a:p>
+          <a:p>
+            <a:r>
+              <a:rPr lang="en-US" sz="1400" dirty="0">
+                <a:solidFill>
+                  <a:schemeClr val="tx2"/>
+                </a:solidFill>
+              </a:rPr>
+              <a:t>In this case, forward kinetic friction is attenuated but it is still present, so slithering is optimum for the snake.</a:t>
+            </a:r>
+          </a:p>
+          <a:p>
+            <a:endParaRPr lang="en-US" sz="1400" dirty="0">
+              <a:solidFill>
+                <a:schemeClr val="tx2"/>
+              </a:solidFill>
+            </a:endParaRPr>
+          </a:p>
+          <a:p>
+            <a:endParaRPr lang="LID4096" sz="1400" dirty="0">
+              <a:solidFill>
+                <a:schemeClr val="tx2"/>
+              </a:solidFill>
+            </a:endParaRPr>
+          </a:p>
+        </p:txBody>
+      </p:sp>
+      <p:grpSp>
+        <p:nvGrpSpPr>
+          <p:cNvPr id="14" name="Group 13">
+            <a:extLst>
+              <a:ext uri="{FF2B5EF4-FFF2-40B4-BE49-F238E27FC236}">
+                <a16:creationId xmlns:a16="http://schemas.microsoft.com/office/drawing/2014/main" id="{DD354807-230F-4402-B1B9-F733A8F1F190}"/>
+              </a:ext>
+              <a:ext uri="{C183D7F6-B498-43B3-948B-1728B52AA6E4}">
+                <adec:decorative xmlns:adec="http://schemas.microsoft.com/office/drawing/2017/decorative" val="1"/>
+              </a:ext>
+            </a:extLst>
+          </p:cNvPr>
+          <p:cNvGrpSpPr>
+            <a:grpSpLocks noGrp="1" noUngrp="1" noRot="1" noChangeAspect="1" noMove="1" noResize="1"/>
+          </p:cNvGrpSpPr>
+          <p:nvPr>
+            <p:extLst>
+              <p:ext uri="{386F3935-93C4-4BCD-93E2-E3B085C9AB24}">
+                <p16:designElem xmlns:p16="http://schemas.microsoft.com/office/powerpoint/2015/main" val="1"/>
+              </p:ext>
+            </p:extLst>
+          </p:nvPr>
+        </p:nvGrpSpPr>
+        <p:grpSpPr>
+          <a:xfrm>
+            <a:off x="5818240" y="-16714"/>
+            <a:ext cx="6373761" cy="6874714"/>
+            <a:chOff x="5818240" y="-1"/>
+            <a:chExt cx="6373761" cy="6874714"/>
+          </a:xfrm>
+        </p:grpSpPr>
+        <p:sp>
+          <p:nvSpPr>
+            <p:cNvPr id="15" name="Freeform: Shape 14">
+              <a:extLst>
+                <a:ext uri="{FF2B5EF4-FFF2-40B4-BE49-F238E27FC236}">
+                  <a16:creationId xmlns:a16="http://schemas.microsoft.com/office/drawing/2014/main" id="{BF5A6F4A-CE87-4D5C-9382-8167967CE813}"/>
+                </a:ext>
+                <a:ext uri="{C183D7F6-B498-43B3-948B-1728B52AA6E4}">
+                  <adec:decorative xmlns:adec="http://schemas.microsoft.com/office/drawing/2017/decorative" val="1"/>
+                </a:ext>
+              </a:extLst>
+            </p:cNvPr>
+            <p:cNvSpPr/>
+            <p:nvPr>
+              <p:extLst>
+                <p:ext uri="{386F3935-93C4-4BCD-93E2-E3B085C9AB24}">
+                  <p16:designElem xmlns:p16="http://schemas.microsoft.com/office/powerpoint/2015/main" val="1"/>
+                </p:ext>
+              </p:extLst>
+            </p:nvPr>
+          </p:nvSpPr>
+          <p:spPr>
+            <a:xfrm>
+              <a:off x="5818240" y="-1"/>
+              <a:ext cx="6373761" cy="6874714"/>
+            </a:xfrm>
+            <a:custGeom>
+              <a:avLst/>
+              <a:gdLst>
+                <a:gd name="connsiteX0" fmla="*/ 6373761 w 6373761"/>
+                <a:gd name="connsiteY0" fmla="*/ 5771297 h 6874714"/>
+                <a:gd name="connsiteX1" fmla="*/ 6373761 w 6373761"/>
+                <a:gd name="connsiteY1" fmla="*/ 6247960 h 6874714"/>
+                <a:gd name="connsiteX2" fmla="*/ 6235932 w 6373761"/>
+                <a:gd name="connsiteY2" fmla="*/ 6361930 h 6874714"/>
+                <a:gd name="connsiteX3" fmla="*/ 5960375 w 6373761"/>
+                <a:gd name="connsiteY3" fmla="*/ 6587489 h 6874714"/>
+                <a:gd name="connsiteX4" fmla="*/ 5822907 w 6373761"/>
+                <a:gd name="connsiteY4" fmla="*/ 6701871 h 6874714"/>
+                <a:gd name="connsiteX5" fmla="*/ 5681115 w 6373761"/>
+                <a:gd name="connsiteY5" fmla="*/ 6816896 h 6874714"/>
+                <a:gd name="connsiteX6" fmla="*/ 5604096 w 6373761"/>
+                <a:gd name="connsiteY6" fmla="*/ 6874714 h 6874714"/>
+                <a:gd name="connsiteX7" fmla="*/ 4878485 w 6373761"/>
+                <a:gd name="connsiteY7" fmla="*/ 6874714 h 6874714"/>
+                <a:gd name="connsiteX8" fmla="*/ 5006014 w 6373761"/>
+                <a:gd name="connsiteY8" fmla="*/ 6800200 h 6874714"/>
+                <a:gd name="connsiteX9" fmla="*/ 5149855 w 6373761"/>
+                <a:gd name="connsiteY9" fmla="*/ 6707667 h 6874714"/>
+                <a:gd name="connsiteX10" fmla="*/ 5431866 w 6373761"/>
+                <a:gd name="connsiteY10" fmla="*/ 6506210 h 6874714"/>
+                <a:gd name="connsiteX11" fmla="*/ 5571036 w 6373761"/>
+                <a:gd name="connsiteY11" fmla="*/ 6399557 h 6874714"/>
+                <a:gd name="connsiteX12" fmla="*/ 5711649 w 6373761"/>
+                <a:gd name="connsiteY12" fmla="*/ 6288912 h 6874714"/>
+                <a:gd name="connsiteX13" fmla="*/ 6276589 w 6373761"/>
+                <a:gd name="connsiteY13" fmla="*/ 5852379 h 6874714"/>
+                <a:gd name="connsiteX14" fmla="*/ 3975975 w 6373761"/>
+                <a:gd name="connsiteY14" fmla="*/ 263 h 6874714"/>
+                <a:gd name="connsiteX15" fmla="*/ 4350473 w 6373761"/>
+                <a:gd name="connsiteY15" fmla="*/ 24963 h 6874714"/>
+                <a:gd name="connsiteX16" fmla="*/ 5077909 w 6373761"/>
+                <a:gd name="connsiteY16" fmla="*/ 189450 h 6874714"/>
+                <a:gd name="connsiteX17" fmla="*/ 5746507 w 6373761"/>
+                <a:gd name="connsiteY17" fmla="*/ 505804 h 6874714"/>
+                <a:gd name="connsiteX18" fmla="*/ 6322456 w 6373761"/>
+                <a:gd name="connsiteY18" fmla="*/ 956633 h 6874714"/>
+                <a:gd name="connsiteX19" fmla="*/ 6373761 w 6373761"/>
+                <a:gd name="connsiteY19" fmla="*/ 1011863 h 6874714"/>
+                <a:gd name="connsiteX20" fmla="*/ 6373761 w 6373761"/>
+                <a:gd name="connsiteY20" fmla="*/ 1185075 h 6874714"/>
+                <a:gd name="connsiteX21" fmla="*/ 6359489 w 6373761"/>
+                <a:gd name="connsiteY21" fmla="*/ 1169497 h 6874714"/>
+                <a:gd name="connsiteX22" fmla="*/ 6233869 w 6373761"/>
+                <a:gd name="connsiteY22" fmla="*/ 1047442 h 6874714"/>
+                <a:gd name="connsiteX23" fmla="*/ 5961423 w 6373761"/>
+                <a:gd name="connsiteY23" fmla="*/ 827953 h 6874714"/>
+                <a:gd name="connsiteX24" fmla="*/ 5663555 w 6373761"/>
+                <a:gd name="connsiteY24" fmla="*/ 645304 h 6874714"/>
+                <a:gd name="connsiteX25" fmla="*/ 5013827 w 6373761"/>
+                <a:gd name="connsiteY25" fmla="*/ 397863 h 6874714"/>
+                <a:gd name="connsiteX26" fmla="*/ 4327409 w 6373761"/>
+                <a:gd name="connsiteY26" fmla="*/ 302545 h 6874714"/>
+                <a:gd name="connsiteX27" fmla="*/ 3639939 w 6373761"/>
+                <a:gd name="connsiteY27" fmla="*/ 338868 h 6874714"/>
+                <a:gd name="connsiteX28" fmla="*/ 3302495 w 6373761"/>
+                <a:gd name="connsiteY28" fmla="*/ 403659 h 6874714"/>
+                <a:gd name="connsiteX29" fmla="*/ 2971604 w 6373761"/>
+                <a:gd name="connsiteY29" fmla="*/ 496273 h 6874714"/>
+                <a:gd name="connsiteX30" fmla="*/ 2648706 w 6373761"/>
+                <a:gd name="connsiteY30" fmla="*/ 614389 h 6874714"/>
+                <a:gd name="connsiteX31" fmla="*/ 2335374 w 6373761"/>
+                <a:gd name="connsiteY31" fmla="*/ 757109 h 6874714"/>
+                <a:gd name="connsiteX32" fmla="*/ 1741342 w 6373761"/>
+                <a:gd name="connsiteY32" fmla="*/ 1107725 h 6874714"/>
+                <a:gd name="connsiteX33" fmla="*/ 1600861 w 6373761"/>
+                <a:gd name="connsiteY33" fmla="*/ 1208710 h 6874714"/>
+                <a:gd name="connsiteX34" fmla="*/ 1531799 w 6373761"/>
+                <a:gd name="connsiteY34" fmla="*/ 1260879 h 6874714"/>
+                <a:gd name="connsiteX35" fmla="*/ 1463655 w 6373761"/>
+                <a:gd name="connsiteY35" fmla="*/ 1314333 h 6874714"/>
+                <a:gd name="connsiteX36" fmla="*/ 1200777 w 6373761"/>
+                <a:gd name="connsiteY36" fmla="*/ 1541166 h 6874714"/>
+                <a:gd name="connsiteX37" fmla="*/ 731501 w 6373761"/>
+                <a:gd name="connsiteY37" fmla="*/ 2055754 h 6874714"/>
+                <a:gd name="connsiteX38" fmla="*/ 531393 w 6373761"/>
+                <a:gd name="connsiteY38" fmla="*/ 2342739 h 6874714"/>
+                <a:gd name="connsiteX39" fmla="*/ 361033 w 6373761"/>
+                <a:gd name="connsiteY39" fmla="*/ 2649046 h 6874714"/>
+                <a:gd name="connsiteX40" fmla="*/ 323292 w 6373761"/>
+                <a:gd name="connsiteY40" fmla="*/ 2728263 h 6874714"/>
+                <a:gd name="connsiteX41" fmla="*/ 304945 w 6373761"/>
+                <a:gd name="connsiteY41" fmla="*/ 2768193 h 6874714"/>
+                <a:gd name="connsiteX42" fmla="*/ 287516 w 6373761"/>
+                <a:gd name="connsiteY42" fmla="*/ 2808510 h 6874714"/>
+                <a:gd name="connsiteX43" fmla="*/ 254230 w 6373761"/>
+                <a:gd name="connsiteY43" fmla="*/ 2889788 h 6874714"/>
+                <a:gd name="connsiteX44" fmla="*/ 223042 w 6373761"/>
+                <a:gd name="connsiteY44" fmla="*/ 2971968 h 6874714"/>
+                <a:gd name="connsiteX45" fmla="*/ 121611 w 6373761"/>
+                <a:gd name="connsiteY45" fmla="*/ 3308544 h 6874714"/>
+                <a:gd name="connsiteX46" fmla="*/ 39314 w 6373761"/>
+                <a:gd name="connsiteY46" fmla="*/ 4005912 h 6874714"/>
+                <a:gd name="connsiteX47" fmla="*/ 73910 w 6373761"/>
+                <a:gd name="connsiteY47" fmla="*/ 4354081 h 6874714"/>
+                <a:gd name="connsiteX48" fmla="*/ 179534 w 6373761"/>
+                <a:gd name="connsiteY48" fmla="*/ 4687050 h 6874714"/>
+                <a:gd name="connsiteX49" fmla="*/ 215964 w 6373761"/>
+                <a:gd name="connsiteY49" fmla="*/ 4766654 h 6874714"/>
+                <a:gd name="connsiteX50" fmla="*/ 256457 w 6373761"/>
+                <a:gd name="connsiteY50" fmla="*/ 4844455 h 6874714"/>
+                <a:gd name="connsiteX51" fmla="*/ 346225 w 6373761"/>
+                <a:gd name="connsiteY51" fmla="*/ 4995290 h 6874714"/>
+                <a:gd name="connsiteX52" fmla="*/ 445296 w 6373761"/>
+                <a:gd name="connsiteY52" fmla="*/ 5140971 h 6874714"/>
+                <a:gd name="connsiteX53" fmla="*/ 551443 w 6373761"/>
+                <a:gd name="connsiteY53" fmla="*/ 5282531 h 6874714"/>
+                <a:gd name="connsiteX54" fmla="*/ 772387 w 6373761"/>
+                <a:gd name="connsiteY54" fmla="*/ 5562561 h 6874714"/>
+                <a:gd name="connsiteX55" fmla="*/ 882858 w 6373761"/>
+                <a:gd name="connsiteY55" fmla="*/ 5704507 h 6874714"/>
+                <a:gd name="connsiteX56" fmla="*/ 990316 w 6373761"/>
+                <a:gd name="connsiteY56" fmla="*/ 5848258 h 6874714"/>
+                <a:gd name="connsiteX57" fmla="*/ 1097774 w 6373761"/>
+                <a:gd name="connsiteY57" fmla="*/ 5987114 h 6874714"/>
+                <a:gd name="connsiteX58" fmla="*/ 1210080 w 6373761"/>
+                <a:gd name="connsiteY58" fmla="*/ 6121203 h 6874714"/>
+                <a:gd name="connsiteX59" fmla="*/ 1448192 w 6373761"/>
+                <a:gd name="connsiteY59" fmla="*/ 6374054 h 6874714"/>
+                <a:gd name="connsiteX60" fmla="*/ 1982991 w 6373761"/>
+                <a:gd name="connsiteY60" fmla="*/ 6796158 h 6874714"/>
+                <a:gd name="connsiteX61" fmla="*/ 2118475 w 6373761"/>
+                <a:gd name="connsiteY61" fmla="*/ 6874714 h 6874714"/>
+                <a:gd name="connsiteX62" fmla="*/ 1569874 w 6373761"/>
+                <a:gd name="connsiteY62" fmla="*/ 6874714 h 6874714"/>
+                <a:gd name="connsiteX63" fmla="*/ 1507802 w 6373761"/>
+                <a:gd name="connsiteY63" fmla="*/ 6817815 h 6874714"/>
+                <a:gd name="connsiteX64" fmla="*/ 1256865 w 6373761"/>
+                <a:gd name="connsiteY64" fmla="*/ 6543437 h 6874714"/>
+                <a:gd name="connsiteX65" fmla="*/ 1038410 w 6373761"/>
+                <a:gd name="connsiteY65" fmla="*/ 6248722 h 6874714"/>
+                <a:gd name="connsiteX66" fmla="*/ 845380 w 6373761"/>
+                <a:gd name="connsiteY66" fmla="*/ 5941386 h 6874714"/>
+                <a:gd name="connsiteX67" fmla="*/ 755351 w 6373761"/>
+                <a:gd name="connsiteY67" fmla="*/ 5788877 h 6874714"/>
+                <a:gd name="connsiteX68" fmla="*/ 661784 w 6373761"/>
+                <a:gd name="connsiteY68" fmla="*/ 5638944 h 6874714"/>
+                <a:gd name="connsiteX69" fmla="*/ 466525 w 6373761"/>
+                <a:gd name="connsiteY69" fmla="*/ 5340366 h 6874714"/>
+                <a:gd name="connsiteX70" fmla="*/ 370992 w 6373761"/>
+                <a:gd name="connsiteY70" fmla="*/ 5188502 h 6874714"/>
+                <a:gd name="connsiteX71" fmla="*/ 280046 w 6373761"/>
+                <a:gd name="connsiteY71" fmla="*/ 5033287 h 6874714"/>
+                <a:gd name="connsiteX72" fmla="*/ 126853 w 6373761"/>
+                <a:gd name="connsiteY72" fmla="*/ 4707660 h 6874714"/>
+                <a:gd name="connsiteX73" fmla="*/ 30272 w 6373761"/>
+                <a:gd name="connsiteY73" fmla="*/ 4362068 h 6874714"/>
+                <a:gd name="connsiteX74" fmla="*/ 0 w 6373761"/>
+                <a:gd name="connsiteY74" fmla="*/ 4005912 h 6874714"/>
+                <a:gd name="connsiteX75" fmla="*/ 270480 w 6373761"/>
+                <a:gd name="connsiteY75" fmla="*/ 2610532 h 6874714"/>
+                <a:gd name="connsiteX76" fmla="*/ 415942 w 6373761"/>
+                <a:gd name="connsiteY76" fmla="*/ 2280526 h 6874714"/>
+                <a:gd name="connsiteX77" fmla="*/ 590102 w 6373761"/>
+                <a:gd name="connsiteY77" fmla="*/ 1962626 h 6874714"/>
+                <a:gd name="connsiteX78" fmla="*/ 1020719 w 6373761"/>
+                <a:gd name="connsiteY78" fmla="*/ 1373070 h 6874714"/>
+                <a:gd name="connsiteX79" fmla="*/ 1275080 w 6373761"/>
+                <a:gd name="connsiteY79" fmla="*/ 1107081 h 6874714"/>
+                <a:gd name="connsiteX80" fmla="*/ 1342437 w 6373761"/>
+                <a:gd name="connsiteY80" fmla="*/ 1043965 h 6874714"/>
+                <a:gd name="connsiteX81" fmla="*/ 1411106 w 6373761"/>
+                <a:gd name="connsiteY81" fmla="*/ 982138 h 6874714"/>
+                <a:gd name="connsiteX82" fmla="*/ 1553029 w 6373761"/>
+                <a:gd name="connsiteY82" fmla="*/ 863376 h 6874714"/>
+                <a:gd name="connsiteX83" fmla="*/ 2173401 w 6373761"/>
+                <a:gd name="connsiteY83" fmla="*/ 454409 h 6874714"/>
+                <a:gd name="connsiteX84" fmla="*/ 3599708 w 6373761"/>
+                <a:gd name="connsiteY84" fmla="*/ 16332 h 6874714"/>
+                <a:gd name="connsiteX85" fmla="*/ 3975975 w 6373761"/>
+                <a:gd name="connsiteY85" fmla="*/ 263 h 6874714"/>
+              </a:gdLst>
+              <a:ahLst/>
+              <a:cxnLst>
+                <a:cxn ang="0">
+                  <a:pos x="connsiteX0" y="connsiteY0"/>
+                </a:cxn>
+                <a:cxn ang="0">
+                  <a:pos x="connsiteX1" y="connsiteY1"/>
+                </a:cxn>
+                <a:cxn ang="0">
+                  <a:pos x="connsiteX2" y="connsiteY2"/>
+                </a:cxn>
+                <a:cxn ang="0">
+                  <a:pos x="connsiteX3" y="connsiteY3"/>
+                </a:cxn>
+                <a:cxn ang="0">
+                  <a:pos x="connsiteX4" y="connsiteY4"/>
+                </a:cxn>
+                <a:cxn ang="0">
+                  <a:pos x="connsiteX5" y="connsiteY5"/>
+                </a:cxn>
+                <a:cxn ang="0">
+                  <a:pos x="connsiteX6" y="connsiteY6"/>
+                </a:cxn>
+                <a:cxn ang="0">
+                  <a:pos x="connsiteX7" y="connsiteY7"/>
+                </a:cxn>
+                <a:cxn ang="0">
+                  <a:pos x="connsiteX8" y="connsiteY8"/>
+                </a:cxn>
+                <a:cxn ang="0">
+                  <a:pos x="connsiteX9" y="connsiteY9"/>
+                </a:cxn>
+                <a:cxn ang="0">
+                  <a:pos x="connsiteX10" y="connsiteY10"/>
+                </a:cxn>
+                <a:cxn ang="0">
+                  <a:pos x="connsiteX11" y="connsiteY11"/>
+                </a:cxn>
+                <a:cxn ang="0">
+                  <a:pos x="connsiteX12" y="connsiteY12"/>
+                </a:cxn>
+                <a:cxn ang="0">
+                  <a:pos x="connsiteX13" y="connsiteY13"/>
+                </a:cxn>
+                <a:cxn ang="0">
+                  <a:pos x="connsiteX14" y="connsiteY14"/>
+                </a:cxn>
+                <a:cxn ang="0">
+                  <a:pos x="connsiteX15" y="connsiteY15"/>
+                </a:cxn>
+                <a:cxn ang="0">
+                  <a:pos x="connsiteX16" y="connsiteY16"/>
+                </a:cxn>
+                <a:cxn ang="0">
+                  <a:pos x="connsiteX17" y="connsiteY17"/>
+                </a:cxn>
+                <a:cxn ang="0">
+                  <a:pos x="connsiteX18" y="connsiteY18"/>
+                </a:cxn>
+                <a:cxn ang="0">
+                  <a:pos x="connsiteX19" y="connsiteY19"/>
+                </a:cxn>
+                <a:cxn ang="0">
+                  <a:pos x="connsiteX20" y="connsiteY20"/>
+                </a:cxn>
+                <a:cxn ang="0">
+                  <a:pos x="connsiteX21" y="connsiteY21"/>
+                </a:cxn>
+                <a:cxn ang="0">
+                  <a:pos x="connsiteX22" y="connsiteY22"/>
+                </a:cxn>
+                <a:cxn ang="0">
+                  <a:pos x="connsiteX23" y="connsiteY23"/>
+                </a:cxn>
+                <a:cxn ang="0">
+                  <a:pos x="connsiteX24" y="connsiteY24"/>
+                </a:cxn>
+                <a:cxn ang="0">
+                  <a:pos x="connsiteX25" y="connsiteY25"/>
+                </a:cxn>
+                <a:cxn ang="0">
+                  <a:pos x="connsiteX26" y="connsiteY26"/>
+                </a:cxn>
+                <a:cxn ang="0">
+                  <a:pos x="connsiteX27" y="connsiteY27"/>
+                </a:cxn>
+                <a:cxn ang="0">
+                  <a:pos x="connsiteX28" y="connsiteY28"/>
+                </a:cxn>
+                <a:cxn ang="0">
+                  <a:pos x="connsiteX29" y="connsiteY29"/>
+                </a:cxn>
+                <a:cxn ang="0">
+                  <a:pos x="connsiteX30" y="connsiteY30"/>
+                </a:cxn>
+                <a:cxn ang="0">
+                  <a:pos x="connsiteX31" y="connsiteY31"/>
+                </a:cxn>
+                <a:cxn ang="0">
+                  <a:pos x="connsiteX32" y="connsiteY32"/>
+                </a:cxn>
+                <a:cxn ang="0">
+                  <a:pos x="connsiteX33" y="connsiteY33"/>
+                </a:cxn>
+                <a:cxn ang="0">
+                  <a:pos x="connsiteX34" y="connsiteY34"/>
+                </a:cxn>
+                <a:cxn ang="0">
+                  <a:pos x="connsiteX35" y="connsiteY35"/>
+                </a:cxn>
+                <a:cxn ang="0">
+                  <a:pos x="connsiteX36" y="connsiteY36"/>
+                </a:cxn>
+                <a:cxn ang="0">
+                  <a:pos x="connsiteX37" y="connsiteY37"/>
+                </a:cxn>
+                <a:cxn ang="0">
+                  <a:pos x="connsiteX38" y="connsiteY38"/>
+                </a:cxn>
+                <a:cxn ang="0">
+                  <a:pos x="connsiteX39" y="connsiteY39"/>
+                </a:cxn>
+                <a:cxn ang="0">
+                  <a:pos x="connsiteX40" y="connsiteY40"/>
+                </a:cxn>
+                <a:cxn ang="0">
+                  <a:pos x="connsiteX41" y="connsiteY41"/>
+                </a:cxn>
+                <a:cxn ang="0">
+                  <a:pos x="connsiteX42" y="connsiteY42"/>
+                </a:cxn>
+                <a:cxn ang="0">
+                  <a:pos x="connsiteX43" y="connsiteY43"/>
+                </a:cxn>
+                <a:cxn ang="0">
+                  <a:pos x="connsiteX44" y="connsiteY44"/>
+                </a:cxn>
+                <a:cxn ang="0">
+                  <a:pos x="connsiteX45" y="connsiteY45"/>
+                </a:cxn>
+                <a:cxn ang="0">
+                  <a:pos x="connsiteX46" y="connsiteY46"/>
+                </a:cxn>
+                <a:cxn ang="0">
+                  <a:pos x="connsiteX47" y="connsiteY47"/>
+                </a:cxn>
+                <a:cxn ang="0">
+                  <a:pos x="connsiteX48" y="connsiteY48"/>
+                </a:cxn>
+                <a:cxn ang="0">
+                  <a:pos x="connsiteX49" y="connsiteY49"/>
+                </a:cxn>
+                <a:cxn ang="0">
+                  <a:pos x="connsiteX50" y="connsiteY50"/>
+                </a:cxn>
+                <a:cxn ang="0">
+                  <a:pos x="connsiteX51" y="connsiteY51"/>
+                </a:cxn>
+                <a:cxn ang="0">
+                  <a:pos x="connsiteX52" y="connsiteY52"/>
+                </a:cxn>
+                <a:cxn ang="0">
+                  <a:pos x="connsiteX53" y="connsiteY53"/>
+                </a:cxn>
+                <a:cxn ang="0">
+                  <a:pos x="connsiteX54" y="connsiteY54"/>
+                </a:cxn>
+                <a:cxn ang="0">
+                  <a:pos x="connsiteX55" y="connsiteY55"/>
+                </a:cxn>
+                <a:cxn ang="0">
+                  <a:pos x="connsiteX56" y="connsiteY56"/>
+                </a:cxn>
+                <a:cxn ang="0">
+                  <a:pos x="connsiteX57" y="connsiteY57"/>
+                </a:cxn>
+                <a:cxn ang="0">
+                  <a:pos x="connsiteX58" y="connsiteY58"/>
+                </a:cxn>
+                <a:cxn ang="0">
+                  <a:pos x="connsiteX59" y="connsiteY59"/>
+                </a:cxn>
+                <a:cxn ang="0">
+                  <a:pos x="connsiteX60" y="connsiteY60"/>
+                </a:cxn>
+                <a:cxn ang="0">
+                  <a:pos x="connsiteX61" y="connsiteY61"/>
+                </a:cxn>
+                <a:cxn ang="0">
+                  <a:pos x="connsiteX62" y="connsiteY62"/>
+                </a:cxn>
+                <a:cxn ang="0">
+                  <a:pos x="connsiteX63" y="connsiteY63"/>
+                </a:cxn>
+                <a:cxn ang="0">
+                  <a:pos x="connsiteX64" y="connsiteY64"/>
+                </a:cxn>
+                <a:cxn ang="0">
+                  <a:pos x="connsiteX65" y="connsiteY65"/>
+                </a:cxn>
+                <a:cxn ang="0">
+                  <a:pos x="connsiteX66" y="connsiteY66"/>
+                </a:cxn>
+                <a:cxn ang="0">
+                  <a:pos x="connsiteX67" y="connsiteY67"/>
+                </a:cxn>
+                <a:cxn ang="0">
+                  <a:pos x="connsiteX68" y="connsiteY68"/>
+                </a:cxn>
+                <a:cxn ang="0">
+                  <a:pos x="connsiteX69" y="connsiteY69"/>
+                </a:cxn>
+                <a:cxn ang="0">
+                  <a:pos x="connsiteX70" y="connsiteY70"/>
+                </a:cxn>
+                <a:cxn ang="0">
+                  <a:pos x="connsiteX71" y="connsiteY71"/>
+                </a:cxn>
+                <a:cxn ang="0">
+                  <a:pos x="connsiteX72" y="connsiteY72"/>
+                </a:cxn>
+                <a:cxn ang="0">
+                  <a:pos x="connsiteX73" y="connsiteY73"/>
+                </a:cxn>
+                <a:cxn ang="0">
+                  <a:pos x="connsiteX74" y="connsiteY74"/>
+                </a:cxn>
+                <a:cxn ang="0">
+                  <a:pos x="connsiteX75" y="connsiteY75"/>
+                </a:cxn>
+                <a:cxn ang="0">
+                  <a:pos x="connsiteX76" y="connsiteY76"/>
+                </a:cxn>
+                <a:cxn ang="0">
+                  <a:pos x="connsiteX77" y="connsiteY77"/>
+                </a:cxn>
+                <a:cxn ang="0">
+                  <a:pos x="connsiteX78" y="connsiteY78"/>
+                </a:cxn>
+                <a:cxn ang="0">
+                  <a:pos x="connsiteX79" y="connsiteY79"/>
+                </a:cxn>
+                <a:cxn ang="0">
+                  <a:pos x="connsiteX80" y="connsiteY80"/>
+                </a:cxn>
+                <a:cxn ang="0">
+                  <a:pos x="connsiteX81" y="connsiteY81"/>
+                </a:cxn>
+                <a:cxn ang="0">
+                  <a:pos x="connsiteX82" y="connsiteY82"/>
+                </a:cxn>
+                <a:cxn ang="0">
+                  <a:pos x="connsiteX83" y="connsiteY83"/>
+                </a:cxn>
+                <a:cxn ang="0">
+                  <a:pos x="connsiteX84" y="connsiteY84"/>
+                </a:cxn>
+                <a:cxn ang="0">
+                  <a:pos x="connsiteX85" y="connsiteY85"/>
+                </a:cxn>
+              </a:cxnLst>
+              <a:rect l="l" t="t" r="r" b="b"/>
+              <a:pathLst>
+                <a:path w="6373761" h="6874714">
+                  <a:moveTo>
+                    <a:pt x="6373761" y="5771297"/>
+                  </a:moveTo>
+                  <a:lnTo>
+                    <a:pt x="6373761" y="6247960"/>
+                  </a:lnTo>
+                  <a:lnTo>
+                    <a:pt x="6235932" y="6361930"/>
+                  </a:lnTo>
+                  <a:cubicBezTo>
+                    <a:pt x="6143250" y="6437460"/>
+                    <a:pt x="6051059" y="6512200"/>
+                    <a:pt x="5960375" y="6587489"/>
+                  </a:cubicBezTo>
+                  <a:lnTo>
+                    <a:pt x="5822907" y="6701871"/>
+                  </a:lnTo>
+                  <a:cubicBezTo>
+                    <a:pt x="5776123" y="6740385"/>
+                    <a:pt x="5729079" y="6778899"/>
+                    <a:pt x="5681115" y="6816896"/>
+                  </a:cubicBezTo>
+                  <a:lnTo>
+                    <a:pt x="5604096" y="6874714"/>
+                  </a:lnTo>
+                  <a:lnTo>
+                    <a:pt x="4878485" y="6874714"/>
+                  </a:lnTo>
+                  <a:lnTo>
+                    <a:pt x="5006014" y="6800200"/>
+                  </a:lnTo>
+                  <a:cubicBezTo>
+                    <a:pt x="5054354" y="6770429"/>
+                    <a:pt x="5102285" y="6739483"/>
+                    <a:pt x="5149855" y="6707667"/>
+                  </a:cubicBezTo>
+                  <a:cubicBezTo>
+                    <a:pt x="5244993" y="6643906"/>
+                    <a:pt x="5338561" y="6576025"/>
+                    <a:pt x="5431866" y="6506210"/>
+                  </a:cubicBezTo>
+                  <a:cubicBezTo>
+                    <a:pt x="5478386" y="6471304"/>
+                    <a:pt x="5524777" y="6435495"/>
+                    <a:pt x="5571036" y="6399557"/>
+                  </a:cubicBezTo>
+                  <a:lnTo>
+                    <a:pt x="5711649" y="6288912"/>
+                  </a:lnTo>
+                  <a:cubicBezTo>
+                    <a:pt x="5902059" y="6140395"/>
+                    <a:pt x="6093257" y="5998320"/>
+                    <a:pt x="6276589" y="5852379"/>
+                  </a:cubicBezTo>
+                  <a:close/>
+                  <a:moveTo>
+                    <a:pt x="3975975" y="263"/>
+                  </a:moveTo>
+                  <a:cubicBezTo>
+                    <a:pt x="4101550" y="1809"/>
+                    <a:pt x="4226830" y="10149"/>
+                    <a:pt x="4350473" y="24963"/>
+                  </a:cubicBezTo>
+                  <a:cubicBezTo>
+                    <a:pt x="4598149" y="54846"/>
+                    <a:pt x="4842943" y="108687"/>
+                    <a:pt x="5077909" y="189450"/>
+                  </a:cubicBezTo>
+                  <a:cubicBezTo>
+                    <a:pt x="5312876" y="269955"/>
+                    <a:pt x="5537357" y="376867"/>
+                    <a:pt x="5746507" y="505804"/>
+                  </a:cubicBezTo>
+                  <a:cubicBezTo>
+                    <a:pt x="5955527" y="634999"/>
+                    <a:pt x="6148688" y="786864"/>
+                    <a:pt x="6322456" y="956633"/>
+                  </a:cubicBezTo>
+                  <a:lnTo>
+                    <a:pt x="6373761" y="1011863"/>
+                  </a:lnTo>
+                  <a:lnTo>
+                    <a:pt x="6373761" y="1185075"/>
+                  </a:lnTo>
+                  <a:lnTo>
+                    <a:pt x="6359489" y="1169497"/>
+                  </a:lnTo>
+                  <a:cubicBezTo>
+                    <a:pt x="6318811" y="1127602"/>
+                    <a:pt x="6276917" y="1086890"/>
+                    <a:pt x="6233869" y="1047442"/>
+                  </a:cubicBezTo>
+                  <a:cubicBezTo>
+                    <a:pt x="6147509" y="968870"/>
+                    <a:pt x="6056431" y="895448"/>
+                    <a:pt x="5961423" y="827953"/>
+                  </a:cubicBezTo>
+                  <a:cubicBezTo>
+                    <a:pt x="5865891" y="761102"/>
+                    <a:pt x="5766688" y="699403"/>
+                    <a:pt x="5663555" y="645304"/>
+                  </a:cubicBezTo>
+                  <a:cubicBezTo>
+                    <a:pt x="5457943" y="535816"/>
+                    <a:pt x="5238703" y="453894"/>
+                    <a:pt x="5013827" y="397863"/>
+                  </a:cubicBezTo>
+                  <a:cubicBezTo>
+                    <a:pt x="4788953" y="341703"/>
+                    <a:pt x="4558442" y="310917"/>
+                    <a:pt x="4327409" y="302545"/>
+                  </a:cubicBezTo>
+                  <a:cubicBezTo>
+                    <a:pt x="4096111" y="293012"/>
+                    <a:pt x="3867174" y="305893"/>
+                    <a:pt x="3639939" y="338868"/>
+                  </a:cubicBezTo>
+                  <a:cubicBezTo>
+                    <a:pt x="3526585" y="355999"/>
+                    <a:pt x="3413885" y="377254"/>
+                    <a:pt x="3302495" y="403659"/>
+                  </a:cubicBezTo>
+                  <a:cubicBezTo>
+                    <a:pt x="3191107" y="430451"/>
+                    <a:pt x="3080634" y="460978"/>
+                    <a:pt x="2971604" y="496273"/>
+                  </a:cubicBezTo>
+                  <a:cubicBezTo>
+                    <a:pt x="2862573" y="531437"/>
+                    <a:pt x="2754854" y="570852"/>
+                    <a:pt x="2648706" y="614389"/>
+                  </a:cubicBezTo>
+                  <a:cubicBezTo>
+                    <a:pt x="2542690" y="658056"/>
+                    <a:pt x="2438114" y="705714"/>
+                    <a:pt x="2335374" y="757109"/>
+                  </a:cubicBezTo>
+                  <a:cubicBezTo>
+                    <a:pt x="2129894" y="859769"/>
+                    <a:pt x="1931228" y="976855"/>
+                    <a:pt x="1741342" y="1107725"/>
+                  </a:cubicBezTo>
+                  <a:cubicBezTo>
+                    <a:pt x="1694035" y="1140571"/>
+                    <a:pt x="1646858" y="1173933"/>
+                    <a:pt x="1600861" y="1208710"/>
+                  </a:cubicBezTo>
+                  <a:cubicBezTo>
+                    <a:pt x="1577535" y="1225713"/>
+                    <a:pt x="1554732" y="1243361"/>
+                    <a:pt x="1531799" y="1260879"/>
+                  </a:cubicBezTo>
+                  <a:cubicBezTo>
+                    <a:pt x="1508735" y="1278267"/>
+                    <a:pt x="1486064" y="1296171"/>
+                    <a:pt x="1463655" y="1314333"/>
+                  </a:cubicBezTo>
+                  <a:cubicBezTo>
+                    <a:pt x="1373627" y="1386853"/>
+                    <a:pt x="1285564" y="1462077"/>
+                    <a:pt x="1200777" y="1541166"/>
+                  </a:cubicBezTo>
+                  <a:cubicBezTo>
+                    <a:pt x="1030810" y="1698827"/>
+                    <a:pt x="873161" y="1870785"/>
+                    <a:pt x="731501" y="2055754"/>
+                  </a:cubicBezTo>
+                  <a:cubicBezTo>
+                    <a:pt x="660734" y="2148239"/>
+                    <a:pt x="593771" y="2243944"/>
+                    <a:pt x="531393" y="2342739"/>
+                  </a:cubicBezTo>
+                  <a:cubicBezTo>
+                    <a:pt x="470063" y="2442050"/>
+                    <a:pt x="412140" y="2543810"/>
+                    <a:pt x="361033" y="2649046"/>
+                  </a:cubicBezTo>
+                  <a:cubicBezTo>
+                    <a:pt x="347798" y="2675194"/>
+                    <a:pt x="335479" y="2701728"/>
+                    <a:pt x="323292" y="2728263"/>
+                  </a:cubicBezTo>
+                  <a:lnTo>
+                    <a:pt x="304945" y="2768193"/>
+                  </a:lnTo>
+                  <a:lnTo>
+                    <a:pt x="287516" y="2808510"/>
+                  </a:lnTo>
+                  <a:cubicBezTo>
+                    <a:pt x="276115" y="2835432"/>
+                    <a:pt x="264583" y="2862352"/>
+                    <a:pt x="254230" y="2889788"/>
+                  </a:cubicBezTo>
+                  <a:cubicBezTo>
+                    <a:pt x="243877" y="2917224"/>
+                    <a:pt x="232477" y="2944274"/>
+                    <a:pt x="223042" y="2971968"/>
+                  </a:cubicBezTo>
+                  <a:cubicBezTo>
+                    <a:pt x="182679" y="3081970"/>
+                    <a:pt x="148475" y="3194291"/>
+                    <a:pt x="121611" y="3308544"/>
+                  </a:cubicBezTo>
+                  <a:cubicBezTo>
+                    <a:pt x="67096" y="3536534"/>
+                    <a:pt x="39183" y="3771224"/>
+                    <a:pt x="39314" y="4005912"/>
+                  </a:cubicBezTo>
+                  <a:cubicBezTo>
+                    <a:pt x="39969" y="4122871"/>
+                    <a:pt x="51109" y="4239571"/>
+                    <a:pt x="73910" y="4354081"/>
+                  </a:cubicBezTo>
+                  <a:cubicBezTo>
+                    <a:pt x="97892" y="4468334"/>
+                    <a:pt x="132619" y="4580140"/>
+                    <a:pt x="179534" y="4687050"/>
+                  </a:cubicBezTo>
+                  <a:cubicBezTo>
+                    <a:pt x="190673" y="4713972"/>
+                    <a:pt x="203647" y="4740249"/>
+                    <a:pt x="215964" y="4766654"/>
+                  </a:cubicBezTo>
+                  <a:cubicBezTo>
+                    <a:pt x="229332" y="4792674"/>
+                    <a:pt x="242043" y="4818950"/>
+                    <a:pt x="256457" y="4844455"/>
+                  </a:cubicBezTo>
+                  <a:cubicBezTo>
+                    <a:pt x="283978" y="4895978"/>
+                    <a:pt x="314642" y="4945956"/>
+                    <a:pt x="346225" y="4995290"/>
+                  </a:cubicBezTo>
+                  <a:cubicBezTo>
+                    <a:pt x="377676" y="5044752"/>
+                    <a:pt x="411355" y="5092926"/>
+                    <a:pt x="445296" y="5140971"/>
+                  </a:cubicBezTo>
+                  <a:cubicBezTo>
+                    <a:pt x="479760" y="5188630"/>
+                    <a:pt x="515537" y="5235645"/>
+                    <a:pt x="551443" y="5282531"/>
+                  </a:cubicBezTo>
+                  <a:cubicBezTo>
+                    <a:pt x="623387" y="5376434"/>
+                    <a:pt x="698608" y="5468402"/>
+                    <a:pt x="772387" y="5562561"/>
+                  </a:cubicBezTo>
+                  <a:cubicBezTo>
+                    <a:pt x="809472" y="5609448"/>
+                    <a:pt x="846428" y="5656719"/>
+                    <a:pt x="882858" y="5704507"/>
+                  </a:cubicBezTo>
+                  <a:cubicBezTo>
+                    <a:pt x="919159" y="5751909"/>
+                    <a:pt x="955196" y="5802273"/>
+                    <a:pt x="990316" y="5848258"/>
+                  </a:cubicBezTo>
+                  <a:cubicBezTo>
+                    <a:pt x="1025175" y="5895402"/>
+                    <a:pt x="1061736" y="5941129"/>
+                    <a:pt x="1097774" y="5987114"/>
+                  </a:cubicBezTo>
+                  <a:cubicBezTo>
+                    <a:pt x="1134860" y="6032326"/>
+                    <a:pt x="1171684" y="6077536"/>
+                    <a:pt x="1210080" y="6121203"/>
+                  </a:cubicBezTo>
+                  <a:cubicBezTo>
+                    <a:pt x="1286350" y="6209051"/>
+                    <a:pt x="1365632" y="6293677"/>
+                    <a:pt x="1448192" y="6374054"/>
+                  </a:cubicBezTo>
+                  <a:cubicBezTo>
+                    <a:pt x="1613572" y="6534420"/>
+                    <a:pt x="1792057" y="6677526"/>
+                    <a:pt x="1982991" y="6796158"/>
+                  </a:cubicBezTo>
+                  <a:lnTo>
+                    <a:pt x="2118475" y="6874714"/>
+                  </a:lnTo>
+                  <a:lnTo>
+                    <a:pt x="1569874" y="6874714"/>
+                  </a:lnTo>
+                  <a:lnTo>
+                    <a:pt x="1507802" y="6817815"/>
+                  </a:lnTo>
+                  <a:cubicBezTo>
+                    <a:pt x="1418412" y="6730595"/>
+                    <a:pt x="1334903" y="6638562"/>
+                    <a:pt x="1256865" y="6543437"/>
+                  </a:cubicBezTo>
+                  <a:cubicBezTo>
+                    <a:pt x="1179155" y="6447861"/>
+                    <a:pt x="1106817" y="6349194"/>
+                    <a:pt x="1038410" y="6248722"/>
+                  </a:cubicBezTo>
+                  <a:cubicBezTo>
+                    <a:pt x="969873" y="6148253"/>
+                    <a:pt x="905922" y="6045592"/>
+                    <a:pt x="845380" y="5941386"/>
+                  </a:cubicBezTo>
+                  <a:cubicBezTo>
+                    <a:pt x="814453" y="5888704"/>
+                    <a:pt x="786147" y="5839370"/>
+                    <a:pt x="755351" y="5788877"/>
+                  </a:cubicBezTo>
+                  <a:cubicBezTo>
+                    <a:pt x="724817" y="5738771"/>
+                    <a:pt x="693760" y="5688665"/>
+                    <a:pt x="661784" y="5638944"/>
+                  </a:cubicBezTo>
+                  <a:lnTo>
+                    <a:pt x="466525" y="5340366"/>
+                  </a:lnTo>
+                  <a:cubicBezTo>
+                    <a:pt x="434156" y="5290131"/>
+                    <a:pt x="402181" y="5239639"/>
+                    <a:pt x="370992" y="5188502"/>
+                  </a:cubicBezTo>
+                  <a:cubicBezTo>
+                    <a:pt x="339803" y="5137364"/>
+                    <a:pt x="308876" y="5086099"/>
+                    <a:pt x="280046" y="5033287"/>
+                  </a:cubicBezTo>
+                  <a:cubicBezTo>
+                    <a:pt x="222255" y="4928179"/>
+                    <a:pt x="169181" y="4819982"/>
+                    <a:pt x="126853" y="4707660"/>
+                  </a:cubicBezTo>
+                  <a:cubicBezTo>
+                    <a:pt x="83739" y="4595725"/>
+                    <a:pt x="51764" y="4479670"/>
+                    <a:pt x="30272" y="4362068"/>
+                  </a:cubicBezTo>
+                  <a:cubicBezTo>
+                    <a:pt x="9698" y="4244466"/>
+                    <a:pt x="0" y="4125060"/>
+                    <a:pt x="0" y="4005912"/>
+                  </a:cubicBezTo>
+                  <a:cubicBezTo>
+                    <a:pt x="1704" y="3530867"/>
+                    <a:pt x="95140" y="3057110"/>
+                    <a:pt x="270480" y="2610532"/>
+                  </a:cubicBezTo>
+                  <a:cubicBezTo>
+                    <a:pt x="314511" y="2498984"/>
+                    <a:pt x="362212" y="2388466"/>
+                    <a:pt x="415942" y="2280526"/>
+                  </a:cubicBezTo>
+                  <a:cubicBezTo>
+                    <a:pt x="468884" y="2172197"/>
+                    <a:pt x="527199" y="2066188"/>
+                    <a:pt x="590102" y="1962626"/>
+                  </a:cubicBezTo>
+                  <a:cubicBezTo>
+                    <a:pt x="716037" y="1755631"/>
+                    <a:pt x="859794" y="1557653"/>
+                    <a:pt x="1020719" y="1373070"/>
+                  </a:cubicBezTo>
+                  <a:cubicBezTo>
+                    <a:pt x="1101575" y="1281101"/>
+                    <a:pt x="1185969" y="1191838"/>
+                    <a:pt x="1275080" y="1107081"/>
+                  </a:cubicBezTo>
+                  <a:cubicBezTo>
+                    <a:pt x="1297227" y="1085699"/>
+                    <a:pt x="1319504" y="1064575"/>
+                    <a:pt x="1342437" y="1043965"/>
+                  </a:cubicBezTo>
+                  <a:cubicBezTo>
+                    <a:pt x="1365240" y="1023226"/>
+                    <a:pt x="1387648" y="1002102"/>
+                    <a:pt x="1411106" y="982138"/>
+                  </a:cubicBezTo>
+                  <a:cubicBezTo>
+                    <a:pt x="1457497" y="941563"/>
+                    <a:pt x="1505065" y="902276"/>
+                    <a:pt x="1553029" y="863376"/>
+                  </a:cubicBezTo>
+                  <a:cubicBezTo>
+                    <a:pt x="1745798" y="708806"/>
+                    <a:pt x="1954030" y="571882"/>
+                    <a:pt x="2173401" y="454409"/>
+                  </a:cubicBezTo>
+                  <a:cubicBezTo>
+                    <a:pt x="2612013" y="219334"/>
+                    <a:pt x="3099505" y="65666"/>
+                    <a:pt x="3599708" y="16332"/>
+                  </a:cubicBezTo>
+                  <a:cubicBezTo>
+                    <a:pt x="3724530" y="3966"/>
+                    <a:pt x="3850400" y="-1283"/>
+                    <a:pt x="3975975" y="263"/>
+                  </a:cubicBezTo>
+                  <a:close/>
+                </a:path>
+              </a:pathLst>
+            </a:custGeom>
+            <a:gradFill>
+              <a:gsLst>
+                <a:gs pos="2000">
+                  <a:schemeClr val="bg1">
+                    <a:alpha val="10000"/>
+                  </a:schemeClr>
+                </a:gs>
+                <a:gs pos="16000">
+                  <a:schemeClr val="accent6">
+                    <a:alpha val="10000"/>
+                  </a:schemeClr>
+                </a:gs>
+                <a:gs pos="100000">
+                  <a:schemeClr val="bg1">
+                    <a:alpha val="10000"/>
+                  </a:schemeClr>
+                </a:gs>
+                <a:gs pos="85000">
+                  <a:schemeClr val="accent1">
+                    <a:alpha val="10000"/>
+                  </a:schemeClr>
+                </a:gs>
+              </a:gsLst>
+              <a:lin ang="12000000" scaled="0"/>
+            </a:gradFill>
+            <a:ln>
+              <a:noFill/>
+            </a:ln>
+          </p:spPr>
+          <p:style>
+            <a:lnRef idx="2">
+              <a:schemeClr val="accent1">
+                <a:shade val="50000"/>
+              </a:schemeClr>
+            </a:lnRef>
+            <a:fillRef idx="1">
+              <a:schemeClr val="accent1"/>
+            </a:fillRef>
+            <a:effectRef idx="0">
+              <a:schemeClr val="accent1"/>
+            </a:effectRef>
+            <a:fontRef idx="minor">
+              <a:schemeClr val="lt1"/>
+            </a:fontRef>
+          </p:style>
+          <p:txBody>
+            <a:bodyPr rtlCol="0" anchor="ctr"/>
+            <a:lstStyle/>
+            <a:p>
+              <a:pPr algn="ctr"/>
+              <a:endParaRPr lang="en-US"/>
+            </a:p>
+          </p:txBody>
+        </p:sp>
+        <p:sp>
+          <p:nvSpPr>
+            <p:cNvPr id="16" name="Freeform: Shape 15">
+              <a:extLst>
+                <a:ext uri="{FF2B5EF4-FFF2-40B4-BE49-F238E27FC236}">
+                  <a16:creationId xmlns:a16="http://schemas.microsoft.com/office/drawing/2014/main" id="{61023DD2-2E6F-4419-B404-80F08460BEA5}"/>
+                </a:ext>
+                <a:ext uri="{C183D7F6-B498-43B3-948B-1728B52AA6E4}">
+                  <adec:decorative xmlns:adec="http://schemas.microsoft.com/office/drawing/2017/decorative" val="1"/>
+                </a:ext>
+              </a:extLst>
+            </p:cNvPr>
+            <p:cNvSpPr/>
+            <p:nvPr>
+              <p:extLst>
+                <p:ext uri="{386F3935-93C4-4BCD-93E2-E3B085C9AB24}">
+                  <p16:designElem xmlns:p16="http://schemas.microsoft.com/office/powerpoint/2015/main" val="1"/>
+                </p:ext>
+              </p:extLst>
+            </p:nvPr>
+          </p:nvSpPr>
+          <p:spPr>
+            <a:xfrm>
+              <a:off x="5865276" y="313387"/>
+              <a:ext cx="6326724" cy="6561326"/>
+            </a:xfrm>
+            <a:custGeom>
+              <a:avLst/>
+              <a:gdLst>
+                <a:gd name="connsiteX0" fmla="*/ 6326724 w 6326724"/>
+                <a:gd name="connsiteY0" fmla="*/ 5020808 h 6561326"/>
+                <a:gd name="connsiteX1" fmla="*/ 6326724 w 6326724"/>
+                <a:gd name="connsiteY1" fmla="*/ 5698632 h 6561326"/>
+                <a:gd name="connsiteX2" fmla="*/ 6067438 w 6326724"/>
+                <a:gd name="connsiteY2" fmla="*/ 5902509 h 6561326"/>
+                <a:gd name="connsiteX3" fmla="*/ 5799974 w 6326724"/>
+                <a:gd name="connsiteY3" fmla="*/ 6102017 h 6561326"/>
+                <a:gd name="connsiteX4" fmla="*/ 5665258 w 6326724"/>
+                <a:gd name="connsiteY4" fmla="*/ 6202100 h 6561326"/>
+                <a:gd name="connsiteX5" fmla="*/ 5526873 w 6326724"/>
+                <a:gd name="connsiteY5" fmla="*/ 6302828 h 6561326"/>
+                <a:gd name="connsiteX6" fmla="*/ 5385080 w 6326724"/>
+                <a:gd name="connsiteY6" fmla="*/ 6402268 h 6561326"/>
+                <a:gd name="connsiteX7" fmla="*/ 5238833 w 6326724"/>
+                <a:gd name="connsiteY7" fmla="*/ 6498875 h 6561326"/>
+                <a:gd name="connsiteX8" fmla="*/ 5138040 w 6326724"/>
+                <a:gd name="connsiteY8" fmla="*/ 6561326 h 6561326"/>
+                <a:gd name="connsiteX9" fmla="*/ 3946072 w 6326724"/>
+                <a:gd name="connsiteY9" fmla="*/ 6561326 h 6561326"/>
+                <a:gd name="connsiteX10" fmla="*/ 3976009 w 6326724"/>
+                <a:gd name="connsiteY10" fmla="*/ 6555242 h 6561326"/>
+                <a:gd name="connsiteX11" fmla="*/ 4404855 w 6326724"/>
+                <a:gd name="connsiteY11" fmla="*/ 6399048 h 6561326"/>
+                <a:gd name="connsiteX12" fmla="*/ 4938868 w 6326724"/>
+                <a:gd name="connsiteY12" fmla="*/ 6072132 h 6561326"/>
+                <a:gd name="connsiteX13" fmla="*/ 5068342 w 6326724"/>
+                <a:gd name="connsiteY13" fmla="*/ 5976042 h 6561326"/>
+                <a:gd name="connsiteX14" fmla="*/ 5197816 w 6326724"/>
+                <a:gd name="connsiteY14" fmla="*/ 5876730 h 6561326"/>
+                <a:gd name="connsiteX15" fmla="*/ 5460039 w 6326724"/>
+                <a:gd name="connsiteY15" fmla="*/ 5670637 h 6561326"/>
+                <a:gd name="connsiteX16" fmla="*/ 5999033 w 6326724"/>
+                <a:gd name="connsiteY16" fmla="*/ 5271718 h 6561326"/>
+                <a:gd name="connsiteX17" fmla="*/ 6258766 w 6326724"/>
+                <a:gd name="connsiteY17" fmla="*/ 5077603 h 6561326"/>
+                <a:gd name="connsiteX18" fmla="*/ 4139342 w 6326724"/>
+                <a:gd name="connsiteY18" fmla="*/ 440 h 6561326"/>
+                <a:gd name="connsiteX19" fmla="*/ 4315744 w 6326724"/>
+                <a:gd name="connsiteY19" fmla="*/ 6808 h 6561326"/>
+                <a:gd name="connsiteX20" fmla="*/ 5015400 w 6326724"/>
+                <a:gd name="connsiteY20" fmla="*/ 113591 h 6561326"/>
+                <a:gd name="connsiteX21" fmla="*/ 5681114 w 6326724"/>
+                <a:gd name="connsiteY21" fmla="*/ 361418 h 6561326"/>
+                <a:gd name="connsiteX22" fmla="*/ 6270952 w 6326724"/>
+                <a:gd name="connsiteY22" fmla="*/ 755441 h 6561326"/>
+                <a:gd name="connsiteX23" fmla="*/ 6326724 w 6326724"/>
+                <a:gd name="connsiteY23" fmla="*/ 807432 h 6561326"/>
+                <a:gd name="connsiteX24" fmla="*/ 6326724 w 6326724"/>
+                <a:gd name="connsiteY24" fmla="*/ 1231565 h 6561326"/>
+                <a:gd name="connsiteX25" fmla="*/ 6302093 w 6326724"/>
+                <a:gd name="connsiteY25" fmla="*/ 1203002 h 6561326"/>
+                <a:gd name="connsiteX26" fmla="*/ 6066914 w 6326724"/>
+                <a:gd name="connsiteY26" fmla="*/ 989616 h 6561326"/>
+                <a:gd name="connsiteX27" fmla="*/ 5533688 w 6326724"/>
+                <a:gd name="connsiteY27" fmla="*/ 647242 h 6561326"/>
+                <a:gd name="connsiteX28" fmla="*/ 4933626 w 6326724"/>
+                <a:gd name="connsiteY28" fmla="*/ 432262 h 6561326"/>
+                <a:gd name="connsiteX29" fmla="*/ 4296873 w 6326724"/>
+                <a:gd name="connsiteY29" fmla="*/ 343126 h 6561326"/>
+                <a:gd name="connsiteX30" fmla="*/ 3651602 w 6326724"/>
+                <a:gd name="connsiteY30" fmla="*/ 365797 h 6561326"/>
+                <a:gd name="connsiteX31" fmla="*/ 3018256 w 6326724"/>
+                <a:gd name="connsiteY31" fmla="*/ 496666 h 6561326"/>
+                <a:gd name="connsiteX32" fmla="*/ 2412429 w 6326724"/>
+                <a:gd name="connsiteY32" fmla="*/ 724399 h 6561326"/>
+                <a:gd name="connsiteX33" fmla="*/ 1329857 w 6326724"/>
+                <a:gd name="connsiteY33" fmla="*/ 1424086 h 6561326"/>
+                <a:gd name="connsiteX34" fmla="*/ 887314 w 6326724"/>
+                <a:gd name="connsiteY34" fmla="*/ 1891015 h 6561326"/>
+                <a:gd name="connsiteX35" fmla="*/ 537420 w 6326724"/>
+                <a:gd name="connsiteY35" fmla="*/ 2427245 h 6561326"/>
+                <a:gd name="connsiteX36" fmla="*/ 299965 w 6326724"/>
+                <a:gd name="connsiteY36" fmla="*/ 3020021 h 6561326"/>
+                <a:gd name="connsiteX37" fmla="*/ 213606 w 6326724"/>
+                <a:gd name="connsiteY37" fmla="*/ 3651953 h 6561326"/>
+                <a:gd name="connsiteX38" fmla="*/ 250036 w 6326724"/>
+                <a:gd name="connsiteY38" fmla="*/ 3961352 h 6561326"/>
+                <a:gd name="connsiteX39" fmla="*/ 357625 w 6326724"/>
+                <a:gd name="connsiteY39" fmla="*/ 4250783 h 6561326"/>
+                <a:gd name="connsiteX40" fmla="*/ 432715 w 6326724"/>
+                <a:gd name="connsiteY40" fmla="*/ 4387063 h 6561326"/>
+                <a:gd name="connsiteX41" fmla="*/ 518943 w 6326724"/>
+                <a:gd name="connsiteY41" fmla="*/ 4518962 h 6561326"/>
+                <a:gd name="connsiteX42" fmla="*/ 718133 w 6326724"/>
+                <a:gd name="connsiteY42" fmla="*/ 4773874 h 6561326"/>
+                <a:gd name="connsiteX43" fmla="*/ 933704 w 6326724"/>
+                <a:gd name="connsiteY43" fmla="*/ 5030717 h 6561326"/>
+                <a:gd name="connsiteX44" fmla="*/ 1040900 w 6326724"/>
+                <a:gd name="connsiteY44" fmla="*/ 5164806 h 6561326"/>
+                <a:gd name="connsiteX45" fmla="*/ 1092401 w 6326724"/>
+                <a:gd name="connsiteY45" fmla="*/ 5230628 h 6561326"/>
+                <a:gd name="connsiteX46" fmla="*/ 1142854 w 6326724"/>
+                <a:gd name="connsiteY46" fmla="*/ 5293615 h 6561326"/>
+                <a:gd name="connsiteX47" fmla="*/ 1576354 w 6326724"/>
+                <a:gd name="connsiteY47" fmla="*/ 5759128 h 6561326"/>
+                <a:gd name="connsiteX48" fmla="*/ 1806865 w 6326724"/>
+                <a:gd name="connsiteY48" fmla="*/ 5968571 h 6561326"/>
+                <a:gd name="connsiteX49" fmla="*/ 2048253 w 6326724"/>
+                <a:gd name="connsiteY49" fmla="*/ 6161654 h 6561326"/>
+                <a:gd name="connsiteX50" fmla="*/ 2587506 w 6326724"/>
+                <a:gd name="connsiteY50" fmla="*/ 6467059 h 6561326"/>
+                <a:gd name="connsiteX51" fmla="*/ 2889176 w 6326724"/>
+                <a:gd name="connsiteY51" fmla="*/ 6553360 h 6561326"/>
+                <a:gd name="connsiteX52" fmla="*/ 2929698 w 6326724"/>
+                <a:gd name="connsiteY52" fmla="*/ 6561326 h 6561326"/>
+                <a:gd name="connsiteX53" fmla="*/ 1816374 w 6326724"/>
+                <a:gd name="connsiteY53" fmla="*/ 6561326 h 6561326"/>
+                <a:gd name="connsiteX54" fmla="*/ 1787601 w 6326724"/>
+                <a:gd name="connsiteY54" fmla="*/ 6545761 h 6561326"/>
+                <a:gd name="connsiteX55" fmla="*/ 1225544 w 6326724"/>
+                <a:gd name="connsiteY55" fmla="*/ 6094158 h 6561326"/>
+                <a:gd name="connsiteX56" fmla="*/ 997654 w 6326724"/>
+                <a:gd name="connsiteY56" fmla="*/ 5822374 h 6561326"/>
+                <a:gd name="connsiteX57" fmla="*/ 798596 w 6326724"/>
+                <a:gd name="connsiteY57" fmla="*/ 5534615 h 6561326"/>
+                <a:gd name="connsiteX58" fmla="*/ 752075 w 6326724"/>
+                <a:gd name="connsiteY58" fmla="*/ 5461324 h 6561326"/>
+                <a:gd name="connsiteX59" fmla="*/ 707650 w 6326724"/>
+                <a:gd name="connsiteY59" fmla="*/ 5390221 h 6561326"/>
+                <a:gd name="connsiteX60" fmla="*/ 619980 w 6326724"/>
+                <a:gd name="connsiteY60" fmla="*/ 5252396 h 6561326"/>
+                <a:gd name="connsiteX61" fmla="*/ 438349 w 6326724"/>
+                <a:gd name="connsiteY61" fmla="*/ 4970822 h 6561326"/>
+                <a:gd name="connsiteX62" fmla="*/ 261044 w 6326724"/>
+                <a:gd name="connsiteY62" fmla="*/ 4673145 h 6561326"/>
+                <a:gd name="connsiteX63" fmla="*/ 181107 w 6326724"/>
+                <a:gd name="connsiteY63" fmla="*/ 4515356 h 6561326"/>
+                <a:gd name="connsiteX64" fmla="*/ 113224 w 6326724"/>
+                <a:gd name="connsiteY64" fmla="*/ 4350223 h 6561326"/>
+                <a:gd name="connsiteX65" fmla="*/ 61199 w 6326724"/>
+                <a:gd name="connsiteY65" fmla="*/ 4178908 h 6561326"/>
+                <a:gd name="connsiteX66" fmla="*/ 41804 w 6326724"/>
+                <a:gd name="connsiteY66" fmla="*/ 4091577 h 6561326"/>
+                <a:gd name="connsiteX67" fmla="*/ 33287 w 6326724"/>
+                <a:gd name="connsiteY67" fmla="*/ 4047781 h 6561326"/>
+                <a:gd name="connsiteX68" fmla="*/ 26209 w 6326724"/>
+                <a:gd name="connsiteY68" fmla="*/ 4003858 h 6561326"/>
+                <a:gd name="connsiteX69" fmla="*/ 0 w 6326724"/>
+                <a:gd name="connsiteY69" fmla="*/ 3651953 h 6561326"/>
+                <a:gd name="connsiteX70" fmla="*/ 72731 w 6326724"/>
+                <a:gd name="connsiteY70" fmla="*/ 2966307 h 6561326"/>
+                <a:gd name="connsiteX71" fmla="*/ 291316 w 6326724"/>
+                <a:gd name="connsiteY71" fmla="*/ 2309385 h 6561326"/>
+                <a:gd name="connsiteX72" fmla="*/ 1110878 w 6326724"/>
+                <a:gd name="connsiteY72" fmla="*/ 1193776 h 6561326"/>
+                <a:gd name="connsiteX73" fmla="*/ 1654327 w 6326724"/>
+                <a:gd name="connsiteY73" fmla="*/ 756730 h 6561326"/>
+                <a:gd name="connsiteX74" fmla="*/ 2261727 w 6326724"/>
+                <a:gd name="connsiteY74" fmla="*/ 409720 h 6561326"/>
+                <a:gd name="connsiteX75" fmla="*/ 3610060 w 6326724"/>
+                <a:gd name="connsiteY75" fmla="*/ 27032 h 6561326"/>
+                <a:gd name="connsiteX76" fmla="*/ 4139342 w 6326724"/>
+                <a:gd name="connsiteY76" fmla="*/ 440 h 6561326"/>
+              </a:gdLst>
+              <a:ahLst/>
+              <a:cxnLst>
+                <a:cxn ang="0">
+                  <a:pos x="connsiteX0" y="connsiteY0"/>
+                </a:cxn>
+                <a:cxn ang="0">
+                  <a:pos x="connsiteX1" y="connsiteY1"/>
+                </a:cxn>
+                <a:cxn ang="0">
+                  <a:pos x="connsiteX2" y="connsiteY2"/>
+                </a:cxn>
+                <a:cxn ang="0">
+                  <a:pos x="connsiteX3" y="connsiteY3"/>
+                </a:cxn>
+                <a:cxn ang="0">
+                  <a:pos x="connsiteX4" y="connsiteY4"/>
+                </a:cxn>
+                <a:cxn ang="0">
+                  <a:pos x="connsiteX5" y="connsiteY5"/>
+                </a:cxn>
+                <a:cxn ang="0">
+                  <a:pos x="connsiteX6" y="connsiteY6"/>
+                </a:cxn>
+                <a:cxn ang="0">
+                  <a:pos x="connsiteX7" y="connsiteY7"/>
+                </a:cxn>
+                <a:cxn ang="0">
+                  <a:pos x="connsiteX8" y="connsiteY8"/>
+                </a:cxn>
+                <a:cxn ang="0">
+                  <a:pos x="connsiteX9" y="connsiteY9"/>
+                </a:cxn>
+                <a:cxn ang="0">
+                  <a:pos x="connsiteX10" y="connsiteY10"/>
+                </a:cxn>
+                <a:cxn ang="0">
+                  <a:pos x="connsiteX11" y="connsiteY11"/>
+                </a:cxn>
+                <a:cxn ang="0">
+                  <a:pos x="connsiteX12" y="connsiteY12"/>
+                </a:cxn>
+                <a:cxn ang="0">
+                  <a:pos x="connsiteX13" y="connsiteY13"/>
+                </a:cxn>
+                <a:cxn ang="0">
+                  <a:pos x="connsiteX14" y="connsiteY14"/>
+                </a:cxn>
+                <a:cxn ang="0">
+                  <a:pos x="connsiteX15" y="connsiteY15"/>
+                </a:cxn>
+                <a:cxn ang="0">
+                  <a:pos x="connsiteX16" y="connsiteY16"/>
+                </a:cxn>
+                <a:cxn ang="0">
+                  <a:pos x="connsiteX17" y="connsiteY17"/>
+                </a:cxn>
+                <a:cxn ang="0">
+                  <a:pos x="connsiteX18" y="connsiteY18"/>
+                </a:cxn>
+                <a:cxn ang="0">
+                  <a:pos x="connsiteX19" y="connsiteY19"/>
+                </a:cxn>
+                <a:cxn ang="0">
+                  <a:pos x="connsiteX20" y="connsiteY20"/>
+                </a:cxn>
+                <a:cxn ang="0">
+                  <a:pos x="connsiteX21" y="connsiteY21"/>
+                </a:cxn>
+                <a:cxn ang="0">
+                  <a:pos x="connsiteX22" y="connsiteY22"/>
+                </a:cxn>
+                <a:cxn ang="0">
+                  <a:pos x="connsiteX23" y="connsiteY23"/>
+                </a:cxn>
+                <a:cxn ang="0">
+                  <a:pos x="connsiteX24" y="connsiteY24"/>
+                </a:cxn>
+                <a:cxn ang="0">
+                  <a:pos x="connsiteX25" y="connsiteY25"/>
+                </a:cxn>
+                <a:cxn ang="0">
+                  <a:pos x="connsiteX26" y="connsiteY26"/>
+                </a:cxn>
+                <a:cxn ang="0">
+                  <a:pos x="connsiteX27" y="connsiteY27"/>
+                </a:cxn>
+                <a:cxn ang="0">
+                  <a:pos x="connsiteX28" y="connsiteY28"/>
+                </a:cxn>
+                <a:cxn ang="0">
+                  <a:pos x="connsiteX29" y="connsiteY29"/>
+                </a:cxn>
+                <a:cxn ang="0">
+                  <a:pos x="connsiteX30" y="connsiteY30"/>
+                </a:cxn>
+                <a:cxn ang="0">
+                  <a:pos x="connsiteX31" y="connsiteY31"/>
+                </a:cxn>
+                <a:cxn ang="0">
+                  <a:pos x="connsiteX32" y="connsiteY32"/>
+                </a:cxn>
+                <a:cxn ang="0">
+                  <a:pos x="connsiteX33" y="connsiteY33"/>
+                </a:cxn>
+                <a:cxn ang="0">
+                  <a:pos x="connsiteX34" y="connsiteY34"/>
+                </a:cxn>
+                <a:cxn ang="0">
+                  <a:pos x="connsiteX35" y="connsiteY35"/>
+                </a:cxn>
+                <a:cxn ang="0">
+                  <a:pos x="connsiteX36" y="connsiteY36"/>
+                </a:cxn>
+                <a:cxn ang="0">
+                  <a:pos x="connsiteX37" y="connsiteY37"/>
+                </a:cxn>
+                <a:cxn ang="0">
+                  <a:pos x="connsiteX38" y="connsiteY38"/>
+                </a:cxn>
+                <a:cxn ang="0">
+                  <a:pos x="connsiteX39" y="connsiteY39"/>
+                </a:cxn>
+                <a:cxn ang="0">
+                  <a:pos x="connsiteX40" y="connsiteY40"/>
+                </a:cxn>
+                <a:cxn ang="0">
+                  <a:pos x="connsiteX41" y="connsiteY41"/>
+                </a:cxn>
+                <a:cxn ang="0">
+                  <a:pos x="connsiteX42" y="connsiteY42"/>
+                </a:cxn>
+                <a:cxn ang="0">
+                  <a:pos x="connsiteX43" y="connsiteY43"/>
+                </a:cxn>
+                <a:cxn ang="0">
+                  <a:pos x="connsiteX44" y="connsiteY44"/>
+                </a:cxn>
+                <a:cxn ang="0">
+                  <a:pos x="connsiteX45" y="connsiteY45"/>
+                </a:cxn>
+                <a:cxn ang="0">
+                  <a:pos x="connsiteX46" y="connsiteY46"/>
+                </a:cxn>
+                <a:cxn ang="0">
+                  <a:pos x="connsiteX47" y="connsiteY47"/>
+                </a:cxn>
+                <a:cxn ang="0">
+                  <a:pos x="connsiteX48" y="connsiteY48"/>
+                </a:cxn>
+                <a:cxn ang="0">
+                  <a:pos x="connsiteX49" y="connsiteY49"/>
+                </a:cxn>
+                <a:cxn ang="0">
+                  <a:pos x="connsiteX50" y="connsiteY50"/>
+                </a:cxn>
+                <a:cxn ang="0">
+                  <a:pos x="connsiteX51" y="connsiteY51"/>
+                </a:cxn>
+                <a:cxn ang="0">
+                  <a:pos x="connsiteX52" y="connsiteY52"/>
+                </a:cxn>
+                <a:cxn ang="0">
+                  <a:pos x="connsiteX53" y="connsiteY53"/>
+                </a:cxn>
+                <a:cxn ang="0">
+                  <a:pos x="connsiteX54" y="connsiteY54"/>
+                </a:cxn>
+                <a:cxn ang="0">
+                  <a:pos x="connsiteX55" y="connsiteY55"/>
+                </a:cxn>
+                <a:cxn ang="0">
+                  <a:pos x="connsiteX56" y="connsiteY56"/>
+                </a:cxn>
+                <a:cxn ang="0">
+                  <a:pos x="connsiteX57" y="connsiteY57"/>
+                </a:cxn>
+                <a:cxn ang="0">
+                  <a:pos x="connsiteX58" y="connsiteY58"/>
+                </a:cxn>
+                <a:cxn ang="0">
+                  <a:pos x="connsiteX59" y="connsiteY59"/>
+                </a:cxn>
+                <a:cxn ang="0">
+                  <a:pos x="connsiteX60" y="connsiteY60"/>
+                </a:cxn>
+                <a:cxn ang="0">
+                  <a:pos x="connsiteX61" y="connsiteY61"/>
+                </a:cxn>
+                <a:cxn ang="0">
+                  <a:pos x="connsiteX62" y="connsiteY62"/>
+                </a:cxn>
+                <a:cxn ang="0">
+                  <a:pos x="connsiteX63" y="connsiteY63"/>
+                </a:cxn>
+                <a:cxn ang="0">
+                  <a:pos x="connsiteX64" y="connsiteY64"/>
+                </a:cxn>
+                <a:cxn ang="0">
+                  <a:pos x="connsiteX65" y="connsiteY65"/>
+                </a:cxn>
+                <a:cxn ang="0">
+                  <a:pos x="connsiteX66" y="connsiteY66"/>
+                </a:cxn>
+                <a:cxn ang="0">
+                  <a:pos x="connsiteX67" y="connsiteY67"/>
+                </a:cxn>
+                <a:cxn ang="0">
+                  <a:pos x="connsiteX68" y="connsiteY68"/>
+                </a:cxn>
+                <a:cxn ang="0">
+                  <a:pos x="connsiteX69" y="connsiteY69"/>
+                </a:cxn>
+                <a:cxn ang="0">
+                  <a:pos x="connsiteX70" y="connsiteY70"/>
+                </a:cxn>
+                <a:cxn ang="0">
+                  <a:pos x="connsiteX71" y="connsiteY71"/>
+                </a:cxn>
+                <a:cxn ang="0">
+                  <a:pos x="connsiteX72" y="connsiteY72"/>
+                </a:cxn>
+                <a:cxn ang="0">
+                  <a:pos x="connsiteX73" y="connsiteY73"/>
+                </a:cxn>
+                <a:cxn ang="0">
+                  <a:pos x="connsiteX74" y="connsiteY74"/>
+                </a:cxn>
+                <a:cxn ang="0">
+                  <a:pos x="connsiteX75" y="connsiteY75"/>
+                </a:cxn>
+                <a:cxn ang="0">
+                  <a:pos x="connsiteX76" y="connsiteY76"/>
+                </a:cxn>
+              </a:cxnLst>
+              <a:rect l="l" t="t" r="r" b="b"/>
+              <a:pathLst>
+                <a:path w="6326724" h="6561326">
+                  <a:moveTo>
+                    <a:pt x="6326724" y="5020808"/>
+                  </a:moveTo>
+                  <a:lnTo>
+                    <a:pt x="6326724" y="5698632"/>
+                  </a:lnTo>
+                  <a:lnTo>
+                    <a:pt x="6067438" y="5902509"/>
+                  </a:lnTo>
+                  <a:cubicBezTo>
+                    <a:pt x="5977868" y="5970407"/>
+                    <a:pt x="5888364" y="6036453"/>
+                    <a:pt x="5799974" y="6102017"/>
+                  </a:cubicBezTo>
+                  <a:lnTo>
+                    <a:pt x="5665258" y="6202100"/>
+                  </a:lnTo>
+                  <a:cubicBezTo>
+                    <a:pt x="5619654" y="6235719"/>
+                    <a:pt x="5573656" y="6269596"/>
+                    <a:pt x="5526873" y="6302828"/>
+                  </a:cubicBezTo>
+                  <a:cubicBezTo>
+                    <a:pt x="5480220" y="6336189"/>
+                    <a:pt x="5433044" y="6369423"/>
+                    <a:pt x="5385080" y="6402268"/>
+                  </a:cubicBezTo>
+                  <a:cubicBezTo>
+                    <a:pt x="5336988" y="6434857"/>
+                    <a:pt x="5288500" y="6467187"/>
+                    <a:pt x="5238833" y="6498875"/>
+                  </a:cubicBezTo>
+                  <a:lnTo>
+                    <a:pt x="5138040" y="6561326"/>
+                  </a:lnTo>
+                  <a:lnTo>
+                    <a:pt x="3946072" y="6561326"/>
+                  </a:lnTo>
+                  <a:lnTo>
+                    <a:pt x="3976009" y="6555242"/>
+                  </a:lnTo>
+                  <a:cubicBezTo>
+                    <a:pt x="4123712" y="6519227"/>
+                    <a:pt x="4266863" y="6466383"/>
+                    <a:pt x="4404855" y="6399048"/>
+                  </a:cubicBezTo>
+                  <a:cubicBezTo>
+                    <a:pt x="4589500" y="6310299"/>
+                    <a:pt x="4765232" y="6196690"/>
+                    <a:pt x="4938868" y="6072132"/>
+                  </a:cubicBezTo>
+                  <a:cubicBezTo>
+                    <a:pt x="4982245" y="6041089"/>
+                    <a:pt x="5025359" y="6008630"/>
+                    <a:pt x="5068342" y="5976042"/>
+                  </a:cubicBezTo>
+                  <a:cubicBezTo>
+                    <a:pt x="5111588" y="5943453"/>
+                    <a:pt x="5154702" y="5910349"/>
+                    <a:pt x="5197816" y="5876730"/>
+                  </a:cubicBezTo>
+                  <a:lnTo>
+                    <a:pt x="5460039" y="5670637"/>
+                  </a:lnTo>
+                  <a:cubicBezTo>
+                    <a:pt x="5639966" y="5530365"/>
+                    <a:pt x="5821596" y="5399753"/>
+                    <a:pt x="5999033" y="5271718"/>
+                  </a:cubicBezTo>
+                  <a:cubicBezTo>
+                    <a:pt x="6087686" y="5207700"/>
+                    <a:pt x="6174667" y="5143360"/>
+                    <a:pt x="6258766" y="5077603"/>
+                  </a:cubicBezTo>
+                  <a:close/>
+                  <a:moveTo>
+                    <a:pt x="4139342" y="440"/>
+                  </a:moveTo>
+                  <a:cubicBezTo>
+                    <a:pt x="4198237" y="1301"/>
+                    <a:pt x="4257068" y="3427"/>
+                    <a:pt x="4315744" y="6808"/>
+                  </a:cubicBezTo>
+                  <a:cubicBezTo>
+                    <a:pt x="4550841" y="20849"/>
+                    <a:pt x="4785806" y="55240"/>
+                    <a:pt x="5015400" y="113591"/>
+                  </a:cubicBezTo>
+                  <a:cubicBezTo>
+                    <a:pt x="5244992" y="171812"/>
+                    <a:pt x="5469212" y="254249"/>
+                    <a:pt x="5681114" y="361418"/>
+                  </a:cubicBezTo>
+                  <a:cubicBezTo>
+                    <a:pt x="5892754" y="468586"/>
+                    <a:pt x="6093124" y="599584"/>
+                    <a:pt x="6270952" y="755441"/>
+                  </a:cubicBezTo>
+                  <a:lnTo>
+                    <a:pt x="6326724" y="807432"/>
+                  </a:lnTo>
+                  <a:lnTo>
+                    <a:pt x="6326724" y="1231565"/>
+                  </a:lnTo>
+                  <a:lnTo>
+                    <a:pt x="6302093" y="1203002"/>
+                  </a:lnTo>
+                  <a:cubicBezTo>
+                    <a:pt x="6227937" y="1127247"/>
+                    <a:pt x="6149211" y="1056081"/>
+                    <a:pt x="6066914" y="989616"/>
+                  </a:cubicBezTo>
+                  <a:cubicBezTo>
+                    <a:pt x="5902714" y="856299"/>
+                    <a:pt x="5724360" y="740371"/>
+                    <a:pt x="5533688" y="647242"/>
+                  </a:cubicBezTo>
+                  <a:cubicBezTo>
+                    <a:pt x="5343146" y="553857"/>
+                    <a:pt x="5141466" y="482239"/>
+                    <a:pt x="4933626" y="432262"/>
+                  </a:cubicBezTo>
+                  <a:cubicBezTo>
+                    <a:pt x="4725788" y="382156"/>
+                    <a:pt x="4512182" y="353303"/>
+                    <a:pt x="4296873" y="343126"/>
+                  </a:cubicBezTo>
+                  <a:cubicBezTo>
+                    <a:pt x="4081172" y="332435"/>
+                    <a:pt x="3865732" y="339520"/>
+                    <a:pt x="3651602" y="365797"/>
+                  </a:cubicBezTo>
+                  <a:cubicBezTo>
+                    <a:pt x="3437604" y="392202"/>
+                    <a:pt x="3225572" y="436384"/>
+                    <a:pt x="3018256" y="496666"/>
+                  </a:cubicBezTo>
+                  <a:cubicBezTo>
+                    <a:pt x="2810809" y="556691"/>
+                    <a:pt x="2608474" y="634362"/>
+                    <a:pt x="2412429" y="724399"/>
+                  </a:cubicBezTo>
+                  <a:cubicBezTo>
+                    <a:pt x="2019160" y="902541"/>
+                    <a:pt x="1651969" y="1138775"/>
+                    <a:pt x="1329857" y="1424086"/>
+                  </a:cubicBezTo>
+                  <a:cubicBezTo>
+                    <a:pt x="1169326" y="1567192"/>
+                    <a:pt x="1020588" y="1723307"/>
+                    <a:pt x="887314" y="1891015"/>
+                  </a:cubicBezTo>
+                  <a:cubicBezTo>
+                    <a:pt x="753778" y="2058466"/>
+                    <a:pt x="635967" y="2238026"/>
+                    <a:pt x="537420" y="2427245"/>
+                  </a:cubicBezTo>
+                  <a:cubicBezTo>
+                    <a:pt x="438874" y="2616335"/>
+                    <a:pt x="356839" y="2814313"/>
+                    <a:pt x="299965" y="3020021"/>
+                  </a:cubicBezTo>
+                  <a:cubicBezTo>
+                    <a:pt x="242961" y="3225212"/>
+                    <a:pt x="213474" y="3438518"/>
+                    <a:pt x="213606" y="3651953"/>
+                  </a:cubicBezTo>
+                  <a:cubicBezTo>
+                    <a:pt x="214785" y="3756804"/>
+                    <a:pt x="225269" y="3860881"/>
+                    <a:pt x="250036" y="3961352"/>
+                  </a:cubicBezTo>
+                  <a:cubicBezTo>
+                    <a:pt x="274412" y="4061950"/>
+                    <a:pt x="312284" y="4158171"/>
+                    <a:pt x="357625" y="4250783"/>
+                  </a:cubicBezTo>
+                  <a:cubicBezTo>
+                    <a:pt x="380558" y="4297025"/>
+                    <a:pt x="405982" y="4342366"/>
+                    <a:pt x="432715" y="4387063"/>
+                  </a:cubicBezTo>
+                  <a:cubicBezTo>
+                    <a:pt x="459841" y="4431630"/>
+                    <a:pt x="488803" y="4475554"/>
+                    <a:pt x="518943" y="4518962"/>
+                  </a:cubicBezTo>
+                  <a:cubicBezTo>
+                    <a:pt x="580011" y="4605521"/>
+                    <a:pt x="647893" y="4689504"/>
+                    <a:pt x="718133" y="4773874"/>
+                  </a:cubicBezTo>
+                  <a:cubicBezTo>
+                    <a:pt x="788374" y="4858372"/>
+                    <a:pt x="861760" y="4942871"/>
+                    <a:pt x="933704" y="5030717"/>
+                  </a:cubicBezTo>
+                  <a:cubicBezTo>
+                    <a:pt x="969742" y="5074512"/>
+                    <a:pt x="1005387" y="5119337"/>
+                    <a:pt x="1040900" y="5164806"/>
+                  </a:cubicBezTo>
+                  <a:lnTo>
+                    <a:pt x="1092401" y="5230628"/>
+                  </a:lnTo>
+                  <a:cubicBezTo>
+                    <a:pt x="1109306" y="5251624"/>
+                    <a:pt x="1125425" y="5273135"/>
+                    <a:pt x="1142854" y="5293615"/>
+                  </a:cubicBezTo>
+                  <a:cubicBezTo>
+                    <a:pt x="1278880" y="5460293"/>
+                    <a:pt x="1426438" y="5613704"/>
+                    <a:pt x="1576354" y="5759128"/>
+                  </a:cubicBezTo>
+                  <a:cubicBezTo>
+                    <a:pt x="1651706" y="5831519"/>
+                    <a:pt x="1728368" y="5901461"/>
+                    <a:pt x="1806865" y="5968571"/>
+                  </a:cubicBezTo>
+                  <a:cubicBezTo>
+                    <a:pt x="1885362" y="6035680"/>
+                    <a:pt x="1965299" y="6100599"/>
+                    <a:pt x="2048253" y="6161654"/>
+                  </a:cubicBezTo>
+                  <a:cubicBezTo>
+                    <a:pt x="2213502" y="6284022"/>
+                    <a:pt x="2391724" y="6393380"/>
+                    <a:pt x="2587506" y="6467059"/>
+                  </a:cubicBezTo>
+                  <a:cubicBezTo>
+                    <a:pt x="2685137" y="6503898"/>
+                    <a:pt x="2786304" y="6532106"/>
+                    <a:pt x="2889176" y="6553360"/>
+                  </a:cubicBezTo>
+                  <a:lnTo>
+                    <a:pt x="2929698" y="6561326"/>
+                  </a:lnTo>
+                  <a:lnTo>
+                    <a:pt x="1816374" y="6561326"/>
+                  </a:lnTo>
+                  <a:lnTo>
+                    <a:pt x="1787601" y="6545761"/>
+                  </a:lnTo>
+                  <a:cubicBezTo>
+                    <a:pt x="1577272" y="6422749"/>
+                    <a:pt x="1389483" y="6266761"/>
+                    <a:pt x="1225544" y="6094158"/>
+                  </a:cubicBezTo>
+                  <a:cubicBezTo>
+                    <a:pt x="1143116" y="6007986"/>
+                    <a:pt x="1068158" y="5916274"/>
+                    <a:pt x="997654" y="5822374"/>
+                  </a:cubicBezTo>
+                  <a:cubicBezTo>
+                    <a:pt x="927546" y="5728086"/>
+                    <a:pt x="860842" y="5632381"/>
+                    <a:pt x="798596" y="5534615"/>
+                  </a:cubicBezTo>
+                  <a:cubicBezTo>
+                    <a:pt x="782608" y="5510399"/>
+                    <a:pt x="767537" y="5485797"/>
+                    <a:pt x="752075" y="5461324"/>
+                  </a:cubicBezTo>
+                  <a:lnTo>
+                    <a:pt x="707650" y="5390221"/>
+                  </a:lnTo>
+                  <a:cubicBezTo>
+                    <a:pt x="679213" y="5344237"/>
+                    <a:pt x="649728" y="5298638"/>
+                    <a:pt x="619980" y="5252396"/>
+                  </a:cubicBezTo>
+                  <a:lnTo>
+                    <a:pt x="438349" y="4970822"/>
+                  </a:lnTo>
+                  <a:cubicBezTo>
+                    <a:pt x="377413" y="4874860"/>
+                    <a:pt x="317263" y="4776064"/>
+                    <a:pt x="261044" y="4673145"/>
+                  </a:cubicBezTo>
+                  <a:cubicBezTo>
+                    <a:pt x="233000" y="4621622"/>
+                    <a:pt x="205874" y="4569197"/>
+                    <a:pt x="181107" y="4515356"/>
+                  </a:cubicBezTo>
+                  <a:cubicBezTo>
+                    <a:pt x="156470" y="4461385"/>
+                    <a:pt x="133537" y="4406385"/>
+                    <a:pt x="113224" y="4350223"/>
+                  </a:cubicBezTo>
+                  <a:cubicBezTo>
+                    <a:pt x="93305" y="4293934"/>
+                    <a:pt x="75614" y="4236872"/>
+                    <a:pt x="61199" y="4178908"/>
+                  </a:cubicBezTo>
+                  <a:cubicBezTo>
+                    <a:pt x="54385" y="4149927"/>
+                    <a:pt x="47440" y="4120815"/>
+                    <a:pt x="41804" y="4091577"/>
+                  </a:cubicBezTo>
+                  <a:lnTo>
+                    <a:pt x="33287" y="4047781"/>
+                  </a:lnTo>
+                  <a:lnTo>
+                    <a:pt x="26209" y="4003858"/>
+                  </a:lnTo>
+                  <a:cubicBezTo>
+                    <a:pt x="7732" y="3886643"/>
+                    <a:pt x="0" y="3768783"/>
+                    <a:pt x="0" y="3651953"/>
+                  </a:cubicBezTo>
+                  <a:cubicBezTo>
+                    <a:pt x="524" y="3422031"/>
+                    <a:pt x="25030" y="3192109"/>
+                    <a:pt x="72731" y="2966307"/>
+                  </a:cubicBezTo>
+                  <a:cubicBezTo>
+                    <a:pt x="120301" y="2740634"/>
+                    <a:pt x="193163" y="2519343"/>
+                    <a:pt x="291316" y="2309385"/>
+                  </a:cubicBezTo>
+                  <a:cubicBezTo>
+                    <a:pt x="488540" y="1889469"/>
+                    <a:pt x="774352" y="1513736"/>
+                    <a:pt x="1110878" y="1193776"/>
+                  </a:cubicBezTo>
+                  <a:cubicBezTo>
+                    <a:pt x="1279535" y="1033797"/>
+                    <a:pt x="1461821" y="887856"/>
+                    <a:pt x="1654327" y="756730"/>
+                  </a:cubicBezTo>
+                  <a:cubicBezTo>
+                    <a:pt x="1847096" y="625732"/>
+                    <a:pt x="2049956" y="509031"/>
+                    <a:pt x="2261727" y="409720"/>
+                  </a:cubicBezTo>
+                  <a:cubicBezTo>
+                    <a:pt x="2685792" y="212515"/>
+                    <a:pt x="3142357" y="82162"/>
+                    <a:pt x="3610060" y="27032"/>
+                  </a:cubicBezTo>
+                  <a:cubicBezTo>
+                    <a:pt x="3785399" y="6647"/>
+                    <a:pt x="3962657" y="-2144"/>
+                    <a:pt x="4139342" y="440"/>
+                  </a:cubicBezTo>
+                  <a:close/>
+                </a:path>
+              </a:pathLst>
+            </a:custGeom>
+            <a:gradFill>
+              <a:gsLst>
+                <a:gs pos="2000">
+                  <a:schemeClr val="bg1">
+                    <a:alpha val="10000"/>
+                  </a:schemeClr>
+                </a:gs>
+                <a:gs pos="16000">
+                  <a:schemeClr val="accent6">
+                    <a:alpha val="10000"/>
+                  </a:schemeClr>
+                </a:gs>
+                <a:gs pos="100000">
+                  <a:schemeClr val="bg1">
+                    <a:alpha val="10000"/>
+                  </a:schemeClr>
+                </a:gs>
+                <a:gs pos="85000">
+                  <a:schemeClr val="accent1">
+                    <a:alpha val="10000"/>
+                  </a:schemeClr>
+                </a:gs>
+              </a:gsLst>
+              <a:lin ang="12000000" scaled="0"/>
+            </a:gradFill>
+            <a:ln>
+              <a:noFill/>
+            </a:ln>
+          </p:spPr>
+          <p:style>
+            <a:lnRef idx="2">
+              <a:schemeClr val="accent1">
+                <a:shade val="50000"/>
+              </a:schemeClr>
+            </a:lnRef>
+            <a:fillRef idx="1">
+              <a:schemeClr val="accent1"/>
+            </a:fillRef>
+            <a:effectRef idx="0">
+              <a:schemeClr val="accent1"/>
+            </a:effectRef>
+            <a:fontRef idx="minor">
+              <a:schemeClr val="lt1"/>
+            </a:fontRef>
+          </p:style>
+          <p:txBody>
+            <a:bodyPr rtlCol="0" anchor="ctr"/>
+            <a:lstStyle/>
+            <a:p>
+              <a:pPr algn="ctr"/>
+              <a:endParaRPr lang="en-US"/>
+            </a:p>
+          </p:txBody>
+        </p:sp>
+        <p:sp>
+          <p:nvSpPr>
+            <p:cNvPr id="17" name="Freeform: Shape 16">
+              <a:extLst>
+                <a:ext uri="{FF2B5EF4-FFF2-40B4-BE49-F238E27FC236}">
+                  <a16:creationId xmlns:a16="http://schemas.microsoft.com/office/drawing/2014/main" id="{BC4A6C98-F96E-4587-B01F-A9B01BBFAD01}"/>
+                </a:ext>
+                <a:ext uri="{C183D7F6-B498-43B3-948B-1728B52AA6E4}">
+                  <adec:decorative xmlns:adec="http://schemas.microsoft.com/office/drawing/2017/decorative" val="1"/>
+                </a:ext>
+              </a:extLst>
+            </p:cNvPr>
+            <p:cNvSpPr/>
+            <p:nvPr>
+              <p:extLst>
+                <p:ext uri="{386F3935-93C4-4BCD-93E2-E3B085C9AB24}">
+                  <p16:designElem xmlns:p16="http://schemas.microsoft.com/office/powerpoint/2015/main" val="1"/>
+                </p:ext>
+              </p:extLst>
+            </p:nvPr>
+          </p:nvSpPr>
+          <p:spPr>
+            <a:xfrm>
+              <a:off x="5870322" y="353119"/>
+              <a:ext cx="6321679" cy="6521594"/>
+            </a:xfrm>
+            <a:custGeom>
+              <a:avLst/>
+              <a:gdLst>
+                <a:gd name="connsiteX0" fmla="*/ 4150102 w 6321679"/>
+                <a:gd name="connsiteY0" fmla="*/ 0 h 6521594"/>
+                <a:gd name="connsiteX1" fmla="*/ 6083891 w 6321679"/>
+                <a:gd name="connsiteY1" fmla="*/ 619943 h 6521594"/>
+                <a:gd name="connsiteX2" fmla="*/ 6321679 w 6321679"/>
+                <a:gd name="connsiteY2" fmla="*/ 822247 h 6521594"/>
+                <a:gd name="connsiteX3" fmla="*/ 6321679 w 6321679"/>
+                <a:gd name="connsiteY3" fmla="*/ 1866928 h 6521594"/>
+                <a:gd name="connsiteX4" fmla="*/ 6212358 w 6321679"/>
+                <a:gd name="connsiteY4" fmla="*/ 1689281 h 6521594"/>
+                <a:gd name="connsiteX5" fmla="*/ 6049880 w 6321679"/>
+                <a:gd name="connsiteY5" fmla="*/ 1477173 h 6521594"/>
+                <a:gd name="connsiteX6" fmla="*/ 5248663 w 6321679"/>
+                <a:gd name="connsiteY6" fmla="*/ 869327 h 6521594"/>
+                <a:gd name="connsiteX7" fmla="*/ 4150102 w 6321679"/>
+                <a:gd name="connsiteY7" fmla="*/ 644042 h 6521594"/>
+                <a:gd name="connsiteX8" fmla="*/ 2867946 w 6321679"/>
+                <a:gd name="connsiteY8" fmla="*/ 886459 h 6521594"/>
+                <a:gd name="connsiteX9" fmla="*/ 1728892 w 6321679"/>
+                <a:gd name="connsiteY9" fmla="*/ 1552397 h 6521594"/>
+                <a:gd name="connsiteX10" fmla="*/ 941043 w 6321679"/>
+                <a:gd name="connsiteY10" fmla="*/ 2512664 h 6521594"/>
+                <a:gd name="connsiteX11" fmla="*/ 655362 w 6321679"/>
+                <a:gd name="connsiteY11" fmla="*/ 3630204 h 6521594"/>
+                <a:gd name="connsiteX12" fmla="*/ 1128177 w 6321679"/>
+                <a:gd name="connsiteY12" fmla="*/ 4667883 h 6521594"/>
+                <a:gd name="connsiteX13" fmla="*/ 1366419 w 6321679"/>
+                <a:gd name="connsiteY13" fmla="*/ 4997246 h 6521594"/>
+                <a:gd name="connsiteX14" fmla="*/ 3601937 w 6321679"/>
+                <a:gd name="connsiteY14" fmla="*/ 6284685 h 6521594"/>
+                <a:gd name="connsiteX15" fmla="*/ 5298985 w 6321679"/>
+                <a:gd name="connsiteY15" fmla="*/ 5492643 h 6521594"/>
+                <a:gd name="connsiteX16" fmla="*/ 5505513 w 6321679"/>
+                <a:gd name="connsiteY16" fmla="*/ 5335367 h 6521594"/>
+                <a:gd name="connsiteX17" fmla="*/ 6252618 w 6321679"/>
+                <a:gd name="connsiteY17" fmla="*/ 4722492 h 6521594"/>
+                <a:gd name="connsiteX18" fmla="*/ 6321679 w 6321679"/>
+                <a:gd name="connsiteY18" fmla="*/ 4651477 h 6521594"/>
+                <a:gd name="connsiteX19" fmla="*/ 6321679 w 6321679"/>
+                <a:gd name="connsiteY19" fmla="*/ 5523097 h 6521594"/>
+                <a:gd name="connsiteX20" fmla="*/ 6024428 w 6321679"/>
+                <a:gd name="connsiteY20" fmla="*/ 5754969 h 6521594"/>
+                <a:gd name="connsiteX21" fmla="*/ 5702345 w 6321679"/>
+                <a:gd name="connsiteY21" fmla="*/ 6000018 h 6521594"/>
+                <a:gd name="connsiteX22" fmla="*/ 4988380 w 6321679"/>
+                <a:gd name="connsiteY22" fmla="*/ 6506549 h 6521594"/>
+                <a:gd name="connsiteX23" fmla="*/ 4961490 w 6321679"/>
+                <a:gd name="connsiteY23" fmla="*/ 6521594 h 6521594"/>
+                <a:gd name="connsiteX24" fmla="*/ 2011326 w 6321679"/>
+                <a:gd name="connsiteY24" fmla="*/ 6521594 h 6521594"/>
+                <a:gd name="connsiteX25" fmla="*/ 1982893 w 6321679"/>
+                <a:gd name="connsiteY25" fmla="*/ 6505768 h 6521594"/>
+                <a:gd name="connsiteX26" fmla="*/ 824149 w 6321679"/>
+                <a:gd name="connsiteY26" fmla="*/ 5358682 h 6521594"/>
+                <a:gd name="connsiteX27" fmla="*/ 0 w 6321679"/>
+                <a:gd name="connsiteY27" fmla="*/ 3630075 h 6521594"/>
+                <a:gd name="connsiteX28" fmla="*/ 4150102 w 6321679"/>
+                <a:gd name="connsiteY28" fmla="*/ 0 h 6521594"/>
+              </a:gdLst>
+              <a:ahLst/>
+              <a:cxnLst>
+                <a:cxn ang="0">
+                  <a:pos x="connsiteX0" y="connsiteY0"/>
+                </a:cxn>
+                <a:cxn ang="0">
+                  <a:pos x="connsiteX1" y="connsiteY1"/>
+                </a:cxn>
+                <a:cxn ang="0">
+                  <a:pos x="connsiteX2" y="connsiteY2"/>
+                </a:cxn>
+                <a:cxn ang="0">
+                  <a:pos x="connsiteX3" y="connsiteY3"/>
+                </a:cxn>
+                <a:cxn ang="0">
+                  <a:pos x="connsiteX4" y="connsiteY4"/>
+                </a:cxn>
+                <a:cxn ang="0">
+                  <a:pos x="connsiteX5" y="connsiteY5"/>
+                </a:cxn>
+                <a:cxn ang="0">
+                  <a:pos x="connsiteX6" y="connsiteY6"/>
+                </a:cxn>
+                <a:cxn ang="0">
+                  <a:pos x="connsiteX7" y="connsiteY7"/>
+                </a:cxn>
+                <a:cxn ang="0">
+                  <a:pos x="connsiteX8" y="connsiteY8"/>
+                </a:cxn>
+                <a:cxn ang="0">
+                  <a:pos x="connsiteX9" y="connsiteY9"/>
+                </a:cxn>
+                <a:cxn ang="0">
+                  <a:pos x="connsiteX10" y="connsiteY10"/>
+                </a:cxn>
+                <a:cxn ang="0">
+                  <a:pos x="connsiteX11" y="connsiteY11"/>
+                </a:cxn>
+                <a:cxn ang="0">
+                  <a:pos x="connsiteX12" y="connsiteY12"/>
+                </a:cxn>
+                <a:cxn ang="0">
+                  <a:pos x="connsiteX13" y="connsiteY13"/>
+                </a:cxn>
+                <a:cxn ang="0">
+                  <a:pos x="connsiteX14" y="connsiteY14"/>
+                </a:cxn>
+                <a:cxn ang="0">
+                  <a:pos x="connsiteX15" y="connsiteY15"/>
+                </a:cxn>
+                <a:cxn ang="0">
+                  <a:pos x="connsiteX16" y="connsiteY16"/>
+                </a:cxn>
+                <a:cxn ang="0">
+                  <a:pos x="connsiteX17" y="connsiteY17"/>
+                </a:cxn>
+                <a:cxn ang="0">
+                  <a:pos x="connsiteX18" y="connsiteY18"/>
+                </a:cxn>
+                <a:cxn ang="0">
+                  <a:pos x="connsiteX19" y="connsiteY19"/>
+                </a:cxn>
+                <a:cxn ang="0">
+                  <a:pos x="connsiteX20" y="connsiteY20"/>
+                </a:cxn>
+                <a:cxn ang="0">
+                  <a:pos x="connsiteX21" y="connsiteY21"/>
+                </a:cxn>
+                <a:cxn ang="0">
+                  <a:pos x="connsiteX22" y="connsiteY22"/>
+                </a:cxn>
+                <a:cxn ang="0">
+                  <a:pos x="connsiteX23" y="connsiteY23"/>
+                </a:cxn>
+                <a:cxn ang="0">
+                  <a:pos x="connsiteX24" y="connsiteY24"/>
+                </a:cxn>
+                <a:cxn ang="0">
+                  <a:pos x="connsiteX25" y="connsiteY25"/>
+                </a:cxn>
+                <a:cxn ang="0">
+                  <a:pos x="connsiteX26" y="connsiteY26"/>
+                </a:cxn>
+                <a:cxn ang="0">
+                  <a:pos x="connsiteX27" y="connsiteY27"/>
+                </a:cxn>
+                <a:cxn ang="0">
+                  <a:pos x="connsiteX28" y="connsiteY28"/>
+                </a:cxn>
+              </a:cxnLst>
+              <a:rect l="l" t="t" r="r" b="b"/>
+              <a:pathLst>
+                <a:path w="6321679" h="6521594">
+                  <a:moveTo>
+                    <a:pt x="4150102" y="0"/>
+                  </a:moveTo>
+                  <a:cubicBezTo>
+                    <a:pt x="4918148" y="0"/>
+                    <a:pt x="5569597" y="228540"/>
+                    <a:pt x="6083891" y="619943"/>
+                  </a:cubicBezTo>
+                  <a:lnTo>
+                    <a:pt x="6321679" y="822247"/>
+                  </a:lnTo>
+                  <a:lnTo>
+                    <a:pt x="6321679" y="1866928"/>
+                  </a:lnTo>
+                  <a:lnTo>
+                    <a:pt x="6212358" y="1689281"/>
+                  </a:lnTo>
+                  <a:cubicBezTo>
+                    <a:pt x="6161484" y="1615222"/>
+                    <a:pt x="6107295" y="1544427"/>
+                    <a:pt x="6049880" y="1477173"/>
+                  </a:cubicBezTo>
+                  <a:cubicBezTo>
+                    <a:pt x="5825135" y="1214018"/>
+                    <a:pt x="5555573" y="1009470"/>
+                    <a:pt x="5248663" y="869327"/>
+                  </a:cubicBezTo>
+                  <a:cubicBezTo>
+                    <a:pt x="4921178" y="719909"/>
+                    <a:pt x="4551627" y="644042"/>
+                    <a:pt x="4150102" y="644042"/>
+                  </a:cubicBezTo>
+                  <a:cubicBezTo>
+                    <a:pt x="3724203" y="644042"/>
+                    <a:pt x="3292799" y="725448"/>
+                    <a:pt x="2867946" y="886459"/>
+                  </a:cubicBezTo>
+                  <a:cubicBezTo>
+                    <a:pt x="2454234" y="1042832"/>
+                    <a:pt x="2060440" y="1273141"/>
+                    <a:pt x="1728892" y="1552397"/>
+                  </a:cubicBezTo>
+                  <a:cubicBezTo>
+                    <a:pt x="1391580" y="1836419"/>
+                    <a:pt x="1126473" y="2159600"/>
+                    <a:pt x="941043" y="2512664"/>
+                  </a:cubicBezTo>
+                  <a:cubicBezTo>
+                    <a:pt x="751551" y="2873583"/>
+                    <a:pt x="655362" y="3249575"/>
+                    <a:pt x="655362" y="3630204"/>
+                  </a:cubicBezTo>
+                  <a:cubicBezTo>
+                    <a:pt x="655362" y="4013537"/>
+                    <a:pt x="808817" y="4237405"/>
+                    <a:pt x="1128177" y="4667883"/>
+                  </a:cubicBezTo>
+                  <a:cubicBezTo>
+                    <a:pt x="1205232" y="4771702"/>
+                    <a:pt x="1284908" y="4879129"/>
+                    <a:pt x="1366419" y="4997246"/>
+                  </a:cubicBezTo>
+                  <a:cubicBezTo>
+                    <a:pt x="1989282" y="5899677"/>
+                    <a:pt x="2657880" y="6284685"/>
+                    <a:pt x="3601937" y="6284685"/>
+                  </a:cubicBezTo>
+                  <a:cubicBezTo>
+                    <a:pt x="4221523" y="6284685"/>
+                    <a:pt x="4676122" y="5971036"/>
+                    <a:pt x="5298985" y="5492643"/>
+                  </a:cubicBezTo>
+                  <a:cubicBezTo>
+                    <a:pt x="5368571" y="5439187"/>
+                    <a:pt x="5438156" y="5386375"/>
+                    <a:pt x="5505513" y="5335367"/>
+                  </a:cubicBezTo>
+                  <a:cubicBezTo>
+                    <a:pt x="5779335" y="5127761"/>
+                    <a:pt x="6041730" y="4928776"/>
+                    <a:pt x="6252618" y="4722492"/>
+                  </a:cubicBezTo>
+                  <a:lnTo>
+                    <a:pt x="6321679" y="4651477"/>
+                  </a:lnTo>
+                  <a:lnTo>
+                    <a:pt x="6321679" y="5523097"/>
+                  </a:lnTo>
+                  <a:lnTo>
+                    <a:pt x="6024428" y="5754969"/>
+                  </a:lnTo>
+                  <a:cubicBezTo>
+                    <a:pt x="5918395" y="5835747"/>
+                    <a:pt x="5810491" y="5916953"/>
+                    <a:pt x="5702345" y="6000018"/>
+                  </a:cubicBezTo>
+                  <a:cubicBezTo>
+                    <a:pt x="5466020" y="6181541"/>
+                    <a:pt x="5232938" y="6357503"/>
+                    <a:pt x="4988380" y="6506549"/>
+                  </a:cubicBezTo>
+                  <a:lnTo>
+                    <a:pt x="4961490" y="6521594"/>
+                  </a:lnTo>
+                  <a:lnTo>
+                    <a:pt x="2011326" y="6521594"/>
+                  </a:lnTo>
+                  <a:lnTo>
+                    <a:pt x="1982893" y="6505768"/>
+                  </a:lnTo>
+                  <a:cubicBezTo>
+                    <a:pt x="1531799" y="6233999"/>
+                    <a:pt x="1157400" y="5841520"/>
+                    <a:pt x="824149" y="5358682"/>
+                  </a:cubicBezTo>
+                  <a:cubicBezTo>
+                    <a:pt x="424196" y="4779302"/>
+                    <a:pt x="0" y="4381929"/>
+                    <a:pt x="0" y="3630075"/>
+                  </a:cubicBezTo>
+                  <a:cubicBezTo>
+                    <a:pt x="0" y="1625174"/>
+                    <a:pt x="2089794" y="0"/>
+                    <a:pt x="4150102" y="0"/>
+                  </a:cubicBezTo>
+                  <a:close/>
+                </a:path>
+              </a:pathLst>
+            </a:custGeom>
+            <a:gradFill>
+              <a:gsLst>
+                <a:gs pos="2000">
+                  <a:schemeClr val="bg1">
+                    <a:alpha val="10000"/>
+                  </a:schemeClr>
+                </a:gs>
+                <a:gs pos="16000">
+                  <a:schemeClr val="accent6">
+                    <a:alpha val="10000"/>
+                  </a:schemeClr>
+                </a:gs>
+                <a:gs pos="100000">
+                  <a:schemeClr val="bg1">
+                    <a:alpha val="10000"/>
+                  </a:schemeClr>
+                </a:gs>
+                <a:gs pos="85000">
+                  <a:schemeClr val="accent1">
+                    <a:alpha val="10000"/>
+                  </a:schemeClr>
+                </a:gs>
+              </a:gsLst>
+              <a:lin ang="12000000" scaled="0"/>
+            </a:gradFill>
+            <a:ln>
+              <a:noFill/>
+            </a:ln>
+          </p:spPr>
+          <p:style>
+            <a:lnRef idx="2">
+              <a:schemeClr val="accent1">
+                <a:shade val="50000"/>
+              </a:schemeClr>
+            </a:lnRef>
+            <a:fillRef idx="1">
+              <a:schemeClr val="accent1"/>
+            </a:fillRef>
+            <a:effectRef idx="0">
+              <a:schemeClr val="accent1"/>
+            </a:effectRef>
+            <a:fontRef idx="minor">
+              <a:schemeClr val="lt1"/>
+            </a:fontRef>
+          </p:style>
+          <p:txBody>
+            <a:bodyPr rtlCol="0" anchor="ctr"/>
+            <a:lstStyle/>
+            <a:p>
+              <a:pPr algn="ctr"/>
+              <a:endParaRPr lang="en-US"/>
+            </a:p>
+          </p:txBody>
+        </p:sp>
+        <p:sp>
+          <p:nvSpPr>
+            <p:cNvPr id="18" name="Freeform: Shape 17">
+              <a:extLst>
+                <a:ext uri="{FF2B5EF4-FFF2-40B4-BE49-F238E27FC236}">
+                  <a16:creationId xmlns:a16="http://schemas.microsoft.com/office/drawing/2014/main" id="{A66409EC-9CC3-482A-A4A5-54ED092B3F22}"/>
+                </a:ext>
+                <a:ext uri="{C183D7F6-B498-43B3-948B-1728B52AA6E4}">
+                  <adec:decorative xmlns:adec="http://schemas.microsoft.com/office/drawing/2017/decorative" val="1"/>
+                </a:ext>
+              </a:extLst>
+            </p:cNvPr>
+            <p:cNvSpPr/>
+            <p:nvPr>
+              <p:extLst>
+                <p:ext uri="{386F3935-93C4-4BCD-93E2-E3B085C9AB24}">
+                  <p16:designElem xmlns:p16="http://schemas.microsoft.com/office/powerpoint/2015/main" val="1"/>
+                </p:ext>
+              </p:extLst>
+            </p:nvPr>
+          </p:nvSpPr>
+          <p:spPr>
+            <a:xfrm>
+              <a:off x="5870322" y="353119"/>
+              <a:ext cx="6321679" cy="6521594"/>
+            </a:xfrm>
+            <a:custGeom>
+              <a:avLst/>
+              <a:gdLst>
+                <a:gd name="connsiteX0" fmla="*/ 4150102 w 6321679"/>
+                <a:gd name="connsiteY0" fmla="*/ 0 h 6521594"/>
+                <a:gd name="connsiteX1" fmla="*/ 6083891 w 6321679"/>
+                <a:gd name="connsiteY1" fmla="*/ 619943 h 6521594"/>
+                <a:gd name="connsiteX2" fmla="*/ 6321679 w 6321679"/>
+                <a:gd name="connsiteY2" fmla="*/ 822247 h 6521594"/>
+                <a:gd name="connsiteX3" fmla="*/ 6321679 w 6321679"/>
+                <a:gd name="connsiteY3" fmla="*/ 2150195 h 6521594"/>
+                <a:gd name="connsiteX4" fmla="*/ 6241288 w 6321679"/>
+                <a:gd name="connsiteY4" fmla="*/ 1985338 h 6521594"/>
+                <a:gd name="connsiteX5" fmla="*/ 5949367 w 6321679"/>
+                <a:gd name="connsiteY5" fmla="*/ 1559997 h 6521594"/>
+                <a:gd name="connsiteX6" fmla="*/ 5193362 w 6321679"/>
+                <a:gd name="connsiteY6" fmla="*/ 986156 h 6521594"/>
+                <a:gd name="connsiteX7" fmla="*/ 4150102 w 6321679"/>
+                <a:gd name="connsiteY7" fmla="*/ 772850 h 6521594"/>
+                <a:gd name="connsiteX8" fmla="*/ 2914861 w 6321679"/>
+                <a:gd name="connsiteY8" fmla="*/ 1006637 h 6521594"/>
+                <a:gd name="connsiteX9" fmla="*/ 1814073 w 6321679"/>
+                <a:gd name="connsiteY9" fmla="*/ 1650163 h 6521594"/>
+                <a:gd name="connsiteX10" fmla="*/ 1057412 w 6321679"/>
+                <a:gd name="connsiteY10" fmla="*/ 2571657 h 6521594"/>
+                <a:gd name="connsiteX11" fmla="*/ 786277 w 6321679"/>
+                <a:gd name="connsiteY11" fmla="*/ 3630204 h 6521594"/>
+                <a:gd name="connsiteX12" fmla="*/ 1233931 w 6321679"/>
+                <a:gd name="connsiteY12" fmla="*/ 4592016 h 6521594"/>
+                <a:gd name="connsiteX13" fmla="*/ 1474795 w 6321679"/>
+                <a:gd name="connsiteY13" fmla="*/ 4924985 h 6521594"/>
+                <a:gd name="connsiteX14" fmla="*/ 2393691 w 6321679"/>
+                <a:gd name="connsiteY14" fmla="*/ 5846995 h 6521594"/>
+                <a:gd name="connsiteX15" fmla="*/ 3601805 w 6321679"/>
+                <a:gd name="connsiteY15" fmla="*/ 6155876 h 6521594"/>
+                <a:gd name="connsiteX16" fmla="*/ 4378909 w 6321679"/>
+                <a:gd name="connsiteY16" fmla="*/ 5959186 h 6521594"/>
+                <a:gd name="connsiteX17" fmla="*/ 5218129 w 6321679"/>
+                <a:gd name="connsiteY17" fmla="*/ 5391271 h 6521594"/>
+                <a:gd name="connsiteX18" fmla="*/ 5425313 w 6321679"/>
+                <a:gd name="connsiteY18" fmla="*/ 5233481 h 6521594"/>
+                <a:gd name="connsiteX19" fmla="*/ 6254366 w 6321679"/>
+                <a:gd name="connsiteY19" fmla="*/ 4534301 h 6521594"/>
+                <a:gd name="connsiteX20" fmla="*/ 6321679 w 6321679"/>
+                <a:gd name="connsiteY20" fmla="*/ 4456641 h 6521594"/>
+                <a:gd name="connsiteX21" fmla="*/ 6321679 w 6321679"/>
+                <a:gd name="connsiteY21" fmla="*/ 5523097 h 6521594"/>
+                <a:gd name="connsiteX22" fmla="*/ 6024428 w 6321679"/>
+                <a:gd name="connsiteY22" fmla="*/ 5754969 h 6521594"/>
+                <a:gd name="connsiteX23" fmla="*/ 5702345 w 6321679"/>
+                <a:gd name="connsiteY23" fmla="*/ 6000018 h 6521594"/>
+                <a:gd name="connsiteX24" fmla="*/ 4988380 w 6321679"/>
+                <a:gd name="connsiteY24" fmla="*/ 6506549 h 6521594"/>
+                <a:gd name="connsiteX25" fmla="*/ 4961490 w 6321679"/>
+                <a:gd name="connsiteY25" fmla="*/ 6521594 h 6521594"/>
+                <a:gd name="connsiteX26" fmla="*/ 2011326 w 6321679"/>
+                <a:gd name="connsiteY26" fmla="*/ 6521594 h 6521594"/>
+                <a:gd name="connsiteX27" fmla="*/ 1982893 w 6321679"/>
+                <a:gd name="connsiteY27" fmla="*/ 6505768 h 6521594"/>
+                <a:gd name="connsiteX28" fmla="*/ 824149 w 6321679"/>
+                <a:gd name="connsiteY28" fmla="*/ 5358682 h 6521594"/>
+                <a:gd name="connsiteX29" fmla="*/ 0 w 6321679"/>
+                <a:gd name="connsiteY29" fmla="*/ 3630075 h 6521594"/>
+                <a:gd name="connsiteX30" fmla="*/ 4150102 w 6321679"/>
+                <a:gd name="connsiteY30" fmla="*/ 0 h 6521594"/>
+              </a:gdLst>
+              <a:ahLst/>
+              <a:cxnLst>
+                <a:cxn ang="0">
+                  <a:pos x="connsiteX0" y="connsiteY0"/>
+                </a:cxn>
+                <a:cxn ang="0">
+                  <a:pos x="connsiteX1" y="connsiteY1"/>
+                </a:cxn>
+                <a:cxn ang="0">
+                  <a:pos x="connsiteX2" y="connsiteY2"/>
+                </a:cxn>
+                <a:cxn ang="0">
+                  <a:pos x="connsiteX3" y="connsiteY3"/>
+                </a:cxn>
+                <a:cxn ang="0">
+                  <a:pos x="connsiteX4" y="connsiteY4"/>
+                </a:cxn>
+                <a:cxn ang="0">
+                  <a:pos x="connsiteX5" y="connsiteY5"/>
+                </a:cxn>
+                <a:cxn ang="0">
+                  <a:pos x="connsiteX6" y="connsiteY6"/>
+                </a:cxn>
+                <a:cxn ang="0">
+                  <a:pos x="connsiteX7" y="connsiteY7"/>
+                </a:cxn>
+                <a:cxn ang="0">
+                  <a:pos x="connsiteX8" y="connsiteY8"/>
+                </a:cxn>
+                <a:cxn ang="0">
+                  <a:pos x="connsiteX9" y="connsiteY9"/>
+                </a:cxn>
+                <a:cxn ang="0">
+                  <a:pos x="connsiteX10" y="connsiteY10"/>
+                </a:cxn>
+                <a:cxn ang="0">
+                  <a:pos x="connsiteX11" y="connsiteY11"/>
+                </a:cxn>
+                <a:cxn ang="0">
+                  <a:pos x="connsiteX12" y="connsiteY12"/>
+                </a:cxn>
+                <a:cxn ang="0">
+                  <a:pos x="connsiteX13" y="connsiteY13"/>
+                </a:cxn>
+                <a:cxn ang="0">
+                  <a:pos x="connsiteX14" y="connsiteY14"/>
+                </a:cxn>
+                <a:cxn ang="0">
+                  <a:pos x="connsiteX15" y="connsiteY15"/>
+                </a:cxn>
+                <a:cxn ang="0">
+                  <a:pos x="connsiteX16" y="connsiteY16"/>
+                </a:cxn>
+                <a:cxn ang="0">
+                  <a:pos x="connsiteX17" y="connsiteY17"/>
+                </a:cxn>
+                <a:cxn ang="0">
+                  <a:pos x="connsiteX18" y="connsiteY18"/>
+                </a:cxn>
+                <a:cxn ang="0">
+                  <a:pos x="connsiteX19" y="connsiteY19"/>
+                </a:cxn>
+                <a:cxn ang="0">
+                  <a:pos x="connsiteX20" y="connsiteY20"/>
+                </a:cxn>
+                <a:cxn ang="0">
+                  <a:pos x="connsiteX21" y="connsiteY21"/>
+                </a:cxn>
+                <a:cxn ang="0">
+                  <a:pos x="connsiteX22" y="connsiteY22"/>
+                </a:cxn>
+                <a:cxn ang="0">
+                  <a:pos x="connsiteX23" y="connsiteY23"/>
+                </a:cxn>
+                <a:cxn ang="0">
+                  <a:pos x="connsiteX24" y="connsiteY24"/>
+                </a:cxn>
+                <a:cxn ang="0">
+                  <a:pos x="connsiteX25" y="connsiteY25"/>
+                </a:cxn>
+                <a:cxn ang="0">
+                  <a:pos x="connsiteX26" y="connsiteY26"/>
+                </a:cxn>
+                <a:cxn ang="0">
+                  <a:pos x="connsiteX27" y="connsiteY27"/>
+                </a:cxn>
+                <a:cxn ang="0">
+                  <a:pos x="connsiteX28" y="connsiteY28"/>
+                </a:cxn>
+                <a:cxn ang="0">
+                  <a:pos x="connsiteX29" y="connsiteY29"/>
+                </a:cxn>
+                <a:cxn ang="0">
+                  <a:pos x="connsiteX30" y="connsiteY30"/>
+                </a:cxn>
+              </a:cxnLst>
+              <a:rect l="l" t="t" r="r" b="b"/>
+              <a:pathLst>
+                <a:path w="6321679" h="6521594">
+                  <a:moveTo>
+                    <a:pt x="4150102" y="0"/>
+                  </a:moveTo>
+                  <a:cubicBezTo>
+                    <a:pt x="4918148" y="0"/>
+                    <a:pt x="5569597" y="228540"/>
+                    <a:pt x="6083891" y="619943"/>
+                  </a:cubicBezTo>
+                  <a:lnTo>
+                    <a:pt x="6321679" y="822247"/>
+                  </a:lnTo>
+                  <a:lnTo>
+                    <a:pt x="6321679" y="2150195"/>
+                  </a:lnTo>
+                  <a:lnTo>
+                    <a:pt x="6241288" y="1985338"/>
+                  </a:lnTo>
+                  <a:cubicBezTo>
+                    <a:pt x="6156788" y="1831195"/>
+                    <a:pt x="6059249" y="1688709"/>
+                    <a:pt x="5949367" y="1559997"/>
+                  </a:cubicBezTo>
+                  <a:cubicBezTo>
+                    <a:pt x="5737073" y="1311397"/>
+                    <a:pt x="5482843" y="1118314"/>
+                    <a:pt x="5193362" y="986156"/>
+                  </a:cubicBezTo>
+                  <a:cubicBezTo>
+                    <a:pt x="4883437" y="844596"/>
+                    <a:pt x="4532365" y="772850"/>
+                    <a:pt x="4150102" y="772850"/>
+                  </a:cubicBezTo>
+                  <a:cubicBezTo>
+                    <a:pt x="3746218" y="772850"/>
+                    <a:pt x="3319008" y="853613"/>
+                    <a:pt x="2914861" y="1006637"/>
+                  </a:cubicBezTo>
+                  <a:cubicBezTo>
+                    <a:pt x="2515039" y="1157857"/>
+                    <a:pt x="2134350" y="1380438"/>
+                    <a:pt x="1814073" y="1650163"/>
+                  </a:cubicBezTo>
+                  <a:cubicBezTo>
+                    <a:pt x="1494190" y="1919502"/>
+                    <a:pt x="1232622" y="2238173"/>
+                    <a:pt x="1057412" y="2571657"/>
+                  </a:cubicBezTo>
+                  <a:cubicBezTo>
+                    <a:pt x="877486" y="2914158"/>
+                    <a:pt x="786277" y="3270313"/>
+                    <a:pt x="786277" y="3630204"/>
+                  </a:cubicBezTo>
+                  <a:cubicBezTo>
+                    <a:pt x="786277" y="3974121"/>
+                    <a:pt x="923483" y="4173646"/>
+                    <a:pt x="1233931" y="4592016"/>
+                  </a:cubicBezTo>
+                  <a:cubicBezTo>
+                    <a:pt x="1311641" y="4696736"/>
+                    <a:pt x="1391972" y="4805064"/>
+                    <a:pt x="1474795" y="4924985"/>
+                  </a:cubicBezTo>
+                  <a:cubicBezTo>
+                    <a:pt x="1767682" y="5349278"/>
+                    <a:pt x="2068172" y="5650948"/>
+                    <a:pt x="2393691" y="5846995"/>
+                  </a:cubicBezTo>
+                  <a:cubicBezTo>
+                    <a:pt x="2738735" y="6054891"/>
+                    <a:pt x="3133971" y="6155876"/>
+                    <a:pt x="3601805" y="6155876"/>
+                  </a:cubicBezTo>
+                  <a:cubicBezTo>
+                    <a:pt x="3867305" y="6155876"/>
+                    <a:pt x="4114196" y="6093405"/>
+                    <a:pt x="4378909" y="5959186"/>
+                  </a:cubicBezTo>
+                  <a:cubicBezTo>
+                    <a:pt x="4650699" y="5821362"/>
+                    <a:pt x="4919737" y="5620421"/>
+                    <a:pt x="5218129" y="5391271"/>
+                  </a:cubicBezTo>
+                  <a:cubicBezTo>
+                    <a:pt x="5288107" y="5337558"/>
+                    <a:pt x="5357824" y="5284617"/>
+                    <a:pt x="5425313" y="5233481"/>
+                  </a:cubicBezTo>
+                  <a:cubicBezTo>
+                    <a:pt x="5739037" y="4995556"/>
+                    <a:pt x="6037512" y="4769168"/>
+                    <a:pt x="6254366" y="4534301"/>
+                  </a:cubicBezTo>
+                  <a:lnTo>
+                    <a:pt x="6321679" y="4456641"/>
+                  </a:lnTo>
+                  <a:lnTo>
+                    <a:pt x="6321679" y="5523097"/>
+                  </a:lnTo>
+                  <a:lnTo>
+                    <a:pt x="6024428" y="5754969"/>
+                  </a:lnTo>
+                  <a:cubicBezTo>
+                    <a:pt x="5918395" y="5835747"/>
+                    <a:pt x="5810491" y="5916953"/>
+                    <a:pt x="5702345" y="6000018"/>
+                  </a:cubicBezTo>
+                  <a:cubicBezTo>
+                    <a:pt x="5466020" y="6181541"/>
+                    <a:pt x="5232938" y="6357503"/>
+                    <a:pt x="4988380" y="6506549"/>
+                  </a:cubicBezTo>
+                  <a:lnTo>
+                    <a:pt x="4961490" y="6521594"/>
+                  </a:lnTo>
+                  <a:lnTo>
+                    <a:pt x="2011326" y="6521594"/>
+                  </a:lnTo>
+                  <a:lnTo>
+                    <a:pt x="1982893" y="6505768"/>
+                  </a:lnTo>
+                  <a:cubicBezTo>
+                    <a:pt x="1531799" y="6233999"/>
+                    <a:pt x="1157400" y="5841520"/>
+                    <a:pt x="824149" y="5358682"/>
+                  </a:cubicBezTo>
+                  <a:cubicBezTo>
+                    <a:pt x="424196" y="4779302"/>
+                    <a:pt x="0" y="4381929"/>
+                    <a:pt x="0" y="3630075"/>
+                  </a:cubicBezTo>
+                  <a:cubicBezTo>
+                    <a:pt x="0" y="1625174"/>
+                    <a:pt x="2089794" y="0"/>
+                    <a:pt x="4150102" y="0"/>
+                  </a:cubicBezTo>
+                  <a:close/>
+                </a:path>
+              </a:pathLst>
+            </a:custGeom>
+            <a:gradFill>
+              <a:gsLst>
+                <a:gs pos="2000">
+                  <a:schemeClr val="bg1">
+                    <a:alpha val="10000"/>
+                  </a:schemeClr>
+                </a:gs>
+                <a:gs pos="16000">
+                  <a:schemeClr val="accent6">
+                    <a:alpha val="10000"/>
+                  </a:schemeClr>
+                </a:gs>
+                <a:gs pos="100000">
+                  <a:schemeClr val="bg1">
+                    <a:alpha val="10000"/>
+                  </a:schemeClr>
+                </a:gs>
+                <a:gs pos="85000">
+                  <a:schemeClr val="accent1">
+                    <a:alpha val="10000"/>
+                  </a:schemeClr>
+                </a:gs>
+              </a:gsLst>
+              <a:lin ang="12000000" scaled="0"/>
+            </a:gradFill>
+            <a:ln>
+              <a:noFill/>
+            </a:ln>
+          </p:spPr>
+          <p:style>
+            <a:lnRef idx="2">
+              <a:schemeClr val="accent1">
+                <a:shade val="50000"/>
+              </a:schemeClr>
+            </a:lnRef>
+            <a:fillRef idx="1">
+              <a:schemeClr val="accent1"/>
+            </a:fillRef>
+            <a:effectRef idx="0">
+              <a:schemeClr val="accent1"/>
+            </a:effectRef>
+            <a:fontRef idx="minor">
+              <a:schemeClr val="lt1"/>
+            </a:fontRef>
+          </p:style>
+          <p:txBody>
+            <a:bodyPr rtlCol="0" anchor="ctr"/>
+            <a:lstStyle/>
+            <a:p>
+              <a:pPr algn="ctr"/>
+              <a:endParaRPr lang="en-US"/>
+            </a:p>
+          </p:txBody>
+        </p:sp>
+      </p:grpSp>
       <p:pic>
         <p:nvPicPr>
-          <p:cNvPr id="4" name="rattle_snake">
+          <p:cNvPr id="5" name="rattle_snake">
             <a:hlinkClick r:id="" action="ppaction://media"/>
             <a:extLst>
               <a:ext uri="{FF2B5EF4-FFF2-40B4-BE49-F238E27FC236}">
-                <a16:creationId xmlns:a16="http://schemas.microsoft.com/office/drawing/2014/main" id="{41620BC8-428E-75A6-222D-B94DD1E731CB}"/>
+                <a16:creationId xmlns:a16="http://schemas.microsoft.com/office/drawing/2014/main" id="{ACDAB1CE-3E9D-A9A2-9E75-5606260A161B}"/>
               </a:ext>
             </a:extLst>
           </p:cNvPr>
           <p:cNvPicPr>
-            <a:picLocks noGrp="1" noChangeAspect="1"/>
+            <a:picLocks noChangeAspect="1"/>
           </p:cNvPicPr>
           <p:nvPr>
-            <p:ph idx="1"/>
             <a:videoFile r:link="rId2"/>
             <p:extLst>
               <p:ext uri="{DAA4B4D4-6D71-4841-9C94-3DE7FCFB9230}">
@@ -12260,339 +17749,18 @@
         </p:blipFill>
         <p:spPr>
           <a:xfrm>
-            <a:off x="6213817" y="1253331"/>
-            <a:ext cx="5438775" cy="4351338"/>
-          </a:xfrm>
-        </p:spPr>
-      </p:pic>
-      <p:sp>
-        <p:nvSpPr>
-          <p:cNvPr id="7" name="Rectangle 2">
-            <a:extLst>
-              <a:ext uri="{FF2B5EF4-FFF2-40B4-BE49-F238E27FC236}">
-                <a16:creationId xmlns:a16="http://schemas.microsoft.com/office/drawing/2014/main" id="{7232A6A2-16BB-8053-C531-3D1DAC9E0FD8}"/>
-              </a:ext>
-            </a:extLst>
-          </p:cNvPr>
-          <p:cNvSpPr>
-            <a:spLocks noChangeArrowheads="1"/>
-          </p:cNvSpPr>
-          <p:nvPr/>
-        </p:nvSpPr>
-        <p:spPr bwMode="auto">
-          <a:xfrm>
-            <a:off x="153823" y="2257008"/>
-            <a:ext cx="6494085" cy="1754326"/>
+            <a:off x="7708392" y="2233880"/>
+            <a:ext cx="4142232" cy="3313784"/>
           </a:xfrm>
           <a:prstGeom prst="rect">
             <a:avLst/>
           </a:prstGeom>
-          <a:solidFill>
-            <a:srgbClr val="2B2B2B"/>
-          </a:solidFill>
-          <a:ln>
-            <a:noFill/>
-          </a:ln>
-          <a:effectLst/>
-          <a:extLst>
-            <a:ext uri="{91240B29-F687-4F45-9708-019B960494DF}">
-              <a14:hiddenLine xmlns:a14="http://schemas.microsoft.com/office/drawing/2010/main" w="9525">
-                <a:solidFill>
-                  <a:schemeClr val="tx1"/>
-                </a:solidFill>
-                <a:miter lim="800000"/>
-                <a:headEnd/>
-                <a:tailEnd/>
-              </a14:hiddenLine>
-            </a:ext>
-            <a:ext uri="{AF507438-7753-43E0-B8FC-AC1667EBCBE1}">
-              <a14:hiddenEffects xmlns:a14="http://schemas.microsoft.com/office/drawing/2010/main">
-                <a:effectLst>
-                  <a:outerShdw dist="35921" dir="2700000" algn="ctr" rotWithShape="0">
-                    <a:schemeClr val="bg2"/>
-                  </a:outerShdw>
-                </a:effectLst>
-              </a14:hiddenEffects>
-            </a:ext>
-          </a:extLst>
         </p:spPr>
-        <p:txBody>
-          <a:bodyPr vert="horz" wrap="none" lIns="91440" tIns="45720" rIns="91440" bIns="45720" numCol="1" anchor="ctr" anchorCtr="0" compatLnSpc="1">
-            <a:prstTxWarp prst="textNoShape">
-              <a:avLst/>
-            </a:prstTxWarp>
-            <a:spAutoFit/>
-          </a:bodyPr>
-          <a:lstStyle/>
-          <a:p>
-            <a:pPr marL="0" marR="0" lvl="0" indent="0" algn="l" defTabSz="914400" rtl="0" eaLnBrk="0" fontAlgn="base" latinLnBrk="0" hangingPunct="0">
-              <a:lnSpc>
-                <a:spcPct val="100000"/>
-              </a:lnSpc>
-              <a:spcBef>
-                <a:spcPct val="0"/>
-              </a:spcBef>
-              <a:spcAft>
-                <a:spcPct val="0"/>
-              </a:spcAft>
-              <a:buClrTx/>
-              <a:buSzTx/>
-              <a:buFontTx/>
-              <a:buNone/>
-              <a:tabLst/>
-            </a:pPr>
-            <a:r>
-              <a:rPr kumimoji="0" lang="en-US" altLang="en-US" sz="1200" b="0" i="0" u="none" strike="noStrike" cap="none" normalizeH="0" baseline="0" dirty="0">
-                <a:ln>
-                  <a:noFill/>
-                </a:ln>
-                <a:solidFill>
-                  <a:srgbClr val="6A8759"/>
-                </a:solidFill>
-                <a:effectLst/>
-                <a:latin typeface="Arial Unicode MS"/>
-                <a:ea typeface="JetBrains Mono"/>
-              </a:rPr>
-              <a:t>assumptions: A rattle snake lifts its body when it is going forward</a:t>
-            </a:r>
-            <a:br>
-              <a:rPr kumimoji="0" lang="en-US" altLang="en-US" sz="1200" b="0" i="0" u="none" strike="noStrike" cap="none" normalizeH="0" baseline="0" dirty="0">
-                <a:ln>
-                  <a:noFill/>
-                </a:ln>
-                <a:solidFill>
-                  <a:srgbClr val="6A8759"/>
-                </a:solidFill>
-                <a:effectLst/>
-                <a:latin typeface="Arial Unicode MS"/>
-                <a:ea typeface="JetBrains Mono"/>
-              </a:rPr>
-            </a:br>
-            <a:r>
-              <a:rPr kumimoji="0" lang="en-US" altLang="en-US" sz="1200" b="0" i="0" u="none" strike="noStrike" cap="none" normalizeH="0" baseline="0" dirty="0">
-                <a:ln>
-                  <a:noFill/>
-                </a:ln>
-                <a:solidFill>
-                  <a:srgbClr val="6A8759"/>
-                </a:solidFill>
-                <a:effectLst/>
-                <a:latin typeface="Arial Unicode MS"/>
-                <a:ea typeface="JetBrains Mono"/>
-              </a:rPr>
-              <a:t>Therefore, the forward kinetic friction must be significantly lower</a:t>
-            </a:r>
-            <a:br>
-              <a:rPr kumimoji="0" lang="en-US" altLang="en-US" sz="1200" b="0" i="0" u="none" strike="noStrike" cap="none" normalizeH="0" baseline="0" dirty="0">
-                <a:ln>
-                  <a:noFill/>
-                </a:ln>
-                <a:solidFill>
-                  <a:srgbClr val="6A8759"/>
-                </a:solidFill>
-                <a:effectLst/>
-                <a:latin typeface="Arial Unicode MS"/>
-                <a:ea typeface="JetBrains Mono"/>
-              </a:rPr>
-            </a:br>
-            <a:r>
-              <a:rPr kumimoji="0" lang="en-US" altLang="en-US" sz="1200" b="0" i="0" u="none" strike="noStrike" cap="none" normalizeH="0" baseline="0" dirty="0">
-                <a:ln>
-                  <a:noFill/>
-                </a:ln>
-                <a:solidFill>
-                  <a:srgbClr val="6A8759"/>
-                </a:solidFill>
-                <a:effectLst/>
-                <a:latin typeface="Arial Unicode MS"/>
-                <a:ea typeface="JetBrains Mono"/>
-              </a:rPr>
-              <a:t>Also, A rattle snake must have optimized its muscle so that the period of muscular activities</a:t>
-            </a:r>
-            <a:br>
-              <a:rPr kumimoji="0" lang="en-US" altLang="en-US" sz="1200" b="0" i="0" u="none" strike="noStrike" cap="none" normalizeH="0" baseline="0" dirty="0">
-                <a:ln>
-                  <a:noFill/>
-                </a:ln>
-                <a:solidFill>
-                  <a:srgbClr val="6A8759"/>
-                </a:solidFill>
-                <a:effectLst/>
-                <a:latin typeface="Arial Unicode MS"/>
-                <a:ea typeface="JetBrains Mono"/>
-              </a:rPr>
-            </a:br>
-            <a:r>
-              <a:rPr kumimoji="0" lang="en-US" altLang="en-US" sz="1200" b="0" i="0" u="none" strike="noStrike" cap="none" normalizeH="0" baseline="0" dirty="0">
-                <a:ln>
-                  <a:noFill/>
-                </a:ln>
-                <a:solidFill>
-                  <a:srgbClr val="6A8759"/>
-                </a:solidFill>
-                <a:effectLst/>
-                <a:latin typeface="Arial Unicode MS"/>
-                <a:ea typeface="JetBrains Mono"/>
-              </a:rPr>
-              <a:t>are perfect optimal for their crawling speed within reasonable range.</a:t>
-            </a:r>
-            <a:br>
-              <a:rPr kumimoji="0" lang="en-US" altLang="en-US" sz="1200" b="0" i="0" u="none" strike="noStrike" cap="none" normalizeH="0" baseline="0" dirty="0">
-                <a:ln>
-                  <a:noFill/>
-                </a:ln>
-                <a:solidFill>
-                  <a:srgbClr val="6A8759"/>
-                </a:solidFill>
-                <a:effectLst/>
-                <a:latin typeface="Arial Unicode MS"/>
-                <a:ea typeface="JetBrains Mono"/>
-              </a:rPr>
-            </a:br>
-            <a:r>
-              <a:rPr kumimoji="0" lang="en-US" altLang="en-US" sz="1200" b="0" i="0" u="none" strike="noStrike" cap="none" normalizeH="0" baseline="0" dirty="0">
-                <a:ln>
-                  <a:noFill/>
-                </a:ln>
-                <a:solidFill>
-                  <a:srgbClr val="6A8759"/>
-                </a:solidFill>
-                <a:effectLst/>
-                <a:latin typeface="Arial Unicode MS"/>
-                <a:ea typeface="JetBrains Mono"/>
-              </a:rPr>
-              <a:t>Assume the forward kinetic friction is 1/4 of original</a:t>
-            </a:r>
-            <a:br>
-              <a:rPr kumimoji="0" lang="en-US" altLang="en-US" sz="1200" b="0" i="0" u="none" strike="noStrike" cap="none" normalizeH="0" baseline="0" dirty="0">
-                <a:ln>
-                  <a:noFill/>
-                </a:ln>
-                <a:solidFill>
-                  <a:srgbClr val="6A8759"/>
-                </a:solidFill>
-                <a:effectLst/>
-                <a:latin typeface="Arial Unicode MS"/>
-                <a:ea typeface="JetBrains Mono"/>
-              </a:rPr>
-            </a:br>
-            <a:r>
-              <a:rPr kumimoji="0" lang="en-US" altLang="en-US" sz="1200" b="0" i="0" u="none" strike="noStrike" cap="none" normalizeH="0" baseline="0" dirty="0">
-                <a:ln>
-                  <a:noFill/>
-                </a:ln>
-                <a:solidFill>
-                  <a:srgbClr val="6A8759"/>
-                </a:solidFill>
-                <a:effectLst/>
-                <a:latin typeface="Arial Unicode MS"/>
-                <a:ea typeface="JetBrains Mono"/>
-              </a:rPr>
-              <a:t>Assume the muscle over the whole body contracts with a period at least 0.25s.</a:t>
-            </a:r>
-          </a:p>
-          <a:p>
-            <a:pPr marL="0" marR="0" lvl="0" indent="0" algn="l" defTabSz="914400" rtl="0" eaLnBrk="0" fontAlgn="base" latinLnBrk="0" hangingPunct="0">
-              <a:lnSpc>
-                <a:spcPct val="100000"/>
-              </a:lnSpc>
-              <a:spcBef>
-                <a:spcPct val="0"/>
-              </a:spcBef>
-              <a:spcAft>
-                <a:spcPct val="0"/>
-              </a:spcAft>
-              <a:buClrTx/>
-              <a:buSzTx/>
-              <a:buFontTx/>
-              <a:buNone/>
-              <a:tabLst/>
-            </a:pPr>
-            <a:endParaRPr kumimoji="0" lang="en-US" altLang="en-US" sz="1200" b="0" i="0" u="none" strike="noStrike" cap="none" normalizeH="0" baseline="0" dirty="0">
-              <a:ln>
-                <a:noFill/>
-              </a:ln>
-              <a:solidFill>
-                <a:srgbClr val="6A8759"/>
-              </a:solidFill>
-              <a:effectLst/>
-              <a:latin typeface="Arial Unicode MS"/>
-            </a:endParaRPr>
-          </a:p>
-          <a:p>
-            <a:pPr marL="0" marR="0" lvl="0" indent="0" algn="l" defTabSz="914400" rtl="0" eaLnBrk="0" fontAlgn="base" latinLnBrk="0" hangingPunct="0">
-              <a:lnSpc>
-                <a:spcPct val="100000"/>
-              </a:lnSpc>
-              <a:spcBef>
-                <a:spcPct val="0"/>
-              </a:spcBef>
-              <a:spcAft>
-                <a:spcPct val="0"/>
-              </a:spcAft>
-              <a:buClrTx/>
-              <a:buSzTx/>
-              <a:buFontTx/>
-              <a:buNone/>
-              <a:tabLst/>
-            </a:pPr>
-            <a:r>
-              <a:rPr lang="en-US" altLang="en-US" sz="1200" dirty="0">
-                <a:solidFill>
-                  <a:srgbClr val="6A8759"/>
-                </a:solidFill>
-                <a:latin typeface="Arial Unicode MS"/>
-              </a:rPr>
-              <a:t>In this case, forward kinetic friction is attenuated but it is still present, so slithering is optimum</a:t>
-            </a:r>
-          </a:p>
-          <a:p>
-            <a:pPr marL="0" marR="0" lvl="0" indent="0" algn="l" defTabSz="914400" rtl="0" eaLnBrk="0" fontAlgn="base" latinLnBrk="0" hangingPunct="0">
-              <a:lnSpc>
-                <a:spcPct val="100000"/>
-              </a:lnSpc>
-              <a:spcBef>
-                <a:spcPct val="0"/>
-              </a:spcBef>
-              <a:spcAft>
-                <a:spcPct val="0"/>
-              </a:spcAft>
-              <a:buClrTx/>
-              <a:buSzTx/>
-              <a:buFontTx/>
-              <a:buNone/>
-              <a:tabLst/>
-            </a:pPr>
-            <a:r>
-              <a:rPr kumimoji="0" lang="en-US" altLang="en-US" sz="1200" b="0" i="0" u="none" strike="noStrike" cap="none" normalizeH="0" baseline="0" dirty="0">
-                <a:ln>
-                  <a:noFill/>
-                </a:ln>
-                <a:solidFill>
-                  <a:srgbClr val="6A8759"/>
-                </a:solidFill>
-                <a:effectLst/>
-                <a:latin typeface="Arial Unicode MS"/>
-              </a:rPr>
-              <a:t>for the snake.</a:t>
-            </a:r>
-            <a:endParaRPr kumimoji="0" lang="en-US" altLang="en-US" sz="1800" b="0" i="0" u="none" strike="noStrike" cap="none" normalizeH="0" baseline="0" dirty="0">
-              <a:ln>
-                <a:noFill/>
-              </a:ln>
-              <a:solidFill>
-                <a:schemeClr val="tx1"/>
-              </a:solidFill>
-              <a:effectLst/>
-              <a:latin typeface="Arial" panose="020B0604020202020204" pitchFamily="34" charset="0"/>
-            </a:endParaRPr>
-          </a:p>
-        </p:txBody>
-      </p:sp>
+      </p:pic>
     </p:spTree>
     <p:extLst>
       <p:ext uri="{BB962C8B-B14F-4D97-AF65-F5344CB8AC3E}">
-        <p14:creationId xmlns:p14="http://schemas.microsoft.com/office/powerpoint/2010/main" val="276133011"/>
+        <p14:creationId xmlns:p14="http://schemas.microsoft.com/office/powerpoint/2010/main" val="3643365277"/>
       </p:ext>
     </p:extLst>
   </p:cSld>
@@ -12629,7 +17797,7 @@
                                       <p:cBhvr>
                                         <p:cTn id="6" dur="5017" fill="hold"/>
                                         <p:tgtEl>
-                                          <p:spTgt spid="4"/>
+                                          <p:spTgt spid="5"/>
                                         </p:tgtEl>
                                       </p:cBhvr>
                                     </p:cmd>
@@ -12659,24 +17827,12 @@
                 </p:cond>
               </p:nextCondLst>
             </p:seq>
-            <p:video>
-              <p:cMediaNode vol="80000">
-                <p:cTn id="7" fill="hold" display="0">
-                  <p:stCondLst>
-                    <p:cond delay="indefinite"/>
-                  </p:stCondLst>
-                </p:cTn>
-                <p:tgtEl>
-                  <p:spTgt spid="4"/>
-                </p:tgtEl>
-              </p:cMediaNode>
-            </p:video>
             <p:seq concurrent="1" nextAc="seek">
-              <p:cTn id="8" restart="whenNotActive" fill="hold" evtFilter="cancelBubble" nodeType="interactiveSeq">
+              <p:cTn id="7" restart="whenNotActive" fill="hold" evtFilter="cancelBubble" nodeType="interactiveSeq">
                 <p:stCondLst>
                   <p:cond evt="onClick" delay="0">
                     <p:tgtEl>
-                      <p:spTgt spid="4"/>
+                      <p:spTgt spid="5"/>
                     </p:tgtEl>
                   </p:cond>
                 </p:stCondLst>
@@ -12685,28 +17841,28 @@
                 </p:endSync>
                 <p:childTnLst>
                   <p:par>
-                    <p:cTn id="9" fill="hold">
+                    <p:cTn id="8" fill="hold">
                       <p:stCondLst>
                         <p:cond delay="0"/>
                       </p:stCondLst>
                       <p:childTnLst>
                         <p:par>
-                          <p:cTn id="10" fill="hold">
+                          <p:cTn id="9" fill="hold">
                             <p:stCondLst>
                               <p:cond delay="0"/>
                             </p:stCondLst>
                             <p:childTnLst>
                               <p:par>
-                                <p:cTn id="11" presetID="2" presetClass="mediacall" presetSubtype="0" fill="hold" nodeType="clickEffect">
+                                <p:cTn id="10" presetID="2" presetClass="mediacall" presetSubtype="0" fill="hold" nodeType="clickEffect">
                                   <p:stCondLst>
                                     <p:cond delay="0"/>
                                   </p:stCondLst>
                                   <p:childTnLst>
                                     <p:cmd type="call" cmd="togglePause">
                                       <p:cBhvr>
-                                        <p:cTn id="12" dur="1" fill="hold"/>
+                                        <p:cTn id="11" dur="1" fill="hold"/>
                                         <p:tgtEl>
-                                          <p:spTgt spid="4"/>
+                                          <p:spTgt spid="5"/>
                                         </p:tgtEl>
                                       </p:cBhvr>
                                     </p:cmd>
@@ -12724,11 +17880,23 @@
               <p:nextCondLst>
                 <p:cond evt="onClick" delay="0">
                   <p:tgtEl>
-                    <p:spTgt spid="4"/>
+                    <p:spTgt spid="5"/>
                   </p:tgtEl>
                 </p:cond>
               </p:nextCondLst>
             </p:seq>
+            <p:video>
+              <p:cMediaNode vol="80000">
+                <p:cTn id="12" fill="hold" display="0">
+                  <p:stCondLst>
+                    <p:cond delay="indefinite"/>
+                  </p:stCondLst>
+                </p:cTn>
+                <p:tgtEl>
+                  <p:spTgt spid="5"/>
+                </p:tgtEl>
+              </p:cMediaNode>
+            </p:video>
           </p:childTnLst>
         </p:cTn>
       </p:par>
@@ -13802,6 +18970,705 @@
 </file>
 
 <file path=ppt/slides/slide17.xml><?xml version="1.0" encoding="utf-8"?>
+<p:sld xmlns:a="http://schemas.openxmlformats.org/drawingml/2006/main" xmlns:r="http://schemas.openxmlformats.org/officeDocument/2006/relationships" xmlns:p="http://schemas.openxmlformats.org/presentationml/2006/main">
+  <p:cSld>
+    <p:bg>
+      <p:bgPr>
+        <a:solidFill>
+          <a:schemeClr val="bg1"/>
+        </a:solidFill>
+        <a:effectLst/>
+      </p:bgPr>
+    </p:bg>
+    <p:spTree>
+      <p:nvGrpSpPr>
+        <p:cNvPr id="1" name=""/>
+        <p:cNvGrpSpPr/>
+        <p:nvPr/>
+      </p:nvGrpSpPr>
+      <p:grpSpPr>
+        <a:xfrm>
+          <a:off x="0" y="0"/>
+          <a:ext cx="0" cy="0"/>
+          <a:chOff x="0" y="0"/>
+          <a:chExt cx="0" cy="0"/>
+        </a:xfrm>
+      </p:grpSpPr>
+      <p:sp useBgFill="1">
+        <p:nvSpPr>
+          <p:cNvPr id="23" name="Rectangle 22">
+            <a:extLst>
+              <a:ext uri="{FF2B5EF4-FFF2-40B4-BE49-F238E27FC236}">
+                <a16:creationId xmlns:a16="http://schemas.microsoft.com/office/drawing/2014/main" id="{2C61293E-6EBE-43EF-A52C-9BEBFD7679D4}"/>
+              </a:ext>
+              <a:ext uri="{C183D7F6-B498-43B3-948B-1728B52AA6E4}">
+                <adec:decorative xmlns:adec="http://schemas.microsoft.com/office/drawing/2017/decorative" val="1"/>
+              </a:ext>
+            </a:extLst>
+          </p:cNvPr>
+          <p:cNvSpPr>
+            <a:spLocks noGrp="1" noRot="1" noChangeAspect="1" noMove="1" noResize="1" noEditPoints="1" noAdjustHandles="1" noChangeArrowheads="1" noChangeShapeType="1" noTextEdit="1"/>
+          </p:cNvSpPr>
+          <p:nvPr>
+            <p:extLst>
+              <p:ext uri="{386F3935-93C4-4BCD-93E2-E3B085C9AB24}">
+                <p16:designElem xmlns:p16="http://schemas.microsoft.com/office/powerpoint/2015/main" val="1"/>
+              </p:ext>
+            </p:extLst>
+          </p:nvPr>
+        </p:nvSpPr>
+        <p:spPr>
+          <a:xfrm>
+            <a:off x="0" y="0"/>
+            <a:ext cx="12188952" cy="6858000"/>
+          </a:xfrm>
+          <a:prstGeom prst="rect">
+            <a:avLst/>
+          </a:prstGeom>
+          <a:ln>
+            <a:noFill/>
+          </a:ln>
+        </p:spPr>
+        <p:style>
+          <a:lnRef idx="2">
+            <a:schemeClr val="accent1">
+              <a:shade val="50000"/>
+            </a:schemeClr>
+          </a:lnRef>
+          <a:fillRef idx="1">
+            <a:schemeClr val="accent1"/>
+          </a:fillRef>
+          <a:effectRef idx="0">
+            <a:schemeClr val="accent1"/>
+          </a:effectRef>
+          <a:fontRef idx="minor">
+            <a:schemeClr val="lt1"/>
+          </a:fontRef>
+        </p:style>
+        <p:txBody>
+          <a:bodyPr rtlCol="0" anchor="ctr"/>
+          <a:lstStyle/>
+          <a:p>
+            <a:pPr algn="ctr"/>
+            <a:endParaRPr lang="en-US"/>
+          </a:p>
+        </p:txBody>
+      </p:sp>
+      <p:sp>
+        <p:nvSpPr>
+          <p:cNvPr id="2" name="Title 1">
+            <a:extLst>
+              <a:ext uri="{FF2B5EF4-FFF2-40B4-BE49-F238E27FC236}">
+                <a16:creationId xmlns:a16="http://schemas.microsoft.com/office/drawing/2014/main" id="{D8544956-E688-CDA7-2B28-E8896E1F9A08}"/>
+              </a:ext>
+            </a:extLst>
+          </p:cNvPr>
+          <p:cNvSpPr>
+            <a:spLocks noGrp="1"/>
+          </p:cNvSpPr>
+          <p:nvPr>
+            <p:ph type="title"/>
+          </p:nvPr>
+        </p:nvSpPr>
+        <p:spPr>
+          <a:xfrm>
+            <a:off x="5297762" y="329184"/>
+            <a:ext cx="6251110" cy="1783080"/>
+          </a:xfrm>
+        </p:spPr>
+        <p:txBody>
+          <a:bodyPr anchor="b">
+            <a:normAutofit/>
+          </a:bodyPr>
+          <a:lstStyle/>
+          <a:p>
+            <a:r>
+              <a:rPr lang="en-US" sz="5400"/>
+              <a:t>Future Work</a:t>
+            </a:r>
+            <a:endParaRPr lang="LID4096" sz="5400"/>
+          </a:p>
+        </p:txBody>
+      </p:sp>
+      <p:pic>
+        <p:nvPicPr>
+          <p:cNvPr id="19" name="Picture 18">
+            <a:extLst>
+              <a:ext uri="{FF2B5EF4-FFF2-40B4-BE49-F238E27FC236}">
+                <a16:creationId xmlns:a16="http://schemas.microsoft.com/office/drawing/2014/main" id="{30BDC4F5-A949-B2B0-4A97-CC8DE0F033C8}"/>
+              </a:ext>
+            </a:extLst>
+          </p:cNvPr>
+          <p:cNvPicPr>
+            <a:picLocks noChangeAspect="1"/>
+          </p:cNvPicPr>
+          <p:nvPr/>
+        </p:nvPicPr>
+        <p:blipFill rotWithShape="1">
+          <a:blip r:embed="rId2"/>
+          <a:srcRect l="3046" r="51622" b="-1"/>
+          <a:stretch/>
+        </p:blipFill>
+        <p:spPr>
+          <a:xfrm>
+            <a:off x="1" y="10"/>
+            <a:ext cx="4657344" cy="6857990"/>
+          </a:xfrm>
+          <a:custGeom>
+            <a:avLst/>
+            <a:gdLst/>
+            <a:ahLst/>
+            <a:cxnLst/>
+            <a:rect l="l" t="t" r="r" b="b"/>
+            <a:pathLst>
+              <a:path w="4657344" h="6858000">
+                <a:moveTo>
+                  <a:pt x="0" y="0"/>
+                </a:moveTo>
+                <a:lnTo>
+                  <a:pt x="3429755" y="0"/>
+                </a:lnTo>
+                <a:lnTo>
+                  <a:pt x="3526016" y="148742"/>
+                </a:lnTo>
+                <a:cubicBezTo>
+                  <a:pt x="3657740" y="365513"/>
+                  <a:pt x="3777402" y="589569"/>
+                  <a:pt x="3886489" y="819975"/>
+                </a:cubicBezTo>
+                <a:cubicBezTo>
+                  <a:pt x="3891856" y="833492"/>
+                  <a:pt x="3900663" y="845393"/>
+                  <a:pt x="3912049" y="854514"/>
+                </a:cubicBezTo>
+                <a:cubicBezTo>
+                  <a:pt x="3897352" y="819849"/>
+                  <a:pt x="3883037" y="784928"/>
+                  <a:pt x="3868083" y="750263"/>
+                </a:cubicBezTo>
+                <a:cubicBezTo>
+                  <a:pt x="3806989" y="608712"/>
+                  <a:pt x="3742478" y="469145"/>
+                  <a:pt x="3674155" y="331786"/>
+                </a:cubicBezTo>
+                <a:lnTo>
+                  <a:pt x="3496656" y="0"/>
+                </a:lnTo>
+                <a:lnTo>
+                  <a:pt x="3554371" y="0"/>
+                </a:lnTo>
+                <a:lnTo>
+                  <a:pt x="3661621" y="196614"/>
+                </a:lnTo>
+                <a:cubicBezTo>
+                  <a:pt x="3856899" y="573253"/>
+                  <a:pt x="4021071" y="966066"/>
+                  <a:pt x="4161279" y="1371196"/>
+                </a:cubicBezTo>
+                <a:cubicBezTo>
+                  <a:pt x="4379525" y="2007265"/>
+                  <a:pt x="4530141" y="2664286"/>
+                  <a:pt x="4610660" y="3331516"/>
+                </a:cubicBezTo>
+                <a:cubicBezTo>
+                  <a:pt x="4652837" y="3672965"/>
+                  <a:pt x="4671625" y="4013908"/>
+                  <a:pt x="4645040" y="4357388"/>
+                </a:cubicBezTo>
+                <a:cubicBezTo>
+                  <a:pt x="4613599" y="4758899"/>
+                  <a:pt x="4566181" y="5157998"/>
+                  <a:pt x="4485789" y="5552906"/>
+                </a:cubicBezTo>
+                <a:cubicBezTo>
+                  <a:pt x="4397121" y="5988893"/>
+                  <a:pt x="4276748" y="6414594"/>
+                  <a:pt x="4117769" y="6828295"/>
+                </a:cubicBezTo>
+                <a:lnTo>
+                  <a:pt x="4105288" y="6858000"/>
+                </a:lnTo>
+                <a:lnTo>
+                  <a:pt x="4052520" y="6858000"/>
+                </a:lnTo>
+                <a:lnTo>
+                  <a:pt x="4059369" y="6841549"/>
+                </a:lnTo>
+                <a:cubicBezTo>
+                  <a:pt x="4147276" y="6614016"/>
+                  <a:pt x="4224193" y="6380817"/>
+                  <a:pt x="4291518" y="6142729"/>
+                </a:cubicBezTo>
+                <a:cubicBezTo>
+                  <a:pt x="4350055" y="5935370"/>
+                  <a:pt x="4393256" y="5723695"/>
+                  <a:pt x="4443357" y="5513923"/>
+                </a:cubicBezTo>
+                <a:cubicBezTo>
+                  <a:pt x="4444541" y="5502788"/>
+                  <a:pt x="4445137" y="5491601"/>
+                  <a:pt x="4445146" y="5480401"/>
+                </a:cubicBezTo>
+                <a:cubicBezTo>
+                  <a:pt x="4408465" y="5607635"/>
+                  <a:pt x="4379196" y="5719759"/>
+                  <a:pt x="4344559" y="5830359"/>
+                </a:cubicBezTo>
+                <a:cubicBezTo>
+                  <a:pt x="4254261" y="6118381"/>
+                  <a:pt x="4150112" y="6398531"/>
+                  <a:pt x="4031702" y="6670527"/>
+                </a:cubicBezTo>
+                <a:lnTo>
+                  <a:pt x="3943824" y="6858000"/>
+                </a:lnTo>
+                <a:lnTo>
+                  <a:pt x="0" y="6858000"/>
+                </a:lnTo>
+                <a:close/>
+              </a:path>
+            </a:pathLst>
+          </a:custGeom>
+        </p:spPr>
+      </p:pic>
+      <p:sp>
+        <p:nvSpPr>
+          <p:cNvPr id="25" name="sketchy line">
+            <a:extLst>
+              <a:ext uri="{FF2B5EF4-FFF2-40B4-BE49-F238E27FC236}">
+                <a16:creationId xmlns:a16="http://schemas.microsoft.com/office/drawing/2014/main" id="{21540236-BFD5-4A9D-8840-4703E7F76825}"/>
+              </a:ext>
+              <a:ext uri="{C183D7F6-B498-43B3-948B-1728B52AA6E4}">
+                <adec:decorative xmlns:adec="http://schemas.microsoft.com/office/drawing/2017/decorative" val="1"/>
+              </a:ext>
+            </a:extLst>
+          </p:cNvPr>
+          <p:cNvSpPr>
+            <a:spLocks noGrp="1" noRot="1" noChangeAspect="1" noMove="1" noResize="1" noEditPoints="1" noAdjustHandles="1" noChangeArrowheads="1" noChangeShapeType="1" noTextEdit="1"/>
+          </p:cNvSpPr>
+          <p:nvPr>
+            <p:extLst>
+              <p:ext uri="{386F3935-93C4-4BCD-93E2-E3B085C9AB24}">
+                <p16:designElem xmlns:p16="http://schemas.microsoft.com/office/powerpoint/2015/main" val="1"/>
+              </p:ext>
+            </p:extLst>
+          </p:nvPr>
+        </p:nvSpPr>
+        <p:spPr>
+          <a:xfrm>
+            <a:off x="5297762" y="2374947"/>
+            <a:ext cx="4243589" cy="18288"/>
+          </a:xfrm>
+          <a:custGeom>
+            <a:avLst/>
+            <a:gdLst>
+              <a:gd name="connsiteX0" fmla="*/ 0 w 4243589"/>
+              <a:gd name="connsiteY0" fmla="*/ 0 h 18288"/>
+              <a:gd name="connsiteX1" fmla="*/ 478919 w 4243589"/>
+              <a:gd name="connsiteY1" fmla="*/ 0 h 18288"/>
+              <a:gd name="connsiteX2" fmla="*/ 957839 w 4243589"/>
+              <a:gd name="connsiteY2" fmla="*/ 0 h 18288"/>
+              <a:gd name="connsiteX3" fmla="*/ 1521630 w 4243589"/>
+              <a:gd name="connsiteY3" fmla="*/ 0 h 18288"/>
+              <a:gd name="connsiteX4" fmla="*/ 2212729 w 4243589"/>
+              <a:gd name="connsiteY4" fmla="*/ 0 h 18288"/>
+              <a:gd name="connsiteX5" fmla="*/ 2734084 w 4243589"/>
+              <a:gd name="connsiteY5" fmla="*/ 0 h 18288"/>
+              <a:gd name="connsiteX6" fmla="*/ 3255439 w 4243589"/>
+              <a:gd name="connsiteY6" fmla="*/ 0 h 18288"/>
+              <a:gd name="connsiteX7" fmla="*/ 4243589 w 4243589"/>
+              <a:gd name="connsiteY7" fmla="*/ 0 h 18288"/>
+              <a:gd name="connsiteX8" fmla="*/ 4243589 w 4243589"/>
+              <a:gd name="connsiteY8" fmla="*/ 18288 h 18288"/>
+              <a:gd name="connsiteX9" fmla="*/ 3594926 w 4243589"/>
+              <a:gd name="connsiteY9" fmla="*/ 18288 h 18288"/>
+              <a:gd name="connsiteX10" fmla="*/ 3073571 w 4243589"/>
+              <a:gd name="connsiteY10" fmla="*/ 18288 h 18288"/>
+              <a:gd name="connsiteX11" fmla="*/ 2552216 w 4243589"/>
+              <a:gd name="connsiteY11" fmla="*/ 18288 h 18288"/>
+              <a:gd name="connsiteX12" fmla="*/ 1903553 w 4243589"/>
+              <a:gd name="connsiteY12" fmla="*/ 18288 h 18288"/>
+              <a:gd name="connsiteX13" fmla="*/ 1212454 w 4243589"/>
+              <a:gd name="connsiteY13" fmla="*/ 18288 h 18288"/>
+              <a:gd name="connsiteX14" fmla="*/ 733535 w 4243589"/>
+              <a:gd name="connsiteY14" fmla="*/ 18288 h 18288"/>
+              <a:gd name="connsiteX15" fmla="*/ 0 w 4243589"/>
+              <a:gd name="connsiteY15" fmla="*/ 18288 h 18288"/>
+              <a:gd name="connsiteX16" fmla="*/ 0 w 4243589"/>
+              <a:gd name="connsiteY16" fmla="*/ 0 h 18288"/>
+            </a:gdLst>
+            <a:ahLst/>
+            <a:cxnLst>
+              <a:cxn ang="0">
+                <a:pos x="connsiteX0" y="connsiteY0"/>
+              </a:cxn>
+              <a:cxn ang="0">
+                <a:pos x="connsiteX1" y="connsiteY1"/>
+              </a:cxn>
+              <a:cxn ang="0">
+                <a:pos x="connsiteX2" y="connsiteY2"/>
+              </a:cxn>
+              <a:cxn ang="0">
+                <a:pos x="connsiteX3" y="connsiteY3"/>
+              </a:cxn>
+              <a:cxn ang="0">
+                <a:pos x="connsiteX4" y="connsiteY4"/>
+              </a:cxn>
+              <a:cxn ang="0">
+                <a:pos x="connsiteX5" y="connsiteY5"/>
+              </a:cxn>
+              <a:cxn ang="0">
+                <a:pos x="connsiteX6" y="connsiteY6"/>
+              </a:cxn>
+              <a:cxn ang="0">
+                <a:pos x="connsiteX7" y="connsiteY7"/>
+              </a:cxn>
+              <a:cxn ang="0">
+                <a:pos x="connsiteX8" y="connsiteY8"/>
+              </a:cxn>
+              <a:cxn ang="0">
+                <a:pos x="connsiteX9" y="connsiteY9"/>
+              </a:cxn>
+              <a:cxn ang="0">
+                <a:pos x="connsiteX10" y="connsiteY10"/>
+              </a:cxn>
+              <a:cxn ang="0">
+                <a:pos x="connsiteX11" y="connsiteY11"/>
+              </a:cxn>
+              <a:cxn ang="0">
+                <a:pos x="connsiteX12" y="connsiteY12"/>
+              </a:cxn>
+              <a:cxn ang="0">
+                <a:pos x="connsiteX13" y="connsiteY13"/>
+              </a:cxn>
+              <a:cxn ang="0">
+                <a:pos x="connsiteX14" y="connsiteY14"/>
+              </a:cxn>
+              <a:cxn ang="0">
+                <a:pos x="connsiteX15" y="connsiteY15"/>
+              </a:cxn>
+              <a:cxn ang="0">
+                <a:pos x="connsiteX16" y="connsiteY16"/>
+              </a:cxn>
+            </a:cxnLst>
+            <a:rect l="l" t="t" r="r" b="b"/>
+            <a:pathLst>
+              <a:path w="4243589" h="18288" fill="none" extrusionOk="0">
+                <a:moveTo>
+                  <a:pt x="0" y="0"/>
+                </a:moveTo>
+                <a:cubicBezTo>
+                  <a:pt x="213395" y="-21006"/>
+                  <a:pt x="307421" y="-18116"/>
+                  <a:pt x="478919" y="0"/>
+                </a:cubicBezTo>
+                <a:cubicBezTo>
+                  <a:pt x="650417" y="18116"/>
+                  <a:pt x="831092" y="-21237"/>
+                  <a:pt x="957839" y="0"/>
+                </a:cubicBezTo>
+                <a:cubicBezTo>
+                  <a:pt x="1084586" y="21237"/>
+                  <a:pt x="1301682" y="25124"/>
+                  <a:pt x="1521630" y="0"/>
+                </a:cubicBezTo>
+                <a:cubicBezTo>
+                  <a:pt x="1741578" y="-25124"/>
+                  <a:pt x="1970269" y="-29139"/>
+                  <a:pt x="2212729" y="0"/>
+                </a:cubicBezTo>
+                <a:cubicBezTo>
+                  <a:pt x="2455189" y="29139"/>
+                  <a:pt x="2558847" y="-4796"/>
+                  <a:pt x="2734084" y="0"/>
+                </a:cubicBezTo>
+                <a:cubicBezTo>
+                  <a:pt x="2909321" y="4796"/>
+                  <a:pt x="3097217" y="-13409"/>
+                  <a:pt x="3255439" y="0"/>
+                </a:cubicBezTo>
+                <a:cubicBezTo>
+                  <a:pt x="3413662" y="13409"/>
+                  <a:pt x="3979999" y="-10121"/>
+                  <a:pt x="4243589" y="0"/>
+                </a:cubicBezTo>
+                <a:cubicBezTo>
+                  <a:pt x="4244484" y="8974"/>
+                  <a:pt x="4243043" y="9359"/>
+                  <a:pt x="4243589" y="18288"/>
+                </a:cubicBezTo>
+                <a:cubicBezTo>
+                  <a:pt x="4058777" y="31246"/>
+                  <a:pt x="3910348" y="3158"/>
+                  <a:pt x="3594926" y="18288"/>
+                </a:cubicBezTo>
+                <a:cubicBezTo>
+                  <a:pt x="3279504" y="33418"/>
+                  <a:pt x="3319955" y="-3977"/>
+                  <a:pt x="3073571" y="18288"/>
+                </a:cubicBezTo>
+                <a:cubicBezTo>
+                  <a:pt x="2827187" y="40553"/>
+                  <a:pt x="2767387" y="1863"/>
+                  <a:pt x="2552216" y="18288"/>
+                </a:cubicBezTo>
+                <a:cubicBezTo>
+                  <a:pt x="2337046" y="34713"/>
+                  <a:pt x="2181871" y="19527"/>
+                  <a:pt x="1903553" y="18288"/>
+                </a:cubicBezTo>
+                <a:cubicBezTo>
+                  <a:pt x="1625235" y="17049"/>
+                  <a:pt x="1557672" y="24174"/>
+                  <a:pt x="1212454" y="18288"/>
+                </a:cubicBezTo>
+                <a:cubicBezTo>
+                  <a:pt x="867236" y="12402"/>
+                  <a:pt x="874382" y="15627"/>
+                  <a:pt x="733535" y="18288"/>
+                </a:cubicBezTo>
+                <a:cubicBezTo>
+                  <a:pt x="592688" y="20949"/>
+                  <a:pt x="183477" y="14753"/>
+                  <a:pt x="0" y="18288"/>
+                </a:cubicBezTo>
+                <a:cubicBezTo>
+                  <a:pt x="-229" y="14222"/>
+                  <a:pt x="509" y="5816"/>
+                  <a:pt x="0" y="0"/>
+                </a:cubicBezTo>
+                <a:close/>
+              </a:path>
+              <a:path w="4243589" h="18288" stroke="0" extrusionOk="0">
+                <a:moveTo>
+                  <a:pt x="0" y="0"/>
+                </a:moveTo>
+                <a:cubicBezTo>
+                  <a:pt x="143690" y="16630"/>
+                  <a:pt x="266667" y="14847"/>
+                  <a:pt x="521355" y="0"/>
+                </a:cubicBezTo>
+                <a:cubicBezTo>
+                  <a:pt x="776043" y="-14847"/>
+                  <a:pt x="814491" y="-17363"/>
+                  <a:pt x="1000275" y="0"/>
+                </a:cubicBezTo>
+                <a:cubicBezTo>
+                  <a:pt x="1186059" y="17363"/>
+                  <a:pt x="1352504" y="-23507"/>
+                  <a:pt x="1521630" y="0"/>
+                </a:cubicBezTo>
+                <a:cubicBezTo>
+                  <a:pt x="1690756" y="23507"/>
+                  <a:pt x="1889525" y="5871"/>
+                  <a:pt x="2127857" y="0"/>
+                </a:cubicBezTo>
+                <a:cubicBezTo>
+                  <a:pt x="2366189" y="-5871"/>
+                  <a:pt x="2620628" y="-27997"/>
+                  <a:pt x="2776520" y="0"/>
+                </a:cubicBezTo>
+                <a:cubicBezTo>
+                  <a:pt x="2932412" y="27997"/>
+                  <a:pt x="3131683" y="-25073"/>
+                  <a:pt x="3467618" y="0"/>
+                </a:cubicBezTo>
+                <a:cubicBezTo>
+                  <a:pt x="3803553" y="25073"/>
+                  <a:pt x="4017371" y="3071"/>
+                  <a:pt x="4243589" y="0"/>
+                </a:cubicBezTo>
+                <a:cubicBezTo>
+                  <a:pt x="4243134" y="6162"/>
+                  <a:pt x="4243492" y="11775"/>
+                  <a:pt x="4243589" y="18288"/>
+                </a:cubicBezTo>
+                <a:cubicBezTo>
+                  <a:pt x="4017834" y="-5779"/>
+                  <a:pt x="3834586" y="13376"/>
+                  <a:pt x="3594926" y="18288"/>
+                </a:cubicBezTo>
+                <a:cubicBezTo>
+                  <a:pt x="3355266" y="23200"/>
+                  <a:pt x="3204179" y="2869"/>
+                  <a:pt x="2903827" y="18288"/>
+                </a:cubicBezTo>
+                <a:cubicBezTo>
+                  <a:pt x="2603475" y="33707"/>
+                  <a:pt x="2526187" y="46187"/>
+                  <a:pt x="2212729" y="18288"/>
+                </a:cubicBezTo>
+                <a:cubicBezTo>
+                  <a:pt x="1899271" y="-9611"/>
+                  <a:pt x="1966289" y="29692"/>
+                  <a:pt x="1733809" y="18288"/>
+                </a:cubicBezTo>
+                <a:cubicBezTo>
+                  <a:pt x="1501329" y="6884"/>
+                  <a:pt x="1343612" y="12492"/>
+                  <a:pt x="1085146" y="18288"/>
+                </a:cubicBezTo>
+                <a:cubicBezTo>
+                  <a:pt x="826680" y="24084"/>
+                  <a:pt x="778184" y="35607"/>
+                  <a:pt x="521355" y="18288"/>
+                </a:cubicBezTo>
+                <a:cubicBezTo>
+                  <a:pt x="264526" y="969"/>
+                  <a:pt x="120277" y="4268"/>
+                  <a:pt x="0" y="18288"/>
+                </a:cubicBezTo>
+                <a:cubicBezTo>
+                  <a:pt x="766" y="10800"/>
+                  <a:pt x="-457" y="8180"/>
+                  <a:pt x="0" y="0"/>
+                </a:cubicBezTo>
+                <a:close/>
+              </a:path>
+            </a:pathLst>
+          </a:custGeom>
+          <a:solidFill>
+            <a:schemeClr val="accent2"/>
+          </a:solidFill>
+          <a:ln w="44450" cap="rnd">
+            <a:solidFill>
+              <a:schemeClr val="accent2"/>
+            </a:solidFill>
+            <a:round/>
+            <a:extLst>
+              <a:ext uri="{C807C97D-BFC1-408E-A445-0C87EB9F89A2}">
+                <ask:lineSketchStyleProps xmlns:ask="http://schemas.microsoft.com/office/drawing/2018/sketchyshapes" sd="2727557108">
+                  <a:prstGeom prst="rect">
+                    <a:avLst/>
+                  </a:prstGeom>
+                  <ask:type>
+                    <ask:lineSketchFreehand/>
+                  </ask:type>
+                </ask:lineSketchStyleProps>
+              </a:ext>
+            </a:extLst>
+          </a:ln>
+        </p:spPr>
+        <p:style>
+          <a:lnRef idx="2">
+            <a:schemeClr val="accent1">
+              <a:shade val="50000"/>
+            </a:schemeClr>
+          </a:lnRef>
+          <a:fillRef idx="1">
+            <a:schemeClr val="accent1"/>
+          </a:fillRef>
+          <a:effectRef idx="0">
+            <a:schemeClr val="accent1"/>
+          </a:effectRef>
+          <a:fontRef idx="minor">
+            <a:schemeClr val="lt1"/>
+          </a:fontRef>
+        </p:style>
+        <p:txBody>
+          <a:bodyPr rtlCol="0" anchor="ctr"/>
+          <a:lstStyle/>
+          <a:p>
+            <a:pPr algn="ctr"/>
+            <a:endParaRPr lang="en-US"/>
+          </a:p>
+        </p:txBody>
+      </p:sp>
+      <p:sp>
+        <p:nvSpPr>
+          <p:cNvPr id="3" name="Content Placeholder 2">
+            <a:extLst>
+              <a:ext uri="{FF2B5EF4-FFF2-40B4-BE49-F238E27FC236}">
+                <a16:creationId xmlns:a16="http://schemas.microsoft.com/office/drawing/2014/main" id="{2393D968-FC60-34DC-040A-9C1437C5EBFB}"/>
+              </a:ext>
+            </a:extLst>
+          </p:cNvPr>
+          <p:cNvSpPr>
+            <a:spLocks noGrp="1"/>
+          </p:cNvSpPr>
+          <p:nvPr>
+            <p:ph idx="1"/>
+          </p:nvPr>
+        </p:nvSpPr>
+        <p:spPr>
+          <a:xfrm>
+            <a:off x="5297762" y="2706624"/>
+            <a:ext cx="6251110" cy="3483864"/>
+          </a:xfrm>
+        </p:spPr>
+        <p:txBody>
+          <a:bodyPr>
+            <a:normAutofit fontScale="92500"/>
+          </a:bodyPr>
+          <a:lstStyle/>
+          <a:p>
+            <a:r>
+              <a:rPr lang="en-US" sz="2200" dirty="0"/>
+              <a:t>Increase </a:t>
+            </a:r>
+            <a:r>
+              <a:rPr lang="en-US" sz="2200" dirty="0" err="1"/>
+              <a:t>conditionCov</a:t>
+            </a:r>
+            <a:r>
+              <a:rPr lang="en-US" sz="2200" dirty="0"/>
+              <a:t> limit value to 10^14 to achieve more accurate results for the combined case</a:t>
+            </a:r>
+          </a:p>
+          <a:p>
+            <a:r>
+              <a:rPr lang="en-US" sz="2200" dirty="0"/>
+              <a:t>Distribute parallel optimization of CMAES across multiple machines to further reduce computation time allowing us to search a larger space in less time with more precision (using </a:t>
+            </a:r>
+            <a:r>
+              <a:rPr lang="en-US" sz="2200" dirty="0" err="1"/>
+              <a:t>Dask</a:t>
+            </a:r>
+            <a:r>
+              <a:rPr lang="en-US" sz="2200" dirty="0"/>
+              <a:t> or other libraries)</a:t>
+            </a:r>
+          </a:p>
+          <a:p>
+            <a:r>
+              <a:rPr lang="en-US" sz="2200" dirty="0"/>
+              <a:t>Further investigate the rattle snake and muscular activation period in relation to other parameters</a:t>
+            </a:r>
+          </a:p>
+          <a:p>
+            <a:r>
+              <a:rPr lang="en-US" sz="2200" dirty="0"/>
+              <a:t>Study the relationship between crawling percentage and forward kinetic frictions</a:t>
+            </a:r>
+          </a:p>
+          <a:p>
+            <a:endParaRPr lang="en-US" sz="2200" dirty="0"/>
+          </a:p>
+          <a:p>
+            <a:endParaRPr lang="en-US" sz="2200" dirty="0"/>
+          </a:p>
+          <a:p>
+            <a:pPr marL="0" indent="0">
+              <a:buNone/>
+            </a:pPr>
+            <a:endParaRPr lang="LID4096" sz="2200" dirty="0"/>
+          </a:p>
+        </p:txBody>
+      </p:sp>
+    </p:spTree>
+    <p:extLst>
+      <p:ext uri="{BB962C8B-B14F-4D97-AF65-F5344CB8AC3E}">
+        <p14:creationId xmlns:p14="http://schemas.microsoft.com/office/powerpoint/2010/main" val="531410098"/>
+      </p:ext>
+    </p:extLst>
+  </p:cSld>
+  <p:clrMapOvr>
+    <a:masterClrMapping/>
+  </p:clrMapOvr>
+</p:sld>
+</file>
+
+<file path=ppt/slides/slide18.xml><?xml version="1.0" encoding="utf-8"?>
 <p:sld xmlns:a="http://schemas.openxmlformats.org/drawingml/2006/main" xmlns:r="http://schemas.openxmlformats.org/officeDocument/2006/relationships" xmlns:p="http://schemas.openxmlformats.org/presentationml/2006/main">
   <p:cSld>
     <p:bg>
